--- a/slides/system_calls.pptx
+++ b/slides/system_calls.pptx
@@ -1,28 +1,27 @@
 
 <file path=ppt/presentation.xml><?xml version="1.0" encoding="utf-8"?>
-<p:presentation xmlns:a="http://schemas.openxmlformats.org/drawingml/2006/main" xmlns:r="http://schemas.openxmlformats.org/officeDocument/2006/relationships" xmlns:p="http://schemas.openxmlformats.org/presentationml/2006/main">
+<p:presentation xmlns:a="http://schemas.openxmlformats.org/drawingml/2006/main" xmlns:r="http://schemas.openxmlformats.org/officeDocument/2006/relationships" xmlns:p="http://schemas.openxmlformats.org/presentationml/2006/main" saveSubsetFonts="1">
   <p:sldMasterIdLst>
-    <p:sldMasterId id="2147483648" r:id="rId5"/>
+    <p:sldMasterId id="2147483648" r:id="rId1"/>
   </p:sldMasterIdLst>
   <p:notesMasterIdLst>
-    <p:notesMasterId r:id="rId7"/>
+    <p:notesMasterId r:id="rId14"/>
   </p:notesMasterIdLst>
   <p:sldIdLst>
-    <p:sldId id="256" r:id="rId8"/>
-    <p:sldId id="257" r:id="rId9"/>
-    <p:sldId id="258" r:id="rId10"/>
-    <p:sldId id="259" r:id="rId11"/>
-    <p:sldId id="260" r:id="rId12"/>
-    <p:sldId id="261" r:id="rId13"/>
-    <p:sldId id="262" r:id="rId14"/>
-    <p:sldId id="263" r:id="rId15"/>
-    <p:sldId id="264" r:id="rId16"/>
-    <p:sldId id="265" r:id="rId17"/>
-    <p:sldId id="266" r:id="rId18"/>
-    <p:sldId id="267" r:id="rId19"/>
-    <p:sldId id="268" r:id="rId20"/>
+    <p:sldId id="256" r:id="rId2"/>
+    <p:sldId id="257" r:id="rId3"/>
+    <p:sldId id="258" r:id="rId4"/>
+    <p:sldId id="259" r:id="rId5"/>
+    <p:sldId id="260" r:id="rId6"/>
+    <p:sldId id="262" r:id="rId7"/>
+    <p:sldId id="263" r:id="rId8"/>
+    <p:sldId id="264" r:id="rId9"/>
+    <p:sldId id="265" r:id="rId10"/>
+    <p:sldId id="266" r:id="rId11"/>
+    <p:sldId id="267" r:id="rId12"/>
+    <p:sldId id="268" r:id="rId13"/>
   </p:sldIdLst>
-  <p:sldSz cx="9144000" cy="6858000"/>
+  <p:sldSz cx="9144000" cy="6858000" type="screen4x3"/>
   <p:notesSz cx="6858000" cy="9144000"/>
   <p:defaultTextStyle>
     <a:defPPr marL="0" marR="0" indent="0" algn="l" defTabSz="914400" rtl="0" fontAlgn="auto" latinLnBrk="1" hangingPunct="0">
@@ -40,7 +39,7 @@
       <a:buFontTx/>
       <a:buNone/>
       <a:tabLst/>
-      <a:defRPr b="0" baseline="0" cap="none" i="0" spc="0" strike="noStrike" sz="1800" u="none" kumimoji="0" normalizeH="0">
+      <a:defRPr kumimoji="0" sz="1800" b="0" i="0" u="none" strike="noStrike" cap="none" spc="0" normalizeH="0" baseline="0">
         <a:ln>
           <a:noFill/>
         </a:ln>
@@ -66,7 +65,7 @@
       <a:buFontTx/>
       <a:buNone/>
       <a:tabLst/>
-      <a:defRPr b="0" baseline="0" cap="none" i="0" spc="0" strike="noStrike" sz="1400" u="none" kumimoji="0" normalizeH="0">
+      <a:defRPr kumimoji="0" sz="1400" b="0" i="0" u="none" strike="noStrike" cap="none" spc="0" normalizeH="0" baseline="0">
         <a:ln>
           <a:noFill/>
         </a:ln>
@@ -96,7 +95,7 @@
       <a:buFontTx/>
       <a:buNone/>
       <a:tabLst/>
-      <a:defRPr b="0" baseline="0" cap="none" i="0" spc="0" strike="noStrike" sz="1400" u="none" kumimoji="0" normalizeH="0">
+      <a:defRPr kumimoji="0" sz="1400" b="0" i="0" u="none" strike="noStrike" cap="none" spc="0" normalizeH="0" baseline="0">
         <a:ln>
           <a:noFill/>
         </a:ln>
@@ -126,7 +125,7 @@
       <a:buFontTx/>
       <a:buNone/>
       <a:tabLst/>
-      <a:defRPr b="0" baseline="0" cap="none" i="0" spc="0" strike="noStrike" sz="1400" u="none" kumimoji="0" normalizeH="0">
+      <a:defRPr kumimoji="0" sz="1400" b="0" i="0" u="none" strike="noStrike" cap="none" spc="0" normalizeH="0" baseline="0">
         <a:ln>
           <a:noFill/>
         </a:ln>
@@ -156,7 +155,7 @@
       <a:buFontTx/>
       <a:buNone/>
       <a:tabLst/>
-      <a:defRPr b="0" baseline="0" cap="none" i="0" spc="0" strike="noStrike" sz="1400" u="none" kumimoji="0" normalizeH="0">
+      <a:defRPr kumimoji="0" sz="1400" b="0" i="0" u="none" strike="noStrike" cap="none" spc="0" normalizeH="0" baseline="0">
         <a:ln>
           <a:noFill/>
         </a:ln>
@@ -186,7 +185,7 @@
       <a:buFontTx/>
       <a:buNone/>
       <a:tabLst/>
-      <a:defRPr b="0" baseline="0" cap="none" i="0" spc="0" strike="noStrike" sz="1400" u="none" kumimoji="0" normalizeH="0">
+      <a:defRPr kumimoji="0" sz="1400" b="0" i="0" u="none" strike="noStrike" cap="none" spc="0" normalizeH="0" baseline="0">
         <a:ln>
           <a:noFill/>
         </a:ln>
@@ -216,7 +215,7 @@
       <a:buFontTx/>
       <a:buNone/>
       <a:tabLst/>
-      <a:defRPr b="0" baseline="0" cap="none" i="0" spc="0" strike="noStrike" sz="1400" u="none" kumimoji="0" normalizeH="0">
+      <a:defRPr kumimoji="0" sz="1400" b="0" i="0" u="none" strike="noStrike" cap="none" spc="0" normalizeH="0" baseline="0">
         <a:ln>
           <a:noFill/>
         </a:ln>
@@ -246,7 +245,7 @@
       <a:buFontTx/>
       <a:buNone/>
       <a:tabLst/>
-      <a:defRPr b="0" baseline="0" cap="none" i="0" spc="0" strike="noStrike" sz="1400" u="none" kumimoji="0" normalizeH="0">
+      <a:defRPr kumimoji="0" sz="1400" b="0" i="0" u="none" strike="noStrike" cap="none" spc="0" normalizeH="0" baseline="0">
         <a:ln>
           <a:noFill/>
         </a:ln>
@@ -276,7 +275,7 @@
       <a:buFontTx/>
       <a:buNone/>
       <a:tabLst/>
-      <a:defRPr b="0" baseline="0" cap="none" i="0" spc="0" strike="noStrike" sz="1400" u="none" kumimoji="0" normalizeH="0">
+      <a:defRPr kumimoji="0" sz="1400" b="0" i="0" u="none" strike="noStrike" cap="none" spc="0" normalizeH="0" baseline="0">
         <a:ln>
           <a:noFill/>
         </a:ln>
@@ -306,7 +305,7 @@
       <a:buFontTx/>
       <a:buNone/>
       <a:tabLst/>
-      <a:defRPr b="0" baseline="0" cap="none" i="0" spc="0" strike="noStrike" sz="1400" u="none" kumimoji="0" normalizeH="0">
+      <a:defRPr kumimoji="0" sz="1400" b="0" i="0" u="none" strike="noStrike" cap="none" spc="0" normalizeH="0" baseline="0">
         <a:ln>
           <a:noFill/>
         </a:ln>
@@ -325,13 +324,14 @@
 </p:presentation>
 </file>
 
-<file path=ppt/commentAuthors.xml><?xml version="1.0" encoding="utf-8"?>
-<p:cmAuthorLst xmlns:a="http://schemas.openxmlformats.org/drawingml/2006/main" xmlns:r="http://schemas.openxmlformats.org/officeDocument/2006/relationships" xmlns:p="http://schemas.openxmlformats.org/presentationml/2006/main"/>
-</file>
-
 <file path=ppt/notesMasters/notesMaster1.xml><?xml version="1.0" encoding="utf-8"?>
 <p:notesMaster xmlns:a="http://schemas.openxmlformats.org/drawingml/2006/main" xmlns:r="http://schemas.openxmlformats.org/officeDocument/2006/relationships" xmlns:p="http://schemas.openxmlformats.org/presentationml/2006/main">
   <p:cSld>
+    <p:bg>
+      <p:bgRef idx="1001">
+        <a:schemeClr val="bg1"/>
+      </p:bgRef>
+    </p:bg>
     <p:spTree>
       <p:nvGrpSpPr>
         <p:cNvPr id="1" name=""/>
@@ -349,7 +349,9 @@
       <p:sp>
         <p:nvSpPr>
           <p:cNvPr id="37" name="Shape 37"/>
-          <p:cNvSpPr/>
+          <p:cNvSpPr>
+            <a:spLocks noGrp="1" noRot="1" noChangeAspect="1"/>
+          </p:cNvSpPr>
           <p:nvPr>
             <p:ph type="sldImg"/>
           </p:nvPr>
@@ -367,14 +369,16 @@
           <a:bodyPr/>
           <a:lstStyle/>
           <a:p>
-            <a:pPr/>
+            <a:endParaRPr/>
           </a:p>
         </p:txBody>
       </p:sp>
       <p:sp>
         <p:nvSpPr>
           <p:cNvPr id="38" name="Shape 38"/>
-          <p:cNvSpPr/>
+          <p:cNvSpPr>
+            <a:spLocks noGrp="1"/>
+          </p:cNvSpPr>
           <p:nvPr>
             <p:ph type="body" sz="quarter" idx="1"/>
           </p:nvPr>
@@ -392,7 +396,7 @@
           <a:bodyPr/>
           <a:lstStyle/>
           <a:p>
-            <a:pPr/>
+            <a:endParaRPr/>
           </a:p>
         </p:txBody>
       </p:sp>
@@ -504,7 +508,7 @@
 </file>
 
 <file path=ppt/slideLayouts/slideLayout1.xml><?xml version="1.0" encoding="utf-8"?>
-<p:sldLayout xmlns:a="http://schemas.openxmlformats.org/drawingml/2006/main" xmlns:r="http://schemas.openxmlformats.org/officeDocument/2006/relationships" xmlns:p="http://schemas.openxmlformats.org/presentationml/2006/main" type="tx" showMasterSp="1" showMasterPhAnim="1">
+<p:sldLayout xmlns:a="http://schemas.openxmlformats.org/drawingml/2006/main" xmlns:r="http://schemas.openxmlformats.org/officeDocument/2006/relationships" xmlns:p="http://schemas.openxmlformats.org/presentationml/2006/main" type="tx">
   <p:cSld name="Title Slide">
     <p:spTree>
       <p:nvGrpSpPr>
@@ -523,7 +527,9 @@
       <p:sp>
         <p:nvSpPr>
           <p:cNvPr id="11" name="Shape 11"/>
-          <p:cNvSpPr/>
+          <p:cNvSpPr>
+            <a:spLocks noGrp="1"/>
+          </p:cNvSpPr>
           <p:nvPr>
             <p:ph type="title"/>
           </p:nvPr>
@@ -545,7 +551,6 @@
             </a:lvl1pPr>
           </a:lstStyle>
           <a:p>
-            <a:pPr/>
             <a:r>
               <a:t>Title Text</a:t>
             </a:r>
@@ -555,7 +560,9 @@
       <p:sp>
         <p:nvSpPr>
           <p:cNvPr id="12" name="Shape 12"/>
-          <p:cNvSpPr/>
+          <p:cNvSpPr>
+            <a:spLocks noGrp="1"/>
+          </p:cNvSpPr>
           <p:nvPr>
             <p:ph type="body" sz="half" idx="1"/>
           </p:nvPr>
@@ -594,7 +601,6 @@
             </a:lvl5pPr>
           </a:lstStyle>
           <a:p>
-            <a:pPr/>
             <a:r>
               <a:t>Body Level One</a:t>
             </a:r>
@@ -628,7 +634,9 @@
       <p:sp>
         <p:nvSpPr>
           <p:cNvPr id="13" name="Shape 13"/>
-          <p:cNvSpPr/>
+          <p:cNvSpPr>
+            <a:spLocks noGrp="1"/>
+          </p:cNvSpPr>
           <p:nvPr>
             <p:ph type="sldNum" sz="quarter" idx="2"/>
           </p:nvPr>
@@ -642,8 +650,10 @@
           <a:bodyPr/>
           <a:lstStyle/>
           <a:p>
-            <a:pPr/>
-            <a:fld id="{86CB4B4D-7CA3-9044-876B-883B54F8677D}" type="slidenum"/>
+            <a:fld id="{86CB4B4D-7CA3-9044-876B-883B54F8677D}" type="slidenum">
+              <a:t>‹#›</a:t>
+            </a:fld>
+            <a:endParaRPr/>
           </a:p>
         </p:txBody>
       </p:sp>
@@ -652,12 +662,12 @@
   <p:clrMapOvr>
     <a:masterClrMapping/>
   </p:clrMapOvr>
-  <p:transition xmlns:p14="http://schemas.microsoft.com/office/powerpoint/2010/main" spd="med" advClick="1"/>
+  <p:transition spd="med"/>
 </p:sldLayout>
 </file>
 
 <file path=ppt/slideLayouts/slideLayout2.xml><?xml version="1.0" encoding="utf-8"?>
-<p:sldLayout xmlns:a="http://schemas.openxmlformats.org/drawingml/2006/main" xmlns:r="http://schemas.openxmlformats.org/officeDocument/2006/relationships" xmlns:p="http://schemas.openxmlformats.org/presentationml/2006/main" type="tx" showMasterSp="1" showMasterPhAnim="1">
+<p:sldLayout xmlns:a="http://schemas.openxmlformats.org/drawingml/2006/main" xmlns:r="http://schemas.openxmlformats.org/officeDocument/2006/relationships" xmlns:p="http://schemas.openxmlformats.org/presentationml/2006/main" type="tx">
   <p:cSld name="Title and Body">
     <p:spTree>
       <p:nvGrpSpPr>
@@ -676,7 +686,9 @@
       <p:sp>
         <p:nvSpPr>
           <p:cNvPr id="20" name="Shape 20"/>
-          <p:cNvSpPr/>
+          <p:cNvSpPr>
+            <a:spLocks noGrp="1"/>
+          </p:cNvSpPr>
           <p:nvPr>
             <p:ph type="title"/>
           </p:nvPr>
@@ -690,7 +702,6 @@
           <a:bodyPr/>
           <a:lstStyle/>
           <a:p>
-            <a:pPr/>
             <a:r>
               <a:t>Title Text</a:t>
             </a:r>
@@ -700,7 +711,9 @@
       <p:sp>
         <p:nvSpPr>
           <p:cNvPr id="21" name="Shape 21"/>
-          <p:cNvSpPr/>
+          <p:cNvSpPr>
+            <a:spLocks noGrp="1"/>
+          </p:cNvSpPr>
           <p:nvPr>
             <p:ph type="body" idx="1"/>
           </p:nvPr>
@@ -714,7 +727,6 @@
           <a:bodyPr/>
           <a:lstStyle/>
           <a:p>
-            <a:pPr/>
             <a:r>
               <a:t>Body Level One</a:t>
             </a:r>
@@ -748,7 +760,9 @@
       <p:sp>
         <p:nvSpPr>
           <p:cNvPr id="22" name="Shape 22"/>
-          <p:cNvSpPr/>
+          <p:cNvSpPr>
+            <a:spLocks noGrp="1"/>
+          </p:cNvSpPr>
           <p:nvPr>
             <p:ph type="sldNum" sz="quarter" idx="2"/>
           </p:nvPr>
@@ -762,8 +776,10 @@
           <a:bodyPr/>
           <a:lstStyle/>
           <a:p>
-            <a:pPr/>
-            <a:fld id="{86CB4B4D-7CA3-9044-876B-883B54F8677D}" type="slidenum"/>
+            <a:fld id="{86CB4B4D-7CA3-9044-876B-883B54F8677D}" type="slidenum">
+              <a:t>‹#›</a:t>
+            </a:fld>
+            <a:endParaRPr/>
           </a:p>
         </p:txBody>
       </p:sp>
@@ -772,12 +788,12 @@
   <p:clrMapOvr>
     <a:masterClrMapping/>
   </p:clrMapOvr>
-  <p:transition xmlns:p14="http://schemas.microsoft.com/office/powerpoint/2010/main" spd="med" advClick="1"/>
+  <p:transition spd="med"/>
 </p:sldLayout>
 </file>
 
 <file path=ppt/slideLayouts/slideLayout3.xml><?xml version="1.0" encoding="utf-8"?>
-<p:sldLayout xmlns:a="http://schemas.openxmlformats.org/drawingml/2006/main" xmlns:r="http://schemas.openxmlformats.org/officeDocument/2006/relationships" xmlns:p="http://schemas.openxmlformats.org/presentationml/2006/main" type="tx" showMasterSp="1" showMasterPhAnim="1">
+<p:sldLayout xmlns:a="http://schemas.openxmlformats.org/drawingml/2006/main" xmlns:r="http://schemas.openxmlformats.org/officeDocument/2006/relationships" xmlns:p="http://schemas.openxmlformats.org/presentationml/2006/main" type="tx">
   <p:cSld name="Title and Two Columns">
     <p:spTree>
       <p:nvGrpSpPr>
@@ -796,7 +812,9 @@
       <p:sp>
         <p:nvSpPr>
           <p:cNvPr id="29" name="Shape 29"/>
-          <p:cNvSpPr/>
+          <p:cNvSpPr>
+            <a:spLocks noGrp="1"/>
+          </p:cNvSpPr>
           <p:nvPr>
             <p:ph type="title"/>
           </p:nvPr>
@@ -814,7 +832,6 @@
           <a:bodyPr/>
           <a:lstStyle/>
           <a:p>
-            <a:pPr/>
             <a:r>
               <a:t>Title Text</a:t>
             </a:r>
@@ -824,7 +841,9 @@
       <p:sp>
         <p:nvSpPr>
           <p:cNvPr id="30" name="Shape 30"/>
-          <p:cNvSpPr/>
+          <p:cNvSpPr>
+            <a:spLocks noGrp="1"/>
+          </p:cNvSpPr>
           <p:nvPr>
             <p:ph type="body" sz="half" idx="1"/>
           </p:nvPr>
@@ -842,7 +861,6 @@
           <a:bodyPr/>
           <a:lstStyle/>
           <a:p>
-            <a:pPr/>
             <a:r>
               <a:t>Body Level One</a:t>
             </a:r>
@@ -876,7 +894,9 @@
       <p:sp>
         <p:nvSpPr>
           <p:cNvPr id="31" name="Shape 31"/>
-          <p:cNvSpPr/>
+          <p:cNvSpPr>
+            <a:spLocks noGrp="1"/>
+          </p:cNvSpPr>
           <p:nvPr>
             <p:ph type="sldNum" sz="quarter" idx="2"/>
           </p:nvPr>
@@ -890,8 +910,10 @@
           <a:bodyPr/>
           <a:lstStyle/>
           <a:p>
-            <a:pPr/>
-            <a:fld id="{86CB4B4D-7CA3-9044-876B-883B54F8677D}" type="slidenum"/>
+            <a:fld id="{86CB4B4D-7CA3-9044-876B-883B54F8677D}" type="slidenum">
+              <a:t>‹#›</a:t>
+            </a:fld>
+            <a:endParaRPr/>
           </a:p>
         </p:txBody>
       </p:sp>
@@ -900,7 +922,7 @@
   <p:clrMapOvr>
     <a:masterClrMapping/>
   </p:clrMapOvr>
-  <p:transition xmlns:p14="http://schemas.microsoft.com/office/powerpoint/2010/main" spd="med" advClick="1"/>
+  <p:transition spd="med"/>
 </p:sldLayout>
 </file>
 
@@ -914,6 +936,7 @@
             <a:lumOff val="44000"/>
           </a:schemeClr>
         </a:solidFill>
+        <a:effectLst/>
       </p:bgPr>
     </p:bg>
     <p:spTree>
@@ -933,7 +956,9 @@
       <p:sp>
         <p:nvSpPr>
           <p:cNvPr id="2" name="Shape 2"/>
-          <p:cNvSpPr/>
+          <p:cNvSpPr>
+            <a:spLocks noGrp="1"/>
+          </p:cNvSpPr>
           <p:nvPr>
             <p:ph type="title"/>
           </p:nvPr>
@@ -959,7 +984,6 @@
           <a:bodyPr lIns="91424" tIns="91424" rIns="91424" bIns="91424"/>
           <a:lstStyle/>
           <a:p>
-            <a:pPr/>
             <a:r>
               <a:t>Title Text</a:t>
             </a:r>
@@ -969,7 +993,9 @@
       <p:sp>
         <p:nvSpPr>
           <p:cNvPr id="3" name="Shape 3"/>
-          <p:cNvSpPr/>
+          <p:cNvSpPr>
+            <a:spLocks noGrp="1"/>
+          </p:cNvSpPr>
           <p:nvPr>
             <p:ph type="body" idx="1"/>
           </p:nvPr>
@@ -995,7 +1021,6 @@
           <a:bodyPr lIns="91424" tIns="91424" rIns="91424" bIns="91424"/>
           <a:lstStyle/>
           <a:p>
-            <a:pPr/>
             <a:r>
               <a:t>Body Level One</a:t>
             </a:r>
@@ -1029,7 +1054,9 @@
       <p:sp>
         <p:nvSpPr>
           <p:cNvPr id="4" name="Shape 4"/>
-          <p:cNvSpPr/>
+          <p:cNvSpPr>
+            <a:spLocks noGrp="1"/>
+          </p:cNvSpPr>
           <p:nvPr>
             <p:ph type="sldNum" sz="quarter" idx="2"/>
           </p:nvPr>
@@ -1061,8 +1088,10 @@
             </a:lvl1pPr>
           </a:lstStyle>
           <a:p>
-            <a:pPr/>
-            <a:fld id="{86CB4B4D-7CA3-9044-876B-883B54F8677D}" type="slidenum"/>
+            <a:fld id="{86CB4B4D-7CA3-9044-876B-883B54F8677D}" type="slidenum">
+              <a:t>‹#›</a:t>
+            </a:fld>
+            <a:endParaRPr/>
           </a:p>
         </p:txBody>
       </p:sp>
@@ -1070,11 +1099,11 @@
   </p:cSld>
   <p:clrMap bg1="lt1" tx1="dk1" bg2="lt2" tx2="dk2" accent1="accent1" accent2="accent2" accent3="accent3" accent4="accent4" accent5="accent5" accent6="accent6" hlink="hlink" folHlink="folHlink"/>
   <p:sldLayoutIdLst>
-    <p:sldLayoutId id="2147483649" r:id="rId2"/>
-    <p:sldLayoutId id="2147483650" r:id="rId3"/>
-    <p:sldLayoutId id="2147483651" r:id="rId4"/>
+    <p:sldLayoutId id="2147483649" r:id="rId1"/>
+    <p:sldLayoutId id="2147483650" r:id="rId2"/>
+    <p:sldLayoutId id="2147483651" r:id="rId3"/>
   </p:sldLayoutIdLst>
-  <p:transition xmlns:p14="http://schemas.microsoft.com/office/powerpoint/2010/main" spd="med" advClick="1"/>
+  <p:transition spd="med"/>
   <p:txStyles>
     <p:titleStyle>
       <a:lvl1pPr marL="0" marR="0" indent="0" algn="l" defTabSz="914400" latinLnBrk="0">
@@ -1092,7 +1121,7 @@
         <a:buFontTx/>
         <a:buNone/>
         <a:tabLst/>
-        <a:defRPr b="0" baseline="0" cap="none" i="0" spc="0" strike="noStrike" sz="4400" u="none">
+        <a:defRPr sz="4400" b="0" i="0" u="none" strike="noStrike" cap="none" spc="0" baseline="0">
           <a:ln>
             <a:noFill/>
           </a:ln>
@@ -1121,7 +1150,7 @@
         <a:buFontTx/>
         <a:buNone/>
         <a:tabLst/>
-        <a:defRPr b="0" baseline="0" cap="none" i="0" spc="0" strike="noStrike" sz="4400" u="none">
+        <a:defRPr sz="4400" b="0" i="0" u="none" strike="noStrike" cap="none" spc="0" baseline="0">
           <a:ln>
             <a:noFill/>
           </a:ln>
@@ -1150,7 +1179,7 @@
         <a:buFontTx/>
         <a:buNone/>
         <a:tabLst/>
-        <a:defRPr b="0" baseline="0" cap="none" i="0" spc="0" strike="noStrike" sz="4400" u="none">
+        <a:defRPr sz="4400" b="0" i="0" u="none" strike="noStrike" cap="none" spc="0" baseline="0">
           <a:ln>
             <a:noFill/>
           </a:ln>
@@ -1179,7 +1208,7 @@
         <a:buFontTx/>
         <a:buNone/>
         <a:tabLst/>
-        <a:defRPr b="0" baseline="0" cap="none" i="0" spc="0" strike="noStrike" sz="4400" u="none">
+        <a:defRPr sz="4400" b="0" i="0" u="none" strike="noStrike" cap="none" spc="0" baseline="0">
           <a:ln>
             <a:noFill/>
           </a:ln>
@@ -1208,7 +1237,7 @@
         <a:buFontTx/>
         <a:buNone/>
         <a:tabLst/>
-        <a:defRPr b="0" baseline="0" cap="none" i="0" spc="0" strike="noStrike" sz="4400" u="none">
+        <a:defRPr sz="4400" b="0" i="0" u="none" strike="noStrike" cap="none" spc="0" baseline="0">
           <a:ln>
             <a:noFill/>
           </a:ln>
@@ -1237,7 +1266,7 @@
         <a:buFontTx/>
         <a:buNone/>
         <a:tabLst/>
-        <a:defRPr b="0" baseline="0" cap="none" i="0" spc="0" strike="noStrike" sz="4400" u="none">
+        <a:defRPr sz="4400" b="0" i="0" u="none" strike="noStrike" cap="none" spc="0" baseline="0">
           <a:ln>
             <a:noFill/>
           </a:ln>
@@ -1266,7 +1295,7 @@
         <a:buFontTx/>
         <a:buNone/>
         <a:tabLst/>
-        <a:defRPr b="0" baseline="0" cap="none" i="0" spc="0" strike="noStrike" sz="4400" u="none">
+        <a:defRPr sz="4400" b="0" i="0" u="none" strike="noStrike" cap="none" spc="0" baseline="0">
           <a:ln>
             <a:noFill/>
           </a:ln>
@@ -1295,7 +1324,7 @@
         <a:buFontTx/>
         <a:buNone/>
         <a:tabLst/>
-        <a:defRPr b="0" baseline="0" cap="none" i="0" spc="0" strike="noStrike" sz="4400" u="none">
+        <a:defRPr sz="4400" b="0" i="0" u="none" strike="noStrike" cap="none" spc="0" baseline="0">
           <a:ln>
             <a:noFill/>
           </a:ln>
@@ -1324,7 +1353,7 @@
         <a:buFontTx/>
         <a:buNone/>
         <a:tabLst/>
-        <a:defRPr b="0" baseline="0" cap="none" i="0" spc="0" strike="noStrike" sz="4400" u="none">
+        <a:defRPr sz="4400" b="0" i="0" u="none" strike="noStrike" cap="none" spc="0" baseline="0">
           <a:ln>
             <a:noFill/>
           </a:ln>
@@ -1355,7 +1384,7 @@
         <a:buFontTx/>
         <a:buChar char="•"/>
         <a:tabLst/>
-        <a:defRPr b="0" baseline="0" cap="none" i="0" spc="0" strike="noStrike" sz="3200" u="none">
+        <a:defRPr sz="3200" b="0" i="0" u="none" strike="noStrike" cap="none" spc="0" baseline="0">
           <a:ln>
             <a:noFill/>
           </a:ln>
@@ -1384,7 +1413,7 @@
         <a:buFontTx/>
         <a:buChar char="•"/>
         <a:tabLst/>
-        <a:defRPr b="0" baseline="0" cap="none" i="0" spc="0" strike="noStrike" sz="3200" u="none">
+        <a:defRPr sz="3200" b="0" i="0" u="none" strike="noStrike" cap="none" spc="0" baseline="0">
           <a:ln>
             <a:noFill/>
           </a:ln>
@@ -1413,7 +1442,7 @@
         <a:buFontTx/>
         <a:buChar char="•"/>
         <a:tabLst/>
-        <a:defRPr b="0" baseline="0" cap="none" i="0" spc="0" strike="noStrike" sz="3200" u="none">
+        <a:defRPr sz="3200" b="0" i="0" u="none" strike="noStrike" cap="none" spc="0" baseline="0">
           <a:ln>
             <a:noFill/>
           </a:ln>
@@ -1442,7 +1471,7 @@
         <a:buFontTx/>
         <a:buChar char="•"/>
         <a:tabLst/>
-        <a:defRPr b="0" baseline="0" cap="none" i="0" spc="0" strike="noStrike" sz="3200" u="none">
+        <a:defRPr sz="3200" b="0" i="0" u="none" strike="noStrike" cap="none" spc="0" baseline="0">
           <a:ln>
             <a:noFill/>
           </a:ln>
@@ -1471,7 +1500,7 @@
         <a:buFontTx/>
         <a:buChar char="•"/>
         <a:tabLst/>
-        <a:defRPr b="0" baseline="0" cap="none" i="0" spc="0" strike="noStrike" sz="3200" u="none">
+        <a:defRPr sz="3200" b="0" i="0" u="none" strike="noStrike" cap="none" spc="0" baseline="0">
           <a:ln>
             <a:noFill/>
           </a:ln>
@@ -1500,7 +1529,7 @@
         <a:buFontTx/>
         <a:buChar char="•"/>
         <a:tabLst/>
-        <a:defRPr b="0" baseline="0" cap="none" i="0" spc="0" strike="noStrike" sz="3200" u="none">
+        <a:defRPr sz="3200" b="0" i="0" u="none" strike="noStrike" cap="none" spc="0" baseline="0">
           <a:ln>
             <a:noFill/>
           </a:ln>
@@ -1529,7 +1558,7 @@
         <a:buFontTx/>
         <a:buChar char="•"/>
         <a:tabLst/>
-        <a:defRPr b="0" baseline="0" cap="none" i="0" spc="0" strike="noStrike" sz="3200" u="none">
+        <a:defRPr sz="3200" b="0" i="0" u="none" strike="noStrike" cap="none" spc="0" baseline="0">
           <a:ln>
             <a:noFill/>
           </a:ln>
@@ -1558,7 +1587,7 @@
         <a:buFontTx/>
         <a:buChar char="•"/>
         <a:tabLst/>
-        <a:defRPr b="0" baseline="0" cap="none" i="0" spc="0" strike="noStrike" sz="3200" u="none">
+        <a:defRPr sz="3200" b="0" i="0" u="none" strike="noStrike" cap="none" spc="0" baseline="0">
           <a:ln>
             <a:noFill/>
           </a:ln>
@@ -1587,7 +1616,7 @@
         <a:buFontTx/>
         <a:buChar char="•"/>
         <a:tabLst/>
-        <a:defRPr b="0" baseline="0" cap="none" i="0" spc="0" strike="noStrike" sz="3200" u="none">
+        <a:defRPr sz="3200" b="0" i="0" u="none" strike="noStrike" cap="none" spc="0" baseline="0">
           <a:ln>
             <a:noFill/>
           </a:ln>
@@ -1620,7 +1649,7 @@
         <a:buFont typeface="Arial"/>
         <a:buChar char="●"/>
         <a:tabLst/>
-        <a:defRPr b="0" baseline="0" cap="none" i="0" spc="0" strike="noStrike" sz="1400" u="none">
+        <a:defRPr sz="1400" b="0" i="0" u="none" strike="noStrike" cap="none" spc="0" baseline="0">
           <a:ln>
             <a:noFill/>
           </a:ln>
@@ -1651,7 +1680,7 @@
         <a:buFont typeface="Arial"/>
         <a:buChar char="o"/>
         <a:tabLst/>
-        <a:defRPr b="0" baseline="0" cap="none" i="0" spc="0" strike="noStrike" sz="1400" u="none">
+        <a:defRPr sz="1400" b="0" i="0" u="none" strike="noStrike" cap="none" spc="0" baseline="0">
           <a:ln>
             <a:noFill/>
           </a:ln>
@@ -1682,7 +1711,7 @@
         <a:buFont typeface="Arial"/>
         <a:buChar char="▪"/>
         <a:tabLst/>
-        <a:defRPr b="0" baseline="0" cap="none" i="0" spc="0" strike="noStrike" sz="1400" u="none">
+        <a:defRPr sz="1400" b="0" i="0" u="none" strike="noStrike" cap="none" spc="0" baseline="0">
           <a:ln>
             <a:noFill/>
           </a:ln>
@@ -1713,7 +1742,7 @@
         <a:buFont typeface="Arial"/>
         <a:buChar char="●"/>
         <a:tabLst/>
-        <a:defRPr b="0" baseline="0" cap="none" i="0" spc="0" strike="noStrike" sz="1400" u="none">
+        <a:defRPr sz="1400" b="0" i="0" u="none" strike="noStrike" cap="none" spc="0" baseline="0">
           <a:ln>
             <a:noFill/>
           </a:ln>
@@ -1744,7 +1773,7 @@
         <a:buFont typeface="Arial"/>
         <a:buChar char="o"/>
         <a:tabLst/>
-        <a:defRPr b="0" baseline="0" cap="none" i="0" spc="0" strike="noStrike" sz="1400" u="none">
+        <a:defRPr sz="1400" b="0" i="0" u="none" strike="noStrike" cap="none" spc="0" baseline="0">
           <a:ln>
             <a:noFill/>
           </a:ln>
@@ -1775,7 +1804,7 @@
         <a:buFont typeface="Arial"/>
         <a:buChar char="▪"/>
         <a:tabLst/>
-        <a:defRPr b="0" baseline="0" cap="none" i="0" spc="0" strike="noStrike" sz="1400" u="none">
+        <a:defRPr sz="1400" b="0" i="0" u="none" strike="noStrike" cap="none" spc="0" baseline="0">
           <a:ln>
             <a:noFill/>
           </a:ln>
@@ -1806,7 +1835,7 @@
         <a:buFont typeface="Arial"/>
         <a:buChar char="●"/>
         <a:tabLst/>
-        <a:defRPr b="0" baseline="0" cap="none" i="0" spc="0" strike="noStrike" sz="1400" u="none">
+        <a:defRPr sz="1400" b="0" i="0" u="none" strike="noStrike" cap="none" spc="0" baseline="0">
           <a:ln>
             <a:noFill/>
           </a:ln>
@@ -1837,7 +1866,7 @@
         <a:buFont typeface="Arial"/>
         <a:buChar char="o"/>
         <a:tabLst/>
-        <a:defRPr b="0" baseline="0" cap="none" i="0" spc="0" strike="noStrike" sz="1400" u="none">
+        <a:defRPr sz="1400" b="0" i="0" u="none" strike="noStrike" cap="none" spc="0" baseline="0">
           <a:ln>
             <a:noFill/>
           </a:ln>
@@ -1868,7 +1897,7 @@
         <a:buFont typeface="Arial"/>
         <a:buChar char="▪"/>
         <a:tabLst/>
-        <a:defRPr b="0" baseline="0" cap="none" i="0" spc="0" strike="noStrike" sz="1400" u="none">
+        <a:defRPr sz="1400" b="0" i="0" u="none" strike="noStrike" cap="none" spc="0" baseline="0">
           <a:ln>
             <a:noFill/>
           </a:ln>
@@ -1888,7 +1917,7 @@
 </file>
 
 <file path=ppt/slides/slide1.xml><?xml version="1.0" encoding="utf-8"?>
-<p:sld xmlns:a="http://schemas.openxmlformats.org/drawingml/2006/main" xmlns:r="http://schemas.openxmlformats.org/officeDocument/2006/relationships" xmlns:p="http://schemas.openxmlformats.org/presentationml/2006/main" showMasterSp="1" showMasterPhAnim="1">
+<p:sld xmlns:a="http://schemas.openxmlformats.org/drawingml/2006/main" xmlns:r="http://schemas.openxmlformats.org/officeDocument/2006/relationships" xmlns:p="http://schemas.openxmlformats.org/presentationml/2006/main">
   <p:cSld>
     <p:spTree>
       <p:nvGrpSpPr>
@@ -1907,7 +1936,9 @@
       <p:sp>
         <p:nvSpPr>
           <p:cNvPr id="40" name="Shape 40"/>
-          <p:cNvSpPr/>
+          <p:cNvSpPr>
+            <a:spLocks noGrp="1"/>
+          </p:cNvSpPr>
           <p:nvPr>
             <p:ph type="title"/>
           </p:nvPr>
@@ -1923,11 +1954,10 @@
         </p:spPr>
         <p:txBody>
           <a:bodyPr lIns="45699" tIns="45699" rIns="45699" bIns="45699">
-            <a:normAutofit fontScale="100000" lnSpcReduction="0"/>
+            <a:normAutofit/>
           </a:bodyPr>
           <a:lstStyle/>
           <a:p>
-            <a:pPr/>
             <a:r>
               <a:t>System Calls</a:t>
             </a:r>
@@ -1937,7 +1967,9 @@
       <p:sp>
         <p:nvSpPr>
           <p:cNvPr id="41" name="Shape 41"/>
-          <p:cNvSpPr/>
+          <p:cNvSpPr>
+            <a:spLocks noGrp="1"/>
+          </p:cNvSpPr>
           <p:nvPr>
             <p:ph type="body" sz="quarter" idx="1"/>
           </p:nvPr>
@@ -1953,14 +1985,14 @@
         </p:spPr>
         <p:txBody>
           <a:bodyPr lIns="45699" tIns="45699" rIns="45699" bIns="45699">
-            <a:normAutofit fontScale="100000" lnSpcReduction="0"/>
+            <a:normAutofit/>
           </a:bodyPr>
           <a:lstStyle/>
           <a:p>
             <a:pPr indent="120650"/>
-          </a:p>
-          <a:p>
-            <a:pPr/>
+            <a:endParaRPr/>
+          </a:p>
+          <a:p>
             <a:r>
               <a:t>Kartik Gopalan</a:t>
             </a:r>
@@ -1972,1020 +2004,12 @@
   <p:clrMapOvr>
     <a:masterClrMapping/>
   </p:clrMapOvr>
-  <p:transition xmlns:p14="http://schemas.microsoft.com/office/powerpoint/2010/main" spd="med" advClick="1"/>
+  <p:transition spd="med"/>
 </p:sld>
 </file>
 
 <file path=ppt/slides/slide10.xml><?xml version="1.0" encoding="utf-8"?>
-<p:sld xmlns:a="http://schemas.openxmlformats.org/drawingml/2006/main" xmlns:r="http://schemas.openxmlformats.org/officeDocument/2006/relationships" xmlns:p="http://schemas.openxmlformats.org/presentationml/2006/main" showMasterSp="1" showMasterPhAnim="1">
-  <p:cSld>
-    <p:spTree>
-      <p:nvGrpSpPr>
-        <p:cNvPr id="1" name=""/>
-        <p:cNvGrpSpPr/>
-        <p:nvPr/>
-      </p:nvGrpSpPr>
-      <p:grpSpPr>
-        <a:xfrm>
-          <a:off x="0" y="0"/>
-          <a:ext cx="0" cy="0"/>
-          <a:chOff x="0" y="0"/>
-          <a:chExt cx="0" cy="0"/>
-        </a:xfrm>
-      </p:grpSpPr>
-      <p:sp>
-        <p:nvSpPr>
-          <p:cNvPr id="108" name="Shape 108"/>
-          <p:cNvSpPr/>
-          <p:nvPr>
-            <p:ph type="title"/>
-          </p:nvPr>
-        </p:nvSpPr>
-        <p:spPr>
-          <a:xfrm>
-            <a:off x="152400" y="152400"/>
-            <a:ext cx="9416100" cy="1143000"/>
-          </a:xfrm>
-          <a:prstGeom prst="rect">
-            <a:avLst/>
-          </a:prstGeom>
-        </p:spPr>
-        <p:txBody>
-          <a:bodyPr lIns="45699" tIns="45699" rIns="45699" bIns="45699">
-            <a:normAutofit fontScale="100000" lnSpcReduction="0"/>
-          </a:bodyPr>
-          <a:lstStyle>
-            <a:lvl1pPr defTabSz="905255">
-              <a:defRPr sz="3564" u="sng">
-                <a:latin typeface="Calibri"/>
-                <a:ea typeface="Calibri"/>
-                <a:cs typeface="Calibri"/>
-                <a:sym typeface="Calibri"/>
-              </a:defRPr>
-            </a:lvl1pPr>
-          </a:lstStyle>
-          <a:p>
-            <a:pPr>
-              <a:defRPr sz="4356" u="none">
-                <a:latin typeface="Times New Roman"/>
-                <a:ea typeface="Times New Roman"/>
-                <a:cs typeface="Times New Roman"/>
-                <a:sym typeface="Times New Roman"/>
-              </a:defRPr>
-            </a:pPr>
-            <a:r>
-              <a:rPr sz="3564" u="sng">
-                <a:latin typeface="Calibri"/>
-                <a:ea typeface="Calibri"/>
-                <a:cs typeface="Calibri"/>
-                <a:sym typeface="Calibri"/>
-              </a:rPr>
-              <a:t>Step 2: Write the system call handler (cont...)</a:t>
-            </a:r>
-          </a:p>
-        </p:txBody>
-      </p:sp>
-      <p:sp>
-        <p:nvSpPr>
-          <p:cNvPr id="109" name="Shape 109"/>
-          <p:cNvSpPr/>
-          <p:nvPr>
-            <p:ph type="body" sz="half" idx="1"/>
-          </p:nvPr>
-        </p:nvSpPr>
-        <p:spPr>
-          <a:xfrm>
-            <a:off x="76200" y="1219199"/>
-            <a:ext cx="4419599" cy="5446714"/>
-          </a:xfrm>
-          <a:prstGeom prst="rect">
-            <a:avLst/>
-          </a:prstGeom>
-        </p:spPr>
-        <p:txBody>
-          <a:bodyPr lIns="45699" tIns="45699" rIns="45699" bIns="45699">
-            <a:normAutofit fontScale="100000" lnSpcReduction="0"/>
-          </a:bodyPr>
-          <a:lstStyle/>
-          <a:p>
-            <a:pPr marL="200526" indent="-200526">
-              <a:lnSpc>
-                <a:spcPct val="80000"/>
-              </a:lnSpc>
-              <a:spcBef>
-                <a:spcPts val="300"/>
-              </a:spcBef>
-              <a:buSzPct val="47500"/>
-            </a:pPr>
-            <a:r>
-              <a:rPr sz="2000"/>
-              <a:t>Verifying argument passed by user space</a:t>
-            </a:r>
-            <a:endParaRPr sz="2000"/>
-          </a:p>
-          <a:p>
-            <a:pPr marL="0" indent="120650">
-              <a:buSzTx/>
-              <a:buNone/>
-            </a:pPr>
-            <a:endParaRPr sz="1400"/>
-          </a:p>
-          <a:p>
-            <a:pPr lvl="1" marL="285750" indent="171450">
-              <a:lnSpc>
-                <a:spcPct val="80000"/>
-              </a:lnSpc>
-              <a:spcBef>
-                <a:spcPts val="200"/>
-              </a:spcBef>
-              <a:buSzTx/>
-              <a:buNone/>
-              <a:defRPr sz="2800">
-                <a:latin typeface="Arial"/>
-                <a:ea typeface="Arial"/>
-                <a:cs typeface="Arial"/>
-                <a:sym typeface="Arial"/>
-              </a:defRPr>
-            </a:pPr>
-            <a:r>
-              <a:rPr sz="1400">
-                <a:latin typeface="Comic Sans MS"/>
-                <a:ea typeface="Comic Sans MS"/>
-                <a:cs typeface="Comic Sans MS"/>
-                <a:sym typeface="Comic Sans MS"/>
-              </a:rPr>
-              <a:t>asmlinkage long </a:t>
-            </a:r>
-            <a:r>
-              <a:rPr sz="1400">
-                <a:solidFill>
-                  <a:srgbClr val="0000FF"/>
-                </a:solidFill>
-                <a:latin typeface="Comic Sans MS"/>
-                <a:ea typeface="Comic Sans MS"/>
-                <a:cs typeface="Comic Sans MS"/>
-                <a:sym typeface="Comic Sans MS"/>
-              </a:rPr>
-              <a:t>sys_close</a:t>
-            </a:r>
-            <a:r>
-              <a:rPr sz="1400">
-                <a:latin typeface="Comic Sans MS"/>
-                <a:ea typeface="Comic Sans MS"/>
-                <a:cs typeface="Comic Sans MS"/>
-                <a:sym typeface="Comic Sans MS"/>
-              </a:rPr>
-              <a:t>(unsigned int fd)</a:t>
-            </a:r>
-          </a:p>
-          <a:p>
-            <a:pPr lvl="1" marL="285750" indent="171450">
-              <a:lnSpc>
-                <a:spcPct val="80000"/>
-              </a:lnSpc>
-              <a:spcBef>
-                <a:spcPts val="200"/>
-              </a:spcBef>
-              <a:buSzTx/>
-              <a:buNone/>
-              <a:defRPr sz="2800">
-                <a:latin typeface="Arial"/>
-                <a:ea typeface="Arial"/>
-                <a:cs typeface="Arial"/>
-                <a:sym typeface="Arial"/>
-              </a:defRPr>
-            </a:pPr>
-            <a:r>
-              <a:rPr sz="1400">
-                <a:latin typeface="Comic Sans MS"/>
-                <a:ea typeface="Comic Sans MS"/>
-                <a:cs typeface="Comic Sans MS"/>
-                <a:sym typeface="Comic Sans MS"/>
-              </a:rPr>
-              <a:t>{</a:t>
-            </a:r>
-          </a:p>
-          <a:p>
-            <a:pPr lvl="1" marL="285750" indent="171450">
-              <a:lnSpc>
-                <a:spcPct val="80000"/>
-              </a:lnSpc>
-              <a:spcBef>
-                <a:spcPts val="200"/>
-              </a:spcBef>
-              <a:buSzTx/>
-              <a:buNone/>
-              <a:defRPr sz="2800">
-                <a:latin typeface="Arial"/>
-                <a:ea typeface="Arial"/>
-                <a:cs typeface="Arial"/>
-                <a:sym typeface="Arial"/>
-              </a:defRPr>
-            </a:pPr>
-            <a:r>
-              <a:rPr sz="1400">
-                <a:latin typeface="Comic Sans MS"/>
-                <a:ea typeface="Comic Sans MS"/>
-                <a:cs typeface="Comic Sans MS"/>
-                <a:sym typeface="Comic Sans MS"/>
-              </a:rPr>
-              <a:t>        struct file * filp;</a:t>
-            </a:r>
-          </a:p>
-          <a:p>
-            <a:pPr lvl="1" marL="285750" indent="171450">
-              <a:lnSpc>
-                <a:spcPct val="80000"/>
-              </a:lnSpc>
-              <a:spcBef>
-                <a:spcPts val="200"/>
-              </a:spcBef>
-              <a:buSzTx/>
-              <a:buNone/>
-              <a:defRPr sz="2800">
-                <a:latin typeface="Arial"/>
-                <a:ea typeface="Arial"/>
-                <a:cs typeface="Arial"/>
-                <a:sym typeface="Arial"/>
-              </a:defRPr>
-            </a:pPr>
-            <a:r>
-              <a:rPr sz="1400">
-                <a:latin typeface="Comic Sans MS"/>
-                <a:ea typeface="Comic Sans MS"/>
-                <a:cs typeface="Comic Sans MS"/>
-                <a:sym typeface="Comic Sans MS"/>
-              </a:rPr>
-              <a:t>        struct files_struct *files = current-&gt;files;</a:t>
-            </a:r>
-          </a:p>
-          <a:p>
-            <a:pPr lvl="1" marL="285750" indent="171450">
-              <a:lnSpc>
-                <a:spcPct val="80000"/>
-              </a:lnSpc>
-              <a:spcBef>
-                <a:spcPts val="200"/>
-              </a:spcBef>
-              <a:buSzTx/>
-              <a:buNone/>
-              <a:defRPr sz="2800">
-                <a:latin typeface="Arial"/>
-                <a:ea typeface="Arial"/>
-                <a:cs typeface="Arial"/>
-                <a:sym typeface="Arial"/>
-              </a:defRPr>
-            </a:pPr>
-            <a:r>
-              <a:rPr sz="1400">
-                <a:latin typeface="Comic Sans MS"/>
-                <a:ea typeface="Comic Sans MS"/>
-                <a:cs typeface="Comic Sans MS"/>
-                <a:sym typeface="Comic Sans MS"/>
-              </a:rPr>
-              <a:t>        struct fdtable *fdt;</a:t>
-            </a:r>
-          </a:p>
-          <a:p>
-            <a:pPr lvl="1" marL="285750" indent="171450">
-              <a:lnSpc>
-                <a:spcPct val="80000"/>
-              </a:lnSpc>
-              <a:spcBef>
-                <a:spcPts val="200"/>
-              </a:spcBef>
-              <a:buSzTx/>
-              <a:buNone/>
-              <a:defRPr sz="2800">
-                <a:latin typeface="Arial"/>
-                <a:ea typeface="Arial"/>
-                <a:cs typeface="Arial"/>
-                <a:sym typeface="Arial"/>
-              </a:defRPr>
-            </a:pPr>
-            <a:r>
-              <a:rPr sz="1400">
-                <a:latin typeface="Comic Sans MS"/>
-                <a:ea typeface="Comic Sans MS"/>
-                <a:cs typeface="Comic Sans MS"/>
-                <a:sym typeface="Comic Sans MS"/>
-              </a:rPr>
-              <a:t>        spin_lock(&amp;files-&gt;file_lock);</a:t>
-            </a:r>
-          </a:p>
-          <a:p>
-            <a:pPr lvl="1" marL="285750" indent="171450">
-              <a:lnSpc>
-                <a:spcPct val="80000"/>
-              </a:lnSpc>
-              <a:spcBef>
-                <a:spcPts val="200"/>
-              </a:spcBef>
-              <a:buSzTx/>
-              <a:buNone/>
-              <a:defRPr sz="2800">
-                <a:latin typeface="Arial"/>
-                <a:ea typeface="Arial"/>
-                <a:cs typeface="Arial"/>
-                <a:sym typeface="Arial"/>
-              </a:defRPr>
-            </a:pPr>
-            <a:r>
-              <a:rPr sz="1400">
-                <a:latin typeface="Comic Sans MS"/>
-                <a:ea typeface="Comic Sans MS"/>
-                <a:cs typeface="Comic Sans MS"/>
-                <a:sym typeface="Comic Sans MS"/>
-              </a:rPr>
-              <a:t>        fdt = files_fdtable(files);</a:t>
-            </a:r>
-          </a:p>
-          <a:p>
-            <a:pPr lvl="1" marL="285750" indent="171450">
-              <a:lnSpc>
-                <a:spcPct val="80000"/>
-              </a:lnSpc>
-              <a:spcBef>
-                <a:spcPts val="200"/>
-              </a:spcBef>
-              <a:buSzTx/>
-              <a:buNone/>
-              <a:defRPr sz="2800">
-                <a:latin typeface="Arial"/>
-                <a:ea typeface="Arial"/>
-                <a:cs typeface="Arial"/>
-                <a:sym typeface="Arial"/>
-              </a:defRPr>
-            </a:pPr>
-            <a:r>
-              <a:rPr sz="1800">
-                <a:solidFill>
-                  <a:srgbClr val="FF0000"/>
-                </a:solidFill>
-                <a:latin typeface="Comic Sans MS"/>
-                <a:ea typeface="Comic Sans MS"/>
-                <a:cs typeface="Comic Sans MS"/>
-                <a:sym typeface="Comic Sans MS"/>
-              </a:rPr>
-              <a:t>        if (fd &gt;= fdt-&gt;max_fds)</a:t>
-            </a:r>
-          </a:p>
-          <a:p>
-            <a:pPr lvl="1" marL="285750" indent="171450">
-              <a:lnSpc>
-                <a:spcPct val="80000"/>
-              </a:lnSpc>
-              <a:spcBef>
-                <a:spcPts val="200"/>
-              </a:spcBef>
-              <a:buSzTx/>
-              <a:buNone/>
-              <a:defRPr sz="2800">
-                <a:latin typeface="Arial"/>
-                <a:ea typeface="Arial"/>
-                <a:cs typeface="Arial"/>
-                <a:sym typeface="Arial"/>
-              </a:defRPr>
-            </a:pPr>
-            <a:r>
-              <a:rPr sz="1800">
-                <a:solidFill>
-                  <a:srgbClr val="FF0000"/>
-                </a:solidFill>
-                <a:latin typeface="Comic Sans MS"/>
-                <a:ea typeface="Comic Sans MS"/>
-                <a:cs typeface="Comic Sans MS"/>
-                <a:sym typeface="Comic Sans MS"/>
-              </a:rPr>
-              <a:t>                goto out_unlock;</a:t>
-            </a:r>
-          </a:p>
-          <a:p>
-            <a:pPr lvl="1" marL="285750" indent="171450">
-              <a:lnSpc>
-                <a:spcPct val="80000"/>
-              </a:lnSpc>
-              <a:spcBef>
-                <a:spcPts val="200"/>
-              </a:spcBef>
-              <a:buSzTx/>
-              <a:buNone/>
-              <a:defRPr sz="2800">
-                <a:latin typeface="Arial"/>
-                <a:ea typeface="Arial"/>
-                <a:cs typeface="Arial"/>
-                <a:sym typeface="Arial"/>
-              </a:defRPr>
-            </a:pPr>
-            <a:r>
-              <a:rPr sz="1800">
-                <a:latin typeface="Comic Sans MS"/>
-                <a:ea typeface="Comic Sans MS"/>
-                <a:cs typeface="Comic Sans MS"/>
-                <a:sym typeface="Comic Sans MS"/>
-              </a:rPr>
-              <a:t>        </a:t>
-            </a:r>
-            <a:r>
-              <a:rPr sz="1800">
-                <a:solidFill>
-                  <a:srgbClr val="FF0000"/>
-                </a:solidFill>
-                <a:latin typeface="Comic Sans MS"/>
-                <a:ea typeface="Comic Sans MS"/>
-                <a:cs typeface="Comic Sans MS"/>
-                <a:sym typeface="Comic Sans MS"/>
-              </a:rPr>
-              <a:t>filp = fdt-&gt;fd[fd];</a:t>
-            </a:r>
-          </a:p>
-          <a:p>
-            <a:pPr lvl="1" marL="285750" indent="171450">
-              <a:lnSpc>
-                <a:spcPct val="80000"/>
-              </a:lnSpc>
-              <a:spcBef>
-                <a:spcPts val="200"/>
-              </a:spcBef>
-              <a:buSzTx/>
-              <a:buNone/>
-              <a:defRPr sz="2800">
-                <a:latin typeface="Arial"/>
-                <a:ea typeface="Arial"/>
-                <a:cs typeface="Arial"/>
-                <a:sym typeface="Arial"/>
-              </a:defRPr>
-            </a:pPr>
-            <a:r>
-              <a:rPr sz="1800">
-                <a:solidFill>
-                  <a:srgbClr val="FF0000"/>
-                </a:solidFill>
-                <a:latin typeface="Comic Sans MS"/>
-                <a:ea typeface="Comic Sans MS"/>
-                <a:cs typeface="Comic Sans MS"/>
-                <a:sym typeface="Comic Sans MS"/>
-              </a:rPr>
-              <a:t>        if (!filp)</a:t>
-            </a:r>
-          </a:p>
-          <a:p>
-            <a:pPr lvl="1" marL="285750" indent="171450">
-              <a:lnSpc>
-                <a:spcPct val="80000"/>
-              </a:lnSpc>
-              <a:spcBef>
-                <a:spcPts val="200"/>
-              </a:spcBef>
-              <a:buSzTx/>
-              <a:buNone/>
-              <a:defRPr sz="2800">
-                <a:latin typeface="Arial"/>
-                <a:ea typeface="Arial"/>
-                <a:cs typeface="Arial"/>
-                <a:sym typeface="Arial"/>
-              </a:defRPr>
-            </a:pPr>
-            <a:r>
-              <a:rPr sz="1800">
-                <a:solidFill>
-                  <a:srgbClr val="FF0000"/>
-                </a:solidFill>
-                <a:latin typeface="Comic Sans MS"/>
-                <a:ea typeface="Comic Sans MS"/>
-                <a:cs typeface="Comic Sans MS"/>
-                <a:sym typeface="Comic Sans MS"/>
-              </a:rPr>
-              <a:t>                goto out_unlock;</a:t>
-            </a:r>
-          </a:p>
-          <a:p>
-            <a:pPr lvl="1" marL="285750" indent="171450">
-              <a:lnSpc>
-                <a:spcPct val="80000"/>
-              </a:lnSpc>
-              <a:spcBef>
-                <a:spcPts val="200"/>
-              </a:spcBef>
-              <a:buSzTx/>
-              <a:buNone/>
-              <a:defRPr sz="2800">
-                <a:latin typeface="Arial"/>
-                <a:ea typeface="Arial"/>
-                <a:cs typeface="Arial"/>
-                <a:sym typeface="Arial"/>
-              </a:defRPr>
-            </a:pPr>
-            <a:r>
-              <a:rPr sz="1400">
-                <a:latin typeface="Comic Sans MS"/>
-                <a:ea typeface="Comic Sans MS"/>
-                <a:cs typeface="Comic Sans MS"/>
-                <a:sym typeface="Comic Sans MS"/>
-              </a:rPr>
-              <a:t>	…</a:t>
-            </a:r>
-          </a:p>
-          <a:p>
-            <a:pPr lvl="1" marL="285750" indent="171450">
-              <a:lnSpc>
-                <a:spcPct val="80000"/>
-              </a:lnSpc>
-              <a:spcBef>
-                <a:spcPts val="200"/>
-              </a:spcBef>
-              <a:buSzTx/>
-              <a:buNone/>
-              <a:defRPr sz="2800">
-                <a:latin typeface="Arial"/>
-                <a:ea typeface="Arial"/>
-                <a:cs typeface="Arial"/>
-                <a:sym typeface="Arial"/>
-              </a:defRPr>
-            </a:pPr>
-            <a:r>
-              <a:rPr sz="1400">
-                <a:latin typeface="Comic Sans MS"/>
-                <a:ea typeface="Comic Sans MS"/>
-                <a:cs typeface="Comic Sans MS"/>
-                <a:sym typeface="Comic Sans MS"/>
-              </a:rPr>
-              <a:t>out_unlock:</a:t>
-            </a:r>
-          </a:p>
-          <a:p>
-            <a:pPr lvl="1" marL="285750" indent="171450">
-              <a:lnSpc>
-                <a:spcPct val="80000"/>
-              </a:lnSpc>
-              <a:spcBef>
-                <a:spcPts val="200"/>
-              </a:spcBef>
-              <a:buSzTx/>
-              <a:buNone/>
-              <a:defRPr sz="2800">
-                <a:latin typeface="Arial"/>
-                <a:ea typeface="Arial"/>
-                <a:cs typeface="Arial"/>
-                <a:sym typeface="Arial"/>
-              </a:defRPr>
-            </a:pPr>
-            <a:r>
-              <a:rPr sz="1400">
-                <a:latin typeface="Comic Sans MS"/>
-                <a:ea typeface="Comic Sans MS"/>
-                <a:cs typeface="Comic Sans MS"/>
-                <a:sym typeface="Comic Sans MS"/>
-              </a:rPr>
-              <a:t>        spin_unlock(&amp;files-&gt;file_lock);</a:t>
-            </a:r>
-          </a:p>
-          <a:p>
-            <a:pPr lvl="1" marL="285750" indent="171450">
-              <a:lnSpc>
-                <a:spcPct val="80000"/>
-              </a:lnSpc>
-              <a:spcBef>
-                <a:spcPts val="200"/>
-              </a:spcBef>
-              <a:buSzTx/>
-              <a:buNone/>
-              <a:defRPr sz="2800">
-                <a:latin typeface="Arial"/>
-                <a:ea typeface="Arial"/>
-                <a:cs typeface="Arial"/>
-                <a:sym typeface="Arial"/>
-              </a:defRPr>
-            </a:pPr>
-            <a:r>
-              <a:rPr sz="1400">
-                <a:latin typeface="Comic Sans MS"/>
-                <a:ea typeface="Comic Sans MS"/>
-                <a:cs typeface="Comic Sans MS"/>
-                <a:sym typeface="Comic Sans MS"/>
-              </a:rPr>
-              <a:t>        return -EBADF;</a:t>
-            </a:r>
-          </a:p>
-          <a:p>
-            <a:pPr lvl="1" marL="285750" indent="171450">
-              <a:lnSpc>
-                <a:spcPct val="80000"/>
-              </a:lnSpc>
-              <a:spcBef>
-                <a:spcPts val="200"/>
-              </a:spcBef>
-              <a:buSzTx/>
-              <a:buNone/>
-              <a:defRPr sz="2800">
-                <a:latin typeface="Arial"/>
-                <a:ea typeface="Arial"/>
-                <a:cs typeface="Arial"/>
-                <a:sym typeface="Arial"/>
-              </a:defRPr>
-            </a:pPr>
-            <a:r>
-              <a:rPr sz="1400">
-                <a:latin typeface="Comic Sans MS"/>
-                <a:ea typeface="Comic Sans MS"/>
-                <a:cs typeface="Comic Sans MS"/>
-                <a:sym typeface="Comic Sans MS"/>
-              </a:rPr>
-              <a:t>}</a:t>
-            </a:r>
-          </a:p>
-        </p:txBody>
-      </p:sp>
-      <p:grpSp>
-        <p:nvGrpSpPr>
-          <p:cNvPr id="112" name="Group 112"/>
-          <p:cNvGrpSpPr/>
-          <p:nvPr/>
-        </p:nvGrpSpPr>
-        <p:grpSpPr>
-          <a:xfrm>
-            <a:off x="4495800" y="1219199"/>
-            <a:ext cx="4495800" cy="5446802"/>
-            <a:chOff x="0" y="0"/>
-            <a:chExt cx="4495800" cy="5446800"/>
-          </a:xfrm>
-        </p:grpSpPr>
-        <p:sp>
-          <p:nvSpPr>
-            <p:cNvPr id="110" name="Shape 110"/>
-            <p:cNvSpPr/>
-            <p:nvPr/>
-          </p:nvSpPr>
-          <p:spPr>
-            <a:xfrm>
-              <a:off x="0" y="-1"/>
-              <a:ext cx="4495800" cy="5446802"/>
-            </a:xfrm>
-            <a:prstGeom prst="rect">
-              <a:avLst/>
-            </a:prstGeom>
-            <a:noFill/>
-            <a:ln w="28575" cap="rnd">
-              <a:solidFill>
-                <a:srgbClr val="000000"/>
-              </a:solidFill>
-              <a:prstDash val="solid"/>
-              <a:miter lim="800000"/>
-            </a:ln>
-            <a:effectLst/>
-          </p:spPr>
-          <p:txBody>
-            <a:bodyPr wrap="square" lIns="45719" tIns="45719" rIns="45719" bIns="45719" numCol="1" anchor="t">
-              <a:noAutofit/>
-            </a:bodyPr>
-            <a:lstStyle/>
-            <a:p>
-              <a:pPr>
-                <a:lnSpc>
-                  <a:spcPct val="90000"/>
-                </a:lnSpc>
-                <a:spcBef>
-                  <a:spcPts val="200"/>
-                </a:spcBef>
-                <a:defRPr sz="3200">
-                  <a:latin typeface="Comic Sans MS"/>
-                  <a:ea typeface="Comic Sans MS"/>
-                  <a:cs typeface="Comic Sans MS"/>
-                  <a:sym typeface="Comic Sans MS"/>
-                </a:defRPr>
-              </a:pPr>
-            </a:p>
-          </p:txBody>
-        </p:sp>
-        <p:sp>
-          <p:nvSpPr>
-            <p:cNvPr id="111" name="Shape 111"/>
-            <p:cNvSpPr/>
-            <p:nvPr/>
-          </p:nvSpPr>
-          <p:spPr>
-            <a:xfrm>
-              <a:off x="0" y="-1"/>
-              <a:ext cx="4495800" cy="4786631"/>
-            </a:xfrm>
-            <a:prstGeom prst="rect">
-              <a:avLst/>
-            </a:prstGeom>
-            <a:noFill/>
-            <a:ln w="12700" cap="flat">
-              <a:noFill/>
-              <a:miter lim="400000"/>
-            </a:ln>
-            <a:effectLst/>
-            <a:extLst>
-              <a:ext uri="{C572A759-6A51-4108-AA02-DFA0A04FC94B}">
-                <ma14:wrappingTextBoxFlag xmlns:ma14="http://schemas.microsoft.com/office/mac/drawingml/2011/main" val="1"/>
-              </a:ext>
-            </a:extLst>
-          </p:spPr>
-          <p:txBody>
-            <a:bodyPr wrap="square" lIns="45719" tIns="45719" rIns="45719" bIns="45719" numCol="1" anchor="t">
-              <a:spAutoFit/>
-            </a:bodyPr>
-            <a:lstStyle/>
-            <a:p>
-              <a:pPr marL="323850" indent="-222250">
-                <a:lnSpc>
-                  <a:spcPct val="90000"/>
-                </a:lnSpc>
-                <a:spcBef>
-                  <a:spcPts val="300"/>
-                </a:spcBef>
-                <a:buClr>
-                  <a:srgbClr val="3333FF"/>
-                </a:buClr>
-                <a:buSzPct val="100000"/>
-                <a:buFont typeface="Arial"/>
-                <a:buChar char="●"/>
-                <a:defRPr sz="3200">
-                  <a:latin typeface="Comic Sans MS"/>
-                  <a:ea typeface="Comic Sans MS"/>
-                  <a:cs typeface="Comic Sans MS"/>
-                  <a:sym typeface="Comic Sans MS"/>
-                </a:defRPr>
-              </a:pPr>
-              <a:r>
-                <a:rPr sz="2000"/>
-                <a:t>Call-by-reference argument</a:t>
-              </a:r>
-            </a:p>
-            <a:p>
-              <a:pPr lvl="1" marL="812800" indent="-254000">
-                <a:lnSpc>
-                  <a:spcPct val="90000"/>
-                </a:lnSpc>
-                <a:spcBef>
-                  <a:spcPts val="200"/>
-                </a:spcBef>
-                <a:buClr>
-                  <a:srgbClr val="3333FF"/>
-                </a:buClr>
-                <a:buSzPct val="100000"/>
-                <a:buFont typeface="Courier New"/>
-                <a:buChar char="o"/>
-                <a:defRPr sz="2800"/>
-              </a:pPr>
-              <a:r>
-                <a:rPr sz="2000">
-                  <a:latin typeface="Comic Sans MS"/>
-                  <a:ea typeface="Comic Sans MS"/>
-                  <a:cs typeface="Comic Sans MS"/>
-                  <a:sym typeface="Comic Sans MS"/>
-                </a:rPr>
-                <a:t>User-space pointer sent as argument.</a:t>
-              </a:r>
-            </a:p>
-            <a:p>
-              <a:pPr lvl="1" marL="812800" indent="-254000">
-                <a:lnSpc>
-                  <a:spcPct val="90000"/>
-                </a:lnSpc>
-                <a:spcBef>
-                  <a:spcPts val="200"/>
-                </a:spcBef>
-                <a:buClr>
-                  <a:srgbClr val="3333FF"/>
-                </a:buClr>
-                <a:buSzPct val="100000"/>
-                <a:buFont typeface="Courier New"/>
-                <a:buChar char="o"/>
-                <a:defRPr sz="2800"/>
-              </a:pPr>
-              <a:r>
-                <a:rPr sz="2000">
-                  <a:latin typeface="Comic Sans MS"/>
-                  <a:ea typeface="Comic Sans MS"/>
-                  <a:cs typeface="Comic Sans MS"/>
-                  <a:sym typeface="Comic Sans MS"/>
-                </a:rPr>
-                <a:t>Data to be copied back using the pointer.</a:t>
-              </a:r>
-            </a:p>
-            <a:p>
-              <a:pPr indent="120650">
-                <a:spcBef>
-                  <a:spcPts val="600"/>
-                </a:spcBef>
-                <a:defRPr sz="3200">
-                  <a:latin typeface="Comic Sans MS"/>
-                  <a:ea typeface="Comic Sans MS"/>
-                  <a:cs typeface="Comic Sans MS"/>
-                  <a:sym typeface="Comic Sans MS"/>
-                </a:defRPr>
-              </a:pPr>
-              <a:endParaRPr sz="1800"/>
-            </a:p>
-            <a:p>
-              <a:pPr>
-                <a:lnSpc>
-                  <a:spcPct val="90000"/>
-                </a:lnSpc>
-                <a:spcBef>
-                  <a:spcPts val="200"/>
-                </a:spcBef>
-                <a:defRPr sz="3200">
-                  <a:latin typeface="Comic Sans MS"/>
-                  <a:ea typeface="Comic Sans MS"/>
-                  <a:cs typeface="Comic Sans MS"/>
-                  <a:sym typeface="Comic Sans MS"/>
-                </a:defRPr>
-              </a:pPr>
-              <a:r>
-                <a:rPr sz="1400"/>
-                <a:t>asmlinkage ssize_t </a:t>
-              </a:r>
-              <a:r>
-                <a:rPr sz="1400">
-                  <a:solidFill>
-                    <a:srgbClr val="0000FF"/>
-                  </a:solidFill>
-                </a:rPr>
-                <a:t>sys_read</a:t>
-              </a:r>
-              <a:r>
-                <a:rPr sz="1400"/>
-                <a:t> ( unsigned int fd,  </a:t>
-              </a:r>
-            </a:p>
-            <a:p>
-              <a:pPr>
-                <a:lnSpc>
-                  <a:spcPct val="90000"/>
-                </a:lnSpc>
-                <a:spcBef>
-                  <a:spcPts val="200"/>
-                </a:spcBef>
-                <a:defRPr sz="3200">
-                  <a:latin typeface="Comic Sans MS"/>
-                  <a:ea typeface="Comic Sans MS"/>
-                  <a:cs typeface="Comic Sans MS"/>
-                  <a:sym typeface="Comic Sans MS"/>
-                </a:defRPr>
-              </a:pPr>
-              <a:r>
-                <a:rPr sz="1400"/>
-                <a:t>	char __user * buf,  size_t count)</a:t>
-              </a:r>
-            </a:p>
-            <a:p>
-              <a:pPr>
-                <a:lnSpc>
-                  <a:spcPct val="90000"/>
-                </a:lnSpc>
-                <a:spcBef>
-                  <a:spcPts val="200"/>
-                </a:spcBef>
-                <a:defRPr sz="3200">
-                  <a:latin typeface="Comic Sans MS"/>
-                  <a:ea typeface="Comic Sans MS"/>
-                  <a:cs typeface="Comic Sans MS"/>
-                  <a:sym typeface="Comic Sans MS"/>
-                </a:defRPr>
-              </a:pPr>
-              <a:r>
-                <a:rPr sz="1400"/>
-                <a:t>{</a:t>
-              </a:r>
-            </a:p>
-            <a:p>
-              <a:pPr>
-                <a:lnSpc>
-                  <a:spcPct val="90000"/>
-                </a:lnSpc>
-                <a:spcBef>
-                  <a:spcPts val="200"/>
-                </a:spcBef>
-                <a:defRPr sz="3200">
-                  <a:latin typeface="Comic Sans MS"/>
-                  <a:ea typeface="Comic Sans MS"/>
-                  <a:cs typeface="Comic Sans MS"/>
-                  <a:sym typeface="Comic Sans MS"/>
-                </a:defRPr>
-              </a:pPr>
-              <a:r>
-                <a:rPr sz="1400"/>
-                <a:t>	…</a:t>
-              </a:r>
-            </a:p>
-            <a:p>
-              <a:pPr lvl="3">
-                <a:lnSpc>
-                  <a:spcPct val="90000"/>
-                </a:lnSpc>
-                <a:spcBef>
-                  <a:spcPts val="200"/>
-                </a:spcBef>
-                <a:defRPr sz="3200">
-                  <a:latin typeface="Comic Sans MS"/>
-                  <a:ea typeface="Comic Sans MS"/>
-                  <a:cs typeface="Comic Sans MS"/>
-                  <a:sym typeface="Comic Sans MS"/>
-                </a:defRPr>
-              </a:pPr>
-              <a:r>
-                <a:t>       </a:t>
-              </a:r>
-              <a:r>
-                <a:rPr sz="1600">
-                  <a:solidFill>
-                    <a:srgbClr val="FF0000"/>
-                  </a:solidFill>
-                </a:rPr>
-                <a:t>if( !access_ok( VERIFY_WRITE, buf, count))</a:t>
-              </a:r>
-              <a:endParaRPr sz="3000"/>
-            </a:p>
-            <a:p>
-              <a:pPr>
-                <a:lnSpc>
-                  <a:spcPct val="90000"/>
-                </a:lnSpc>
-                <a:spcBef>
-                  <a:spcPts val="200"/>
-                </a:spcBef>
-                <a:defRPr sz="3200">
-                  <a:latin typeface="Comic Sans MS"/>
-                  <a:ea typeface="Comic Sans MS"/>
-                  <a:cs typeface="Comic Sans MS"/>
-                  <a:sym typeface="Comic Sans MS"/>
-                </a:defRPr>
-              </a:pPr>
-              <a:r>
-                <a:rPr sz="1600">
-                  <a:solidFill>
-                    <a:srgbClr val="FF0000"/>
-                  </a:solidFill>
-                </a:rPr>
-                <a:t>	</a:t>
-              </a:r>
-              <a:r>
-                <a:rPr sz="1800">
-                  <a:solidFill>
-                    <a:srgbClr val="FF0000"/>
-                  </a:solidFill>
-                </a:rPr>
-                <a:t>	return –EFAULT;</a:t>
-              </a:r>
-            </a:p>
-            <a:p>
-              <a:pPr>
-                <a:lnSpc>
-                  <a:spcPct val="90000"/>
-                </a:lnSpc>
-                <a:spcBef>
-                  <a:spcPts val="200"/>
-                </a:spcBef>
-                <a:defRPr sz="3200">
-                  <a:latin typeface="Comic Sans MS"/>
-                  <a:ea typeface="Comic Sans MS"/>
-                  <a:cs typeface="Comic Sans MS"/>
-                  <a:sym typeface="Comic Sans MS"/>
-                </a:defRPr>
-              </a:pPr>
-              <a:r>
-                <a:rPr sz="1800"/>
-                <a:t>	…</a:t>
-              </a:r>
-            </a:p>
-            <a:p>
-              <a:pPr>
-                <a:lnSpc>
-                  <a:spcPct val="90000"/>
-                </a:lnSpc>
-                <a:spcBef>
-                  <a:spcPts val="200"/>
-                </a:spcBef>
-                <a:defRPr sz="3200">
-                  <a:latin typeface="Comic Sans MS"/>
-                  <a:ea typeface="Comic Sans MS"/>
-                  <a:cs typeface="Comic Sans MS"/>
-                  <a:sym typeface="Comic Sans MS"/>
-                </a:defRPr>
-              </a:pPr>
-              <a:r>
-                <a:rPr sz="1400"/>
-                <a:t>}</a:t>
-              </a:r>
-            </a:p>
-          </p:txBody>
-        </p:sp>
-      </p:grpSp>
-    </p:spTree>
-  </p:cSld>
-  <p:clrMapOvr>
-    <a:masterClrMapping/>
-  </p:clrMapOvr>
-  <p:transition xmlns:p14="http://schemas.microsoft.com/office/powerpoint/2010/main" spd="med" advClick="1"/>
-</p:sld>
-</file>
-
-<file path=ppt/slides/slide11.xml><?xml version="1.0" encoding="utf-8"?>
-<p:sld xmlns:a="http://schemas.openxmlformats.org/drawingml/2006/main" xmlns:r="http://schemas.openxmlformats.org/officeDocument/2006/relationships" xmlns:p="http://schemas.openxmlformats.org/presentationml/2006/main" showMasterSp="1" showMasterPhAnim="1">
+<p:sld xmlns:a="http://schemas.openxmlformats.org/drawingml/2006/main" xmlns:r="http://schemas.openxmlformats.org/officeDocument/2006/relationships" xmlns:p="http://schemas.openxmlformats.org/presentationml/2006/main">
   <p:cSld>
     <p:spTree>
       <p:nvGrpSpPr>
@@ -3004,7 +2028,9 @@
       <p:sp>
         <p:nvSpPr>
           <p:cNvPr id="114" name="Shape 114"/>
-          <p:cNvSpPr/>
+          <p:cNvSpPr>
+            <a:spLocks noGrp="1"/>
+          </p:cNvSpPr>
           <p:nvPr>
             <p:ph type="title"/>
           </p:nvPr>
@@ -3020,7 +2046,7 @@
         </p:spPr>
         <p:txBody>
           <a:bodyPr lIns="45699" tIns="45699" rIns="45699" bIns="45699">
-            <a:normAutofit fontScale="100000" lnSpcReduction="0"/>
+            <a:normAutofit/>
           </a:bodyPr>
           <a:lstStyle>
             <a:lvl1pPr>
@@ -3056,7 +2082,9 @@
       <p:sp>
         <p:nvSpPr>
           <p:cNvPr id="115" name="Shape 115"/>
-          <p:cNvSpPr/>
+          <p:cNvSpPr>
+            <a:spLocks noGrp="1"/>
+          </p:cNvSpPr>
           <p:nvPr>
             <p:ph type="body" idx="1"/>
           </p:nvPr>
@@ -3072,11 +2100,11 @@
         </p:spPr>
         <p:txBody>
           <a:bodyPr lIns="45699" tIns="45699" rIns="45699" bIns="45699">
-            <a:normAutofit fontScale="100000" lnSpcReduction="0"/>
+            <a:normAutofit/>
           </a:bodyPr>
           <a:lstStyle/>
           <a:p>
-            <a:pPr lvl="2" marL="228600" indent="685800">
+            <a:pPr marL="228600" lvl="2" indent="685800">
               <a:spcBef>
                 <a:spcPts val="400"/>
               </a:spcBef>
@@ -3090,50 +2118,50 @@
               </a:defRPr>
             </a:pPr>
             <a:r>
-              <a:rPr sz="2000">
+              <a:rPr sz="2000" dirty="0">
                 <a:solidFill>
                   <a:srgbClr val="0000FF"/>
                 </a:solidFill>
-                <a:latin typeface="Comic Sans MS"/>
-                <a:ea typeface="Comic Sans MS"/>
-                <a:cs typeface="Comic Sans MS"/>
+                <a:latin typeface="Times New Roman" charset="0"/>
+                <a:ea typeface="Times New Roman" charset="0"/>
+                <a:cs typeface="Times New Roman" charset="0"/>
                 <a:sym typeface="Comic Sans MS"/>
               </a:rPr>
               <a:t>asmlinkage</a:t>
             </a:r>
             <a:r>
-              <a:rPr sz="2000">
-                <a:latin typeface="Comic Sans MS"/>
-                <a:ea typeface="Comic Sans MS"/>
-                <a:cs typeface="Comic Sans MS"/>
+              <a:rPr sz="2000" dirty="0">
+                <a:latin typeface="Times New Roman" charset="0"/>
+                <a:ea typeface="Times New Roman" charset="0"/>
+                <a:cs typeface="Times New Roman" charset="0"/>
                 <a:sym typeface="Comic Sans MS"/>
               </a:rPr>
               <a:t> int </a:t>
             </a:r>
             <a:r>
-              <a:rPr sz="2000">
+              <a:rPr sz="2000" dirty="0">
                 <a:solidFill>
                   <a:srgbClr val="0000FF"/>
                 </a:solidFill>
-                <a:latin typeface="Comic Sans MS"/>
-                <a:ea typeface="Comic Sans MS"/>
-                <a:cs typeface="Comic Sans MS"/>
+                <a:latin typeface="Times New Roman" charset="0"/>
+                <a:ea typeface="Times New Roman" charset="0"/>
+                <a:cs typeface="Times New Roman" charset="0"/>
                 <a:sym typeface="Comic Sans MS"/>
               </a:rPr>
               <a:t>sys_foo</a:t>
             </a:r>
             <a:r>
-              <a:rPr sz="2000">
-                <a:latin typeface="Comic Sans MS"/>
-                <a:ea typeface="Comic Sans MS"/>
-                <a:cs typeface="Comic Sans MS"/>
+              <a:rPr sz="2000" dirty="0">
+                <a:latin typeface="Times New Roman" charset="0"/>
+                <a:ea typeface="Times New Roman" charset="0"/>
+                <a:cs typeface="Times New Roman" charset="0"/>
                 <a:sym typeface="Comic Sans MS"/>
               </a:rPr>
               <a:t>(void) {</a:t>
             </a:r>
           </a:p>
           <a:p>
-            <a:pPr lvl="2" marL="228600" indent="685800">
+            <a:pPr marL="228600" lvl="2" indent="685800">
               <a:spcBef>
                 <a:spcPts val="400"/>
               </a:spcBef>
@@ -3147,17 +2175,17 @@
               </a:defRPr>
             </a:pPr>
             <a:r>
-              <a:rPr sz="2000">
-                <a:latin typeface="Comic Sans MS"/>
-                <a:ea typeface="Comic Sans MS"/>
-                <a:cs typeface="Comic Sans MS"/>
+              <a:rPr sz="2000" dirty="0">
+                <a:latin typeface="Times New Roman" charset="0"/>
+                <a:ea typeface="Times New Roman" charset="0"/>
+                <a:cs typeface="Times New Roman" charset="0"/>
                 <a:sym typeface="Comic Sans MS"/>
               </a:rPr>
               <a:t>        static int count = 0;</a:t>
             </a:r>
           </a:p>
           <a:p>
-            <a:pPr lvl="2" marL="228600" indent="685800">
+            <a:pPr marL="228600" lvl="2" indent="685800">
               <a:spcBef>
                 <a:spcPts val="400"/>
               </a:spcBef>
@@ -3171,17 +2199,17 @@
               </a:defRPr>
             </a:pPr>
             <a:r>
-              <a:rPr sz="2000">
-                <a:latin typeface="Comic Sans MS"/>
-                <a:ea typeface="Comic Sans MS"/>
-                <a:cs typeface="Comic Sans MS"/>
+              <a:rPr sz="2000" dirty="0">
+                <a:latin typeface="Times New Roman" charset="0"/>
+                <a:ea typeface="Times New Roman" charset="0"/>
+                <a:cs typeface="Times New Roman" charset="0"/>
                 <a:sym typeface="Comic Sans MS"/>
               </a:rPr>
               <a:t>        printk(KERN_ALERT "Hello World! %d\n", count++);</a:t>
             </a:r>
           </a:p>
           <a:p>
-            <a:pPr lvl="2" marL="228600" indent="685800">
+            <a:pPr marL="228600" lvl="2" indent="685800">
               <a:spcBef>
                 <a:spcPts val="400"/>
               </a:spcBef>
@@ -3195,29 +2223,29 @@
               </a:defRPr>
             </a:pPr>
             <a:r>
-              <a:rPr sz="2000">
-                <a:latin typeface="Comic Sans MS"/>
-                <a:ea typeface="Comic Sans MS"/>
-                <a:cs typeface="Comic Sans MS"/>
+              <a:rPr sz="2000" dirty="0">
+                <a:latin typeface="Times New Roman" charset="0"/>
+                <a:ea typeface="Times New Roman" charset="0"/>
+                <a:cs typeface="Times New Roman" charset="0"/>
                 <a:sym typeface="Comic Sans MS"/>
               </a:rPr>
               <a:t>        return -EFAULT; // </a:t>
             </a:r>
             <a:r>
-              <a:rPr sz="2000">
+              <a:rPr sz="2000" dirty="0">
                 <a:solidFill>
                   <a:srgbClr val="0000FF"/>
                 </a:solidFill>
-                <a:latin typeface="Comic Sans MS"/>
-                <a:ea typeface="Comic Sans MS"/>
-                <a:cs typeface="Comic Sans MS"/>
+                <a:latin typeface="Times New Roman" charset="0"/>
+                <a:ea typeface="Times New Roman" charset="0"/>
+                <a:cs typeface="Times New Roman" charset="0"/>
                 <a:sym typeface="Comic Sans MS"/>
               </a:rPr>
               <a:t>what happens to this return value?</a:t>
             </a:r>
           </a:p>
           <a:p>
-            <a:pPr lvl="2" marL="228600" indent="685800">
+            <a:pPr marL="228600" lvl="2" indent="685800">
               <a:spcBef>
                 <a:spcPts val="400"/>
               </a:spcBef>
@@ -3231,10 +2259,10 @@
               </a:defRPr>
             </a:pPr>
             <a:r>
-              <a:rPr sz="2000">
-                <a:latin typeface="Comic Sans MS"/>
-                <a:ea typeface="Comic Sans MS"/>
-                <a:cs typeface="Comic Sans MS"/>
+              <a:rPr sz="2000" dirty="0">
+                <a:latin typeface="Times New Roman" charset="0"/>
+                <a:ea typeface="Times New Roman" charset="0"/>
+                <a:cs typeface="Times New Roman" charset="0"/>
                 <a:sym typeface="Comic Sans MS"/>
               </a:rPr>
               <a:t>}</a:t>
@@ -3245,15 +2273,15 @@
               <a:buSzTx/>
               <a:buNone/>
             </a:pPr>
-            <a:endParaRPr sz="2400">
-              <a:latin typeface="Arial"/>
-              <a:ea typeface="Arial"/>
-              <a:cs typeface="Arial"/>
+            <a:endParaRPr sz="2400" dirty="0">
+              <a:latin typeface="Times New Roman" charset="0"/>
+              <a:ea typeface="Times New Roman" charset="0"/>
+              <a:cs typeface="Times New Roman" charset="0"/>
               <a:sym typeface="Arial"/>
             </a:endParaRPr>
           </a:p>
           <a:p>
-            <a:pPr lvl="2" marL="228600" indent="685800">
+            <a:pPr marL="228600" lvl="2" indent="685800">
               <a:spcBef>
                 <a:spcPts val="400"/>
               </a:spcBef>
@@ -3267,22 +2295,22 @@
               </a:defRPr>
             </a:pPr>
             <a:r>
-              <a:rPr sz="2000">
+              <a:rPr sz="2000" dirty="0">
                 <a:solidFill>
                   <a:srgbClr val="0000FF"/>
                 </a:solidFill>
-                <a:latin typeface="Comic Sans MS"/>
-                <a:ea typeface="Comic Sans MS"/>
-                <a:cs typeface="Comic Sans MS"/>
+                <a:latin typeface="Times New Roman" charset="0"/>
+                <a:ea typeface="Times New Roman" charset="0"/>
+                <a:cs typeface="Times New Roman" charset="0"/>
                 <a:sym typeface="Comic Sans MS"/>
               </a:rPr>
               <a:t>EXPORT_SYMBOL</a:t>
             </a:r>
             <a:r>
-              <a:rPr sz="2000">
-                <a:latin typeface="Comic Sans MS"/>
-                <a:ea typeface="Comic Sans MS"/>
-                <a:cs typeface="Comic Sans MS"/>
+              <a:rPr sz="2000" dirty="0">
+                <a:latin typeface="Times New Roman" charset="0"/>
+                <a:ea typeface="Times New Roman" charset="0"/>
+                <a:cs typeface="Times New Roman" charset="0"/>
                 <a:sym typeface="Comic Sans MS"/>
               </a:rPr>
               <a:t>(sys_foo);</a:t>
@@ -3295,12 +2323,12 @@
   <p:clrMapOvr>
     <a:masterClrMapping/>
   </p:clrMapOvr>
-  <p:transition xmlns:p14="http://schemas.microsoft.com/office/powerpoint/2010/main" spd="med" advClick="1"/>
+  <p:transition spd="med"/>
 </p:sld>
 </file>
 
-<file path=ppt/slides/slide12.xml><?xml version="1.0" encoding="utf-8"?>
-<p:sld xmlns:a="http://schemas.openxmlformats.org/drawingml/2006/main" xmlns:r="http://schemas.openxmlformats.org/officeDocument/2006/relationships" xmlns:p="http://schemas.openxmlformats.org/presentationml/2006/main" showMasterSp="1" showMasterPhAnim="1">
+<file path=ppt/slides/slide11.xml><?xml version="1.0" encoding="utf-8"?>
+<p:sld xmlns:a="http://schemas.openxmlformats.org/drawingml/2006/main" xmlns:r="http://schemas.openxmlformats.org/officeDocument/2006/relationships" xmlns:p="http://schemas.openxmlformats.org/presentationml/2006/main">
   <p:cSld>
     <p:spTree>
       <p:nvGrpSpPr>
@@ -3319,7 +2347,9 @@
       <p:sp>
         <p:nvSpPr>
           <p:cNvPr id="117" name="Shape 117"/>
-          <p:cNvSpPr/>
+          <p:cNvSpPr>
+            <a:spLocks noGrp="1"/>
+          </p:cNvSpPr>
           <p:nvPr>
             <p:ph type="title"/>
           </p:nvPr>
@@ -3335,7 +2365,7 @@
         </p:spPr>
         <p:txBody>
           <a:bodyPr lIns="45699" tIns="45699" rIns="45699" bIns="45699">
-            <a:normAutofit fontScale="100000" lnSpcReduction="0"/>
+            <a:normAutofit/>
           </a:bodyPr>
           <a:lstStyle>
             <a:lvl1pPr>
@@ -3371,7 +2401,9 @@
       <p:sp>
         <p:nvSpPr>
           <p:cNvPr id="118" name="Shape 118"/>
-          <p:cNvSpPr/>
+          <p:cNvSpPr>
+            <a:spLocks noGrp="1"/>
+          </p:cNvSpPr>
           <p:nvPr>
             <p:ph type="body" idx="1"/>
           </p:nvPr>
@@ -3387,7 +2419,7 @@
         </p:spPr>
         <p:txBody>
           <a:bodyPr lIns="45699" tIns="45699" rIns="45699" bIns="45699">
-            <a:normAutofit fontScale="100000" lnSpcReduction="0"/>
+            <a:normAutofit/>
           </a:bodyPr>
           <a:lstStyle/>
           <a:p>
@@ -3401,7 +2433,11 @@
               <a:buSzTx/>
               <a:buNone/>
             </a:pPr>
-            <a:endParaRPr sz="2000"/>
+            <a:endParaRPr sz="2000" dirty="0">
+              <a:latin typeface="Times New Roman" charset="0"/>
+              <a:ea typeface="Times New Roman" charset="0"/>
+              <a:cs typeface="Times New Roman" charset="0"/>
+            </a:endParaRPr>
           </a:p>
           <a:p>
             <a:pPr marL="338137" indent="-198437">
@@ -3414,29 +2450,36 @@
               <a:buSzPct val="70000"/>
             </a:pPr>
             <a:r>
-              <a:rPr sz="2000"/>
+              <a:rPr sz="2000" dirty="0">
+                <a:latin typeface="Times New Roman" charset="0"/>
+                <a:ea typeface="Times New Roman" charset="0"/>
+                <a:cs typeface="Times New Roman" charset="0"/>
+              </a:rPr>
               <a:t>Use the</a:t>
             </a:r>
             <a:r>
-              <a:rPr b="1" sz="2000">
+              <a:rPr sz="2000" b="1" dirty="0">
                 <a:solidFill>
                   <a:srgbClr val="0000FF"/>
                 </a:solidFill>
-                <a:latin typeface="Comic Sans MS"/>
-                <a:ea typeface="Comic Sans MS"/>
-                <a:cs typeface="Comic Sans MS"/>
+                <a:latin typeface="Times New Roman" charset="0"/>
+                <a:ea typeface="Times New Roman" charset="0"/>
+                <a:cs typeface="Times New Roman" charset="0"/>
                 <a:sym typeface="Comic Sans MS"/>
               </a:rPr>
               <a:t> syscall(...) library function</a:t>
             </a:r>
             <a:r>
-              <a:rPr sz="2000"/>
+              <a:rPr sz="2000" dirty="0">
+                <a:latin typeface="Times New Roman" charset="0"/>
+                <a:ea typeface="Times New Roman" charset="0"/>
+                <a:cs typeface="Times New Roman" charset="0"/>
+              </a:rPr>
               <a:t>. </a:t>
             </a:r>
-            <a:endParaRPr sz="2000"/>
-          </a:p>
-          <a:p>
-            <a:pPr lvl="1" marL="801007" indent="-204107">
+          </a:p>
+          <a:p>
+            <a:pPr marL="801007" lvl="1" indent="-204107">
               <a:lnSpc>
                 <a:spcPct val="80000"/>
               </a:lnSpc>
@@ -3454,10 +2497,10 @@
               </a:defRPr>
             </a:pPr>
             <a:r>
-              <a:rPr sz="1800">
-                <a:latin typeface="Comic Sans MS"/>
-                <a:ea typeface="Comic Sans MS"/>
-                <a:cs typeface="Comic Sans MS"/>
+              <a:rPr sz="1800" dirty="0">
+                <a:latin typeface="Times New Roman" charset="0"/>
+                <a:ea typeface="Times New Roman" charset="0"/>
+                <a:cs typeface="Times New Roman" charset="0"/>
                 <a:sym typeface="Comic Sans MS"/>
               </a:rPr>
               <a:t>Do a "man syscall" for details.</a:t>
@@ -3474,7 +2517,11 @@
               <a:buSzTx/>
               <a:buNone/>
             </a:pPr>
-            <a:endParaRPr sz="1800"/>
+            <a:endParaRPr sz="1800" dirty="0">
+              <a:latin typeface="Times New Roman" charset="0"/>
+              <a:ea typeface="Times New Roman" charset="0"/>
+              <a:cs typeface="Times New Roman" charset="0"/>
+            </a:endParaRPr>
           </a:p>
           <a:p>
             <a:pPr marL="338137" indent="-198437">
@@ -3487,13 +2534,16 @@
               <a:buSzPct val="70000"/>
             </a:pPr>
             <a:r>
-              <a:rPr sz="2000"/>
+              <a:rPr sz="2000" dirty="0">
+                <a:latin typeface="Times New Roman" charset="0"/>
+                <a:ea typeface="Times New Roman" charset="0"/>
+                <a:cs typeface="Times New Roman" charset="0"/>
+              </a:rPr>
               <a:t>For instance, for a no-argument system call named foo(), you'll call</a:t>
             </a:r>
-            <a:endParaRPr sz="2000"/>
-          </a:p>
-          <a:p>
-            <a:pPr lvl="1" marL="801007" indent="-204107">
+          </a:p>
+          <a:p>
+            <a:pPr marL="801007" lvl="1" indent="-204107">
               <a:lnSpc>
                 <a:spcPct val="80000"/>
               </a:lnSpc>
@@ -3511,17 +2561,17 @@
               </a:defRPr>
             </a:pPr>
             <a:r>
-              <a:rPr sz="1800">
-                <a:latin typeface="Comic Sans MS"/>
-                <a:ea typeface="Comic Sans MS"/>
-                <a:cs typeface="Comic Sans MS"/>
+              <a:rPr sz="1800" dirty="0">
+                <a:latin typeface="Times New Roman" charset="0"/>
+                <a:ea typeface="Times New Roman" charset="0"/>
+                <a:cs typeface="Times New Roman" charset="0"/>
                 <a:sym typeface="Comic Sans MS"/>
               </a:rPr>
               <a:t>ret = syscall(__NR_sys_foo);</a:t>
             </a:r>
           </a:p>
           <a:p>
-            <a:pPr lvl="1" marL="801007" indent="-204107">
+            <a:pPr marL="801007" lvl="1" indent="-204107">
               <a:lnSpc>
                 <a:spcPct val="80000"/>
               </a:lnSpc>
@@ -3539,10 +2589,10 @@
               </a:defRPr>
             </a:pPr>
             <a:r>
-              <a:rPr sz="1800">
-                <a:latin typeface="Comic Sans MS"/>
-                <a:ea typeface="Comic Sans MS"/>
-                <a:cs typeface="Comic Sans MS"/>
+              <a:rPr sz="1800" dirty="0">
+                <a:latin typeface="Times New Roman" charset="0"/>
+                <a:ea typeface="Times New Roman" charset="0"/>
+                <a:cs typeface="Times New Roman" charset="0"/>
                 <a:sym typeface="Comic Sans MS"/>
               </a:rPr>
               <a:t>Assuming you've defined __NR_sys_foo earlier</a:t>
@@ -3559,7 +2609,11 @@
               <a:buSzTx/>
               <a:buNone/>
             </a:pPr>
-            <a:endParaRPr sz="1800"/>
+            <a:endParaRPr sz="1800" dirty="0">
+              <a:latin typeface="Times New Roman" charset="0"/>
+              <a:ea typeface="Times New Roman" charset="0"/>
+              <a:cs typeface="Times New Roman" charset="0"/>
+            </a:endParaRPr>
           </a:p>
           <a:p>
             <a:pPr marL="338137" indent="-198437">
@@ -3572,13 +2626,16 @@
               <a:buSzPct val="70000"/>
             </a:pPr>
             <a:r>
-              <a:rPr sz="2000"/>
+              <a:rPr sz="2000" dirty="0">
+                <a:latin typeface="Times New Roman" charset="0"/>
+                <a:ea typeface="Times New Roman" charset="0"/>
+                <a:cs typeface="Times New Roman" charset="0"/>
+              </a:rPr>
               <a:t>For a 1 argument system call named foo(arg), you call</a:t>
             </a:r>
-            <a:endParaRPr sz="2000"/>
-          </a:p>
-          <a:p>
-            <a:pPr lvl="1" marL="801007" indent="-204107">
+          </a:p>
+          <a:p>
+            <a:pPr marL="801007" lvl="1" indent="-204107">
               <a:lnSpc>
                 <a:spcPct val="80000"/>
               </a:lnSpc>
@@ -3596,10 +2653,10 @@
               </a:defRPr>
             </a:pPr>
             <a:r>
-              <a:rPr sz="1800">
-                <a:latin typeface="Comic Sans MS"/>
-                <a:ea typeface="Comic Sans MS"/>
-                <a:cs typeface="Comic Sans MS"/>
+              <a:rPr sz="1800" dirty="0">
+                <a:latin typeface="Times New Roman" charset="0"/>
+                <a:ea typeface="Times New Roman" charset="0"/>
+                <a:cs typeface="Times New Roman" charset="0"/>
                 <a:sym typeface="Comic Sans MS"/>
               </a:rPr>
               <a:t>ret = syscall(__NR_sys_foo, arg);</a:t>
@@ -3616,7 +2673,11 @@
               <a:buSzTx/>
               <a:buNone/>
             </a:pPr>
-            <a:endParaRPr sz="1800"/>
+            <a:endParaRPr sz="1800" dirty="0">
+              <a:latin typeface="Times New Roman" charset="0"/>
+              <a:ea typeface="Times New Roman" charset="0"/>
+              <a:cs typeface="Times New Roman" charset="0"/>
+            </a:endParaRPr>
           </a:p>
           <a:p>
             <a:pPr marL="338137" indent="-198437">
@@ -3629,10 +2690,13 @@
               <a:buSzPct val="70000"/>
             </a:pPr>
             <a:r>
-              <a:rPr sz="2000"/>
+              <a:rPr sz="2000" dirty="0">
+                <a:latin typeface="Times New Roman" charset="0"/>
+                <a:ea typeface="Times New Roman" charset="0"/>
+                <a:cs typeface="Times New Roman" charset="0"/>
+              </a:rPr>
               <a:t>and so on for 2, 3, 4 arguments etc.</a:t>
             </a:r>
-            <a:endParaRPr sz="2000"/>
           </a:p>
           <a:p>
             <a:pPr marL="0" indent="0">
@@ -3645,7 +2709,11 @@
               <a:buSzTx/>
               <a:buNone/>
             </a:pPr>
-            <a:endParaRPr sz="2000"/>
+            <a:endParaRPr sz="2000" dirty="0">
+              <a:latin typeface="Times New Roman" charset="0"/>
+              <a:ea typeface="Times New Roman" charset="0"/>
+              <a:cs typeface="Times New Roman" charset="0"/>
+            </a:endParaRPr>
           </a:p>
           <a:p>
             <a:pPr marL="338137" indent="-198437">
@@ -3658,13 +2726,16 @@
               <a:buSzPct val="70000"/>
             </a:pPr>
             <a:r>
-              <a:rPr sz="2000"/>
+              <a:rPr sz="2000" dirty="0">
+                <a:latin typeface="Times New Roman" charset="0"/>
+                <a:ea typeface="Times New Roman" charset="0"/>
+                <a:cs typeface="Times New Roman" charset="0"/>
+              </a:rPr>
               <a:t>For this method, check</a:t>
             </a:r>
-            <a:endParaRPr sz="2000"/>
-          </a:p>
-          <a:p>
-            <a:pPr lvl="1" marL="823685" indent="-226785">
+          </a:p>
+          <a:p>
+            <a:pPr marL="823685" lvl="1" indent="-226785">
               <a:lnSpc>
                 <a:spcPct val="80000"/>
               </a:lnSpc>
@@ -3682,7 +2753,7 @@
               </a:defRPr>
             </a:pPr>
             <a:r>
-              <a:rPr sz="2000" u="sng">
+              <a:rPr sz="2000" u="sng" dirty="0">
                 <a:solidFill>
                   <a:srgbClr val="FF0000"/>
                 </a:solidFill>
@@ -3691,11 +2762,11 @@
                     <a:srgbClr val="FF0000"/>
                   </a:solidFill>
                 </a:uFill>
-                <a:latin typeface="Comic Sans MS"/>
-                <a:ea typeface="Comic Sans MS"/>
-                <a:cs typeface="Comic Sans MS"/>
+                <a:latin typeface="Times New Roman" charset="0"/>
+                <a:ea typeface="Times New Roman" charset="0"/>
+                <a:cs typeface="Times New Roman" charset="0"/>
                 <a:sym typeface="Comic Sans MS"/>
-                <a:hlinkClick r:id="rId2" invalidUrl="" action="" tgtFrame="" tooltip="" history="1" highlightClick="0" endSnd="0"/>
+                <a:hlinkClick r:id="rId2"/>
               </a:rPr>
               <a:t>http://www.ibm.com/developerworks/linux/library/l-system-calls/</a:t>
             </a:r>
@@ -3707,12 +2778,12 @@
   <p:clrMapOvr>
     <a:masterClrMapping/>
   </p:clrMapOvr>
-  <p:transition xmlns:p14="http://schemas.microsoft.com/office/powerpoint/2010/main" spd="med" advClick="1"/>
+  <p:transition spd="med"/>
 </p:sld>
 </file>
 
-<file path=ppt/slides/slide13.xml><?xml version="1.0" encoding="utf-8"?>
-<p:sld xmlns:a="http://schemas.openxmlformats.org/drawingml/2006/main" xmlns:r="http://schemas.openxmlformats.org/officeDocument/2006/relationships" xmlns:p="http://schemas.openxmlformats.org/presentationml/2006/main" showMasterSp="1" showMasterPhAnim="1">
+<file path=ppt/slides/slide12.xml><?xml version="1.0" encoding="utf-8"?>
+<p:sld xmlns:a="http://schemas.openxmlformats.org/drawingml/2006/main" xmlns:r="http://schemas.openxmlformats.org/officeDocument/2006/relationships" xmlns:p="http://schemas.openxmlformats.org/presentationml/2006/main">
   <p:cSld>
     <p:spTree>
       <p:nvGrpSpPr>
@@ -3731,7 +2802,9 @@
       <p:sp>
         <p:nvSpPr>
           <p:cNvPr id="120" name="Shape 120"/>
-          <p:cNvSpPr/>
+          <p:cNvSpPr>
+            <a:spLocks noGrp="1"/>
+          </p:cNvSpPr>
           <p:nvPr>
             <p:ph type="title"/>
           </p:nvPr>
@@ -3747,7 +2820,7 @@
         </p:spPr>
         <p:txBody>
           <a:bodyPr lIns="45699" tIns="45699" rIns="45699" bIns="45699">
-            <a:normAutofit fontScale="100000" lnSpcReduction="0"/>
+            <a:normAutofit/>
           </a:bodyPr>
           <a:lstStyle>
             <a:lvl1pPr defTabSz="758951">
@@ -3783,7 +2856,9 @@
       <p:sp>
         <p:nvSpPr>
           <p:cNvPr id="121" name="Shape 121"/>
-          <p:cNvSpPr/>
+          <p:cNvSpPr>
+            <a:spLocks noGrp="1"/>
+          </p:cNvSpPr>
           <p:nvPr>
             <p:ph type="body" idx="1"/>
           </p:nvPr>
@@ -3799,7 +2874,7 @@
         </p:spPr>
         <p:txBody>
           <a:bodyPr lIns="45699" tIns="45699" rIns="45699" bIns="45699">
-            <a:normAutofit fontScale="100000" lnSpcReduction="0"/>
+            <a:normAutofit/>
           </a:bodyPr>
           <a:lstStyle/>
           <a:p>
@@ -3814,10 +2889,9 @@
               <a:buNone/>
             </a:pPr>
             <a:r>
-              <a:rPr sz="1800"/>
+              <a:rPr sz="1800" dirty="0"/>
               <a:t>#include &lt;stdio.h&gt;</a:t>
             </a:r>
-            <a:endParaRPr sz="1800"/>
           </a:p>
           <a:p>
             <a:pPr marL="0" indent="0">
@@ -3831,10 +2905,9 @@
               <a:buNone/>
             </a:pPr>
             <a:r>
-              <a:rPr sz="1800"/>
+              <a:rPr sz="1800" dirty="0"/>
               <a:t>#include &lt;errno.h&gt;</a:t>
             </a:r>
-            <a:endParaRPr sz="1800"/>
           </a:p>
           <a:p>
             <a:pPr marL="0" indent="0">
@@ -3848,10 +2921,9 @@
               <a:buNone/>
             </a:pPr>
             <a:r>
-              <a:rPr sz="1800"/>
+              <a:rPr sz="1800" dirty="0"/>
               <a:t>#include &lt;unistd.h&gt;</a:t>
             </a:r>
-            <a:endParaRPr sz="1800"/>
           </a:p>
           <a:p>
             <a:pPr marL="0" indent="0">
@@ -3865,10 +2937,9 @@
               <a:buNone/>
             </a:pPr>
             <a:r>
-              <a:rPr sz="1800"/>
+              <a:rPr sz="1800" dirty="0"/>
               <a:t>#include &lt;linux/unistd.h&gt;                                     </a:t>
             </a:r>
-            <a:endParaRPr sz="1800"/>
           </a:p>
           <a:p>
             <a:pPr marL="0" indent="0">
@@ -3882,18 +2953,13 @@
               <a:buNone/>
             </a:pPr>
             <a:r>
-              <a:rPr sz="1800">
+              <a:rPr sz="1800" dirty="0">
                 <a:solidFill>
                   <a:srgbClr val="0000FF"/>
                 </a:solidFill>
               </a:rPr>
               <a:t>// define the new syscall number. Standard syscalls are defined in linux/unistd.h</a:t>
             </a:r>
-            <a:endParaRPr sz="1800">
-              <a:solidFill>
-                <a:srgbClr val="0000FF"/>
-              </a:solidFill>
-            </a:endParaRPr>
           </a:p>
           <a:p>
             <a:pPr marL="0" indent="0">
@@ -3907,7 +2973,7 @@
               <a:buNone/>
             </a:pPr>
             <a:r>
-              <a:rPr sz="1800">
+              <a:rPr sz="1800" dirty="0">
                 <a:solidFill>
                   <a:srgbClr val="0000FF"/>
                 </a:solidFill>
@@ -3915,10 +2981,9 @@
               <a:t>#define __NR_sys_foo 333</a:t>
             </a:r>
             <a:r>
-              <a:rPr sz="1800"/>
+              <a:rPr sz="1800" dirty="0"/>
               <a:t>                                          </a:t>
             </a:r>
-            <a:endParaRPr sz="1800"/>
           </a:p>
           <a:p>
             <a:pPr marL="0" indent="0">
@@ -3932,10 +2997,9 @@
               <a:buNone/>
             </a:pPr>
             <a:r>
-              <a:rPr sz="1800"/>
+              <a:rPr sz="1800" dirty="0"/>
               <a:t>int main(void) </a:t>
             </a:r>
-            <a:endParaRPr sz="1800"/>
           </a:p>
           <a:p>
             <a:pPr marL="0" indent="0">
@@ -3949,10 +3013,9 @@
               <a:buNone/>
             </a:pPr>
             <a:r>
-              <a:rPr sz="1800"/>
+              <a:rPr sz="1800" dirty="0"/>
               <a:t>{       </a:t>
             </a:r>
-            <a:endParaRPr sz="1800"/>
           </a:p>
           <a:p>
             <a:pPr marL="0" indent="0">
@@ -3966,10 +3029,9 @@
               <a:buNone/>
             </a:pPr>
             <a:r>
-              <a:rPr sz="1800"/>
+              <a:rPr sz="1800" dirty="0"/>
               <a:t>         int ret;                                                             </a:t>
             </a:r>
-            <a:endParaRPr sz="1800"/>
           </a:p>
           <a:p>
             <a:pPr marL="0" indent="0">
@@ -3983,10 +3045,9 @@
               <a:buNone/>
             </a:pPr>
             <a:r>
-              <a:rPr sz="1800"/>
+              <a:rPr sz="1800" dirty="0"/>
               <a:t>	 while(1) {                                            </a:t>
             </a:r>
-            <a:endParaRPr sz="1800"/>
           </a:p>
           <a:p>
             <a:pPr marL="0" indent="0">
@@ -4000,22 +3061,33 @@
               <a:buNone/>
             </a:pPr>
             <a:r>
-              <a:rPr sz="1800"/>
+              <a:rPr sz="1800" dirty="0"/>
               <a:t>          </a:t>
             </a:r>
             <a:r>
-              <a:rPr sz="1800">
+              <a:rPr lang="en-US" sz="1800" dirty="0" smtClean="0"/>
+              <a:t>		</a:t>
+            </a:r>
+            <a:r>
+              <a:rPr sz="1800" dirty="0" smtClean="0">
                 <a:solidFill>
                   <a:srgbClr val="0000FF"/>
                 </a:solidFill>
               </a:rPr>
-              <a:t>// making the system call</a:t>
-            </a:r>
-            <a:r>
-              <a:rPr sz="1800"/>
+              <a:t>// </a:t>
+            </a:r>
+            <a:r>
+              <a:rPr sz="1800" dirty="0">
+                <a:solidFill>
+                  <a:srgbClr val="0000FF"/>
+                </a:solidFill>
+              </a:rPr>
+              <a:t>making the system call</a:t>
+            </a:r>
+            <a:r>
+              <a:rPr sz="1800" dirty="0"/>
               <a:t>                     </a:t>
             </a:r>
-            <a:endParaRPr sz="1800"/>
           </a:p>
           <a:p>
             <a:pPr marL="0" indent="0">
@@ -4029,11 +3101,11 @@
               <a:buNone/>
             </a:pPr>
             <a:r>
-              <a:rPr sz="1800"/>
+              <a:rPr sz="1800" dirty="0"/>
               <a:t>		</a:t>
             </a:r>
             <a:r>
-              <a:rPr sz="1800">
+              <a:rPr sz="1800" dirty="0">
                 <a:solidFill>
                   <a:srgbClr val="0000FF"/>
                 </a:solidFill>
@@ -4041,10 +3113,9 @@
               <a:t>ret = syscall(__NR_sys_foo</a:t>
             </a:r>
             <a:r>
-              <a:rPr sz="1800"/>
+              <a:rPr sz="1800" dirty="0"/>
               <a:t>); </a:t>
             </a:r>
-            <a:endParaRPr sz="1800"/>
           </a:p>
           <a:p>
             <a:pPr marL="0" indent="0">
@@ -4058,11 +3129,11 @@
               <a:buNone/>
             </a:pPr>
             <a:r>
-              <a:rPr sz="1800"/>
+              <a:rPr sz="1800" dirty="0"/>
               <a:t>		printf("ret = %d errno = %d\n", ret, </a:t>
             </a:r>
             <a:r>
-              <a:rPr b="1" sz="1800">
+              <a:rPr sz="1800" b="1" dirty="0">
                 <a:solidFill>
                   <a:srgbClr val="0000FF"/>
                 </a:solidFill>
@@ -4074,10 +3145,9 @@
               <a:t>errno</a:t>
             </a:r>
             <a:r>
-              <a:rPr sz="1800"/>
+              <a:rPr sz="1800" dirty="0"/>
               <a:t>);  </a:t>
             </a:r>
-            <a:endParaRPr sz="1800"/>
           </a:p>
           <a:p>
             <a:pPr marL="0" indent="0">
@@ -4091,10 +3161,9 @@
               <a:buNone/>
             </a:pPr>
             <a:r>
-              <a:rPr sz="1800"/>
+              <a:rPr sz="1800" dirty="0"/>
               <a:t>		sleep(1);</a:t>
             </a:r>
-            <a:endParaRPr sz="1800"/>
           </a:p>
           <a:p>
             <a:pPr marL="0" indent="0">
@@ -4108,10 +3177,9 @@
               <a:buNone/>
             </a:pPr>
             <a:r>
-              <a:rPr sz="1800"/>
+              <a:rPr sz="1800" dirty="0"/>
               <a:t>        }</a:t>
             </a:r>
-            <a:endParaRPr sz="1800"/>
           </a:p>
           <a:p>
             <a:pPr marL="0" indent="0">
@@ -4125,10 +3193,9 @@
               <a:buNone/>
             </a:pPr>
             <a:r>
-              <a:rPr sz="1800"/>
+              <a:rPr sz="1800" dirty="0"/>
               <a:t>	return 0;</a:t>
             </a:r>
-            <a:endParaRPr sz="1800"/>
           </a:p>
           <a:p>
             <a:pPr marL="0" indent="0">
@@ -4142,7 +3209,7 @@
               <a:buNone/>
             </a:pPr>
             <a:r>
-              <a:rPr sz="1800"/>
+              <a:rPr sz="1800" dirty="0"/>
               <a:t>}</a:t>
             </a:r>
           </a:p>
@@ -4153,12 +3220,12 @@
   <p:clrMapOvr>
     <a:masterClrMapping/>
   </p:clrMapOvr>
-  <p:transition xmlns:p14="http://schemas.microsoft.com/office/powerpoint/2010/main" spd="med" advClick="1"/>
+  <p:transition spd="med"/>
 </p:sld>
 </file>
 
 <file path=ppt/slides/slide2.xml><?xml version="1.0" encoding="utf-8"?>
-<p:sld xmlns:a="http://schemas.openxmlformats.org/drawingml/2006/main" xmlns:r="http://schemas.openxmlformats.org/officeDocument/2006/relationships" xmlns:p="http://schemas.openxmlformats.org/presentationml/2006/main" showMasterSp="1" showMasterPhAnim="1">
+<p:sld xmlns:a="http://schemas.openxmlformats.org/drawingml/2006/main" xmlns:r="http://schemas.openxmlformats.org/officeDocument/2006/relationships" xmlns:p="http://schemas.openxmlformats.org/presentationml/2006/main">
   <p:cSld>
     <p:spTree>
       <p:nvGrpSpPr>
@@ -4177,7 +3244,9 @@
       <p:sp>
         <p:nvSpPr>
           <p:cNvPr id="43" name="Shape 43"/>
-          <p:cNvSpPr/>
+          <p:cNvSpPr>
+            <a:spLocks noGrp="1"/>
+          </p:cNvSpPr>
           <p:nvPr>
             <p:ph type="title"/>
           </p:nvPr>
@@ -4193,7 +3262,7 @@
         </p:spPr>
         <p:txBody>
           <a:bodyPr lIns="45699" tIns="45699" rIns="45699" bIns="45699">
-            <a:normAutofit fontScale="100000" lnSpcReduction="0"/>
+            <a:normAutofit fontScale="90000"/>
           </a:bodyPr>
           <a:lstStyle>
             <a:lvl1pPr>
@@ -4258,6 +3327,7 @@
             <a:lstStyle/>
             <a:p>
               <a:pPr algn="ctr"/>
+              <a:endParaRPr/>
             </a:p>
           </p:txBody>
         </p:sp>
@@ -4348,7 +3418,7 @@
           <a:bodyPr lIns="45719" rIns="45719" anchor="ctr"/>
           <a:lstStyle/>
           <a:p>
-            <a:pPr/>
+            <a:endParaRPr/>
           </a:p>
         </p:txBody>
       </p:sp>
@@ -4689,6 +3759,7 @@
             <a:lstStyle/>
             <a:p>
               <a:pPr algn="ctr"/>
+              <a:endParaRPr/>
             </a:p>
           </p:txBody>
         </p:sp>
@@ -4734,12 +3805,6 @@
                 </a:rPr>
                 <a:t>Architec-</a:t>
               </a:r>
-              <a:endParaRPr sz="2000">
-                <a:latin typeface="Tahoma"/>
-                <a:ea typeface="Tahoma"/>
-                <a:cs typeface="Tahoma"/>
-                <a:sym typeface="Tahoma"/>
-              </a:endParaRPr>
             </a:p>
             <a:p>
               <a:pPr algn="ctr"/>
@@ -4752,12 +3817,6 @@
                 </a:rPr>
                 <a:t>ture</a:t>
               </a:r>
-              <a:endParaRPr sz="2000">
-                <a:latin typeface="Tahoma"/>
-                <a:ea typeface="Tahoma"/>
-                <a:cs typeface="Tahoma"/>
-                <a:sym typeface="Tahoma"/>
-              </a:endParaRPr>
             </a:p>
             <a:p>
               <a:pPr algn="ctr"/>
@@ -4770,12 +3829,6 @@
                 </a:rPr>
                 <a:t>specific</a:t>
               </a:r>
-              <a:endParaRPr sz="2000">
-                <a:latin typeface="Tahoma"/>
-                <a:ea typeface="Tahoma"/>
-                <a:cs typeface="Tahoma"/>
-                <a:sym typeface="Tahoma"/>
-              </a:endParaRPr>
             </a:p>
             <a:p>
               <a:pPr algn="ctr"/>
@@ -4839,6 +3892,7 @@
             <a:lstStyle/>
             <a:p>
               <a:pPr algn="ctr"/>
+              <a:endParaRPr/>
             </a:p>
           </p:txBody>
         </p:sp>
@@ -4884,12 +3938,6 @@
                 </a:rPr>
                 <a:t>Virtual</a:t>
               </a:r>
-              <a:endParaRPr sz="2000">
-                <a:latin typeface="Tahoma"/>
-                <a:ea typeface="Tahoma"/>
-                <a:cs typeface="Tahoma"/>
-                <a:sym typeface="Tahoma"/>
-              </a:endParaRPr>
             </a:p>
             <a:p>
               <a:pPr algn="ctr"/>
@@ -4902,12 +3950,6 @@
                 </a:rPr>
                 <a:t>Memory</a:t>
               </a:r>
-              <a:endParaRPr sz="2000">
-                <a:latin typeface="Tahoma"/>
-                <a:ea typeface="Tahoma"/>
-                <a:cs typeface="Tahoma"/>
-                <a:sym typeface="Tahoma"/>
-              </a:endParaRPr>
             </a:p>
             <a:p>
               <a:pPr algn="ctr"/>
@@ -4920,12 +3962,6 @@
                 </a:rPr>
                 <a:t>Sub-</a:t>
               </a:r>
-              <a:endParaRPr sz="2000">
-                <a:latin typeface="Tahoma"/>
-                <a:ea typeface="Tahoma"/>
-                <a:cs typeface="Tahoma"/>
-                <a:sym typeface="Tahoma"/>
-              </a:endParaRPr>
             </a:p>
             <a:p>
               <a:pPr algn="ctr"/>
@@ -4989,6 +4025,7 @@
             <a:lstStyle/>
             <a:p>
               <a:pPr algn="ctr"/>
+              <a:endParaRPr/>
             </a:p>
           </p:txBody>
         </p:sp>
@@ -5034,12 +4071,6 @@
                 </a:rPr>
                 <a:t>Block</a:t>
               </a:r>
-              <a:endParaRPr sz="2000">
-                <a:latin typeface="Tahoma"/>
-                <a:ea typeface="Tahoma"/>
-                <a:cs typeface="Tahoma"/>
-                <a:sym typeface="Tahoma"/>
-              </a:endParaRPr>
             </a:p>
             <a:p>
               <a:pPr algn="ctr"/>
@@ -5052,12 +4083,6 @@
                 </a:rPr>
                 <a:t>Device</a:t>
               </a:r>
-              <a:endParaRPr sz="2000">
-                <a:latin typeface="Tahoma"/>
-                <a:ea typeface="Tahoma"/>
-                <a:cs typeface="Tahoma"/>
-                <a:sym typeface="Tahoma"/>
-              </a:endParaRPr>
             </a:p>
             <a:p>
               <a:pPr algn="ctr"/>
@@ -5121,6 +4146,7 @@
             <a:lstStyle/>
             <a:p>
               <a:pPr algn="ctr"/>
+              <a:endParaRPr/>
             </a:p>
           </p:txBody>
         </p:sp>
@@ -5166,12 +4192,6 @@
                 </a:rPr>
                 <a:t>Character</a:t>
               </a:r>
-              <a:endParaRPr sz="2000">
-                <a:latin typeface="Tahoma"/>
-                <a:ea typeface="Tahoma"/>
-                <a:cs typeface="Tahoma"/>
-                <a:sym typeface="Tahoma"/>
-              </a:endParaRPr>
             </a:p>
             <a:p>
               <a:pPr algn="ctr"/>
@@ -5184,12 +4204,6 @@
                 </a:rPr>
                 <a:t>Device</a:t>
               </a:r>
-              <a:endParaRPr sz="2000">
-                <a:latin typeface="Tahoma"/>
-                <a:ea typeface="Tahoma"/>
-                <a:cs typeface="Tahoma"/>
-                <a:sym typeface="Tahoma"/>
-              </a:endParaRPr>
             </a:p>
             <a:p>
               <a:pPr algn="ctr"/>
@@ -5253,6 +4267,7 @@
             <a:lstStyle/>
             <a:p>
               <a:pPr algn="ctr"/>
+              <a:endParaRPr/>
             </a:p>
           </p:txBody>
         </p:sp>
@@ -5298,12 +4313,6 @@
                 </a:rPr>
                 <a:t>Network</a:t>
               </a:r>
-              <a:endParaRPr sz="2000">
-                <a:latin typeface="Tahoma"/>
-                <a:ea typeface="Tahoma"/>
-                <a:cs typeface="Tahoma"/>
-                <a:sym typeface="Tahoma"/>
-              </a:endParaRPr>
             </a:p>
             <a:p>
               <a:pPr algn="ctr"/>
@@ -5367,6 +4376,7 @@
             <a:lstStyle/>
             <a:p>
               <a:pPr algn="ctr"/>
+              <a:endParaRPr/>
             </a:p>
           </p:txBody>
         </p:sp>
@@ -5412,12 +4422,6 @@
                 </a:rPr>
                 <a:t>Network</a:t>
               </a:r>
-              <a:endParaRPr sz="2000">
-                <a:latin typeface="Tahoma"/>
-                <a:ea typeface="Tahoma"/>
-                <a:cs typeface="Tahoma"/>
-                <a:sym typeface="Tahoma"/>
-              </a:endParaRPr>
             </a:p>
             <a:p>
               <a:pPr algn="ctr"/>
@@ -5430,12 +4434,6 @@
                 </a:rPr>
                 <a:t>Device</a:t>
               </a:r>
-              <a:endParaRPr sz="2000">
-                <a:latin typeface="Tahoma"/>
-                <a:ea typeface="Tahoma"/>
-                <a:cs typeface="Tahoma"/>
-                <a:sym typeface="Tahoma"/>
-              </a:endParaRPr>
             </a:p>
             <a:p>
               <a:pPr algn="ctr"/>
@@ -5499,6 +4497,7 @@
             <a:lstStyle/>
             <a:p>
               <a:pPr algn="ctr"/>
+              <a:endParaRPr/>
             </a:p>
           </p:txBody>
         </p:sp>
@@ -5544,12 +4543,6 @@
                 </a:rPr>
                 <a:t>Process</a:t>
               </a:r>
-              <a:endParaRPr sz="2000">
-                <a:latin typeface="Tahoma"/>
-                <a:ea typeface="Tahoma"/>
-                <a:cs typeface="Tahoma"/>
-                <a:sym typeface="Tahoma"/>
-              </a:endParaRPr>
             </a:p>
             <a:p>
               <a:pPr algn="ctr"/>
@@ -5562,12 +4555,6 @@
                 </a:rPr>
                 <a:t>manage-</a:t>
               </a:r>
-              <a:endParaRPr sz="2000">
-                <a:latin typeface="Tahoma"/>
-                <a:ea typeface="Tahoma"/>
-                <a:cs typeface="Tahoma"/>
-                <a:sym typeface="Tahoma"/>
-              </a:endParaRPr>
             </a:p>
             <a:p>
               <a:pPr algn="ctr"/>
@@ -5631,6 +4618,7 @@
             <a:lstStyle/>
             <a:p>
               <a:pPr algn="ctr"/>
+              <a:endParaRPr/>
             </a:p>
           </p:txBody>
         </p:sp>
@@ -5676,12 +4664,6 @@
                 </a:rPr>
                 <a:t>Memory</a:t>
               </a:r>
-              <a:endParaRPr sz="2000">
-                <a:latin typeface="Tahoma"/>
-                <a:ea typeface="Tahoma"/>
-                <a:cs typeface="Tahoma"/>
-                <a:sym typeface="Tahoma"/>
-              </a:endParaRPr>
             </a:p>
             <a:p>
               <a:pPr algn="ctr"/>
@@ -5694,12 +4676,6 @@
                 </a:rPr>
                 <a:t>manage-</a:t>
               </a:r>
-              <a:endParaRPr sz="2000">
-                <a:latin typeface="Tahoma"/>
-                <a:ea typeface="Tahoma"/>
-                <a:cs typeface="Tahoma"/>
-                <a:sym typeface="Tahoma"/>
-              </a:endParaRPr>
             </a:p>
             <a:p>
               <a:pPr algn="ctr"/>
@@ -5763,6 +4739,7 @@
             <a:lstStyle/>
             <a:p>
               <a:pPr algn="ctr"/>
+              <a:endParaRPr/>
             </a:p>
           </p:txBody>
         </p:sp>
@@ -5808,12 +4785,6 @@
                 </a:rPr>
                 <a:t>File-</a:t>
               </a:r>
-              <a:endParaRPr sz="2000">
-                <a:latin typeface="Tahoma"/>
-                <a:ea typeface="Tahoma"/>
-                <a:cs typeface="Tahoma"/>
-                <a:sym typeface="Tahoma"/>
-              </a:endParaRPr>
             </a:p>
             <a:p>
               <a:pPr algn="ctr"/>
@@ -5877,6 +4848,7 @@
             <a:lstStyle/>
             <a:p>
               <a:pPr algn="ctr"/>
+              <a:endParaRPr/>
             </a:p>
           </p:txBody>
         </p:sp>
@@ -5922,12 +4894,6 @@
                 </a:rPr>
                 <a:t>Device</a:t>
               </a:r>
-              <a:endParaRPr sz="2000">
-                <a:latin typeface="Tahoma"/>
-                <a:ea typeface="Tahoma"/>
-                <a:cs typeface="Tahoma"/>
-                <a:sym typeface="Tahoma"/>
-              </a:endParaRPr>
             </a:p>
             <a:p>
               <a:pPr algn="ctr"/>
@@ -5991,6 +4957,7 @@
             <a:lstStyle/>
             <a:p>
               <a:pPr algn="ctr"/>
+              <a:endParaRPr/>
             </a:p>
           </p:txBody>
         </p:sp>
@@ -6036,12 +5003,6 @@
                 </a:rPr>
                 <a:t>Network</a:t>
               </a:r>
-              <a:endParaRPr sz="2000">
-                <a:latin typeface="Tahoma"/>
-                <a:ea typeface="Tahoma"/>
-                <a:cs typeface="Tahoma"/>
-                <a:sym typeface="Tahoma"/>
-              </a:endParaRPr>
             </a:p>
             <a:p>
               <a:pPr algn="ctr"/>
@@ -6063,12 +5024,12 @@
   <p:clrMapOvr>
     <a:masterClrMapping/>
   </p:clrMapOvr>
-  <p:transition xmlns:p14="http://schemas.microsoft.com/office/powerpoint/2010/main" spd="med" advClick="1"/>
+  <p:transition spd="med"/>
 </p:sld>
 </file>
 
 <file path=ppt/slides/slide3.xml><?xml version="1.0" encoding="utf-8"?>
-<p:sld xmlns:a="http://schemas.openxmlformats.org/drawingml/2006/main" xmlns:r="http://schemas.openxmlformats.org/officeDocument/2006/relationships" xmlns:p="http://schemas.openxmlformats.org/presentationml/2006/main" showMasterSp="1" showMasterPhAnim="1">
+<p:sld xmlns:a="http://schemas.openxmlformats.org/drawingml/2006/main" xmlns:r="http://schemas.openxmlformats.org/officeDocument/2006/relationships" xmlns:p="http://schemas.openxmlformats.org/presentationml/2006/main">
   <p:cSld>
     <p:spTree>
       <p:nvGrpSpPr>
@@ -6087,7 +5048,9 @@
       <p:sp>
         <p:nvSpPr>
           <p:cNvPr id="87" name="Shape 87"/>
-          <p:cNvSpPr/>
+          <p:cNvSpPr>
+            <a:spLocks noGrp="1"/>
+          </p:cNvSpPr>
           <p:nvPr>
             <p:ph type="title"/>
           </p:nvPr>
@@ -6103,7 +5066,7 @@
         </p:spPr>
         <p:txBody>
           <a:bodyPr lIns="45699" tIns="45699" rIns="45699" bIns="45699">
-            <a:normAutofit fontScale="100000" lnSpcReduction="0"/>
+            <a:normAutofit/>
           </a:bodyPr>
           <a:lstStyle>
             <a:lvl1pPr>
@@ -6124,7 +5087,9 @@
       <p:sp>
         <p:nvSpPr>
           <p:cNvPr id="88" name="Shape 88"/>
-          <p:cNvSpPr/>
+          <p:cNvSpPr>
+            <a:spLocks noGrp="1"/>
+          </p:cNvSpPr>
           <p:nvPr>
             <p:ph type="body" idx="1"/>
           </p:nvPr>
@@ -6140,7 +5105,7 @@
         </p:spPr>
         <p:txBody>
           <a:bodyPr lIns="45699" tIns="45699" rIns="45699" bIns="45699">
-            <a:normAutofit fontScale="100000" lnSpcReduction="0"/>
+            <a:normAutofit/>
           </a:bodyPr>
           <a:lstStyle/>
           <a:p>
@@ -6162,15 +5127,9 @@
               </a:rPr>
               <a:t>Operating systems typically support two levels of privileges:</a:t>
             </a:r>
-            <a:endParaRPr sz="2200">
-              <a:latin typeface="Calibri"/>
-              <a:ea typeface="Calibri"/>
-              <a:cs typeface="Calibri"/>
-              <a:sym typeface="Calibri"/>
-            </a:endParaRPr>
-          </a:p>
-          <a:p>
-            <a:pPr lvl="1" marL="823685" indent="-226785">
+          </a:p>
+          <a:p>
+            <a:pPr marL="823685" lvl="1" indent="-226785">
               <a:lnSpc>
                 <a:spcPct val="80000"/>
               </a:lnSpc>
@@ -6198,7 +5157,7 @@
             </a:r>
           </a:p>
           <a:p>
-            <a:pPr lvl="1" marL="823685" indent="-226785">
+            <a:pPr marL="823685" lvl="1" indent="-226785">
               <a:lnSpc>
                 <a:spcPct val="80000"/>
               </a:lnSpc>
@@ -6256,12 +5215,6 @@
               </a:rPr>
               <a:t>Applications need to call OS routines to request privileged operations.</a:t>
             </a:r>
-            <a:endParaRPr sz="2200">
-              <a:latin typeface="Calibri"/>
-              <a:ea typeface="Calibri"/>
-              <a:cs typeface="Calibri"/>
-              <a:sym typeface="Calibri"/>
-            </a:endParaRPr>
           </a:p>
           <a:p>
             <a:pPr marL="0" indent="0">
@@ -6294,15 +5247,9 @@
               </a:rPr>
               <a:t>System calls </a:t>
             </a:r>
-            <a:endParaRPr sz="2200">
-              <a:latin typeface="Calibri"/>
-              <a:ea typeface="Calibri"/>
-              <a:cs typeface="Calibri"/>
-              <a:sym typeface="Calibri"/>
-            </a:endParaRPr>
-          </a:p>
-          <a:p>
-            <a:pPr lvl="1" marL="823685" indent="-226785">
+          </a:p>
+          <a:p>
+            <a:pPr marL="823685" lvl="1" indent="-226785">
               <a:lnSpc>
                 <a:spcPct val="80000"/>
               </a:lnSpc>
@@ -6330,7 +5277,7 @@
             </a:r>
           </a:p>
           <a:p>
-            <a:pPr lvl="1" marL="823685" indent="-226785">
+            <a:pPr marL="823685" lvl="1" indent="-226785">
               <a:lnSpc>
                 <a:spcPct val="80000"/>
               </a:lnSpc>
@@ -6388,15 +5335,9 @@
               </a:rPr>
               <a:t>Kernel can tightly control entry points for the application into the OS. </a:t>
             </a:r>
-            <a:endParaRPr sz="2200">
-              <a:latin typeface="Calibri"/>
-              <a:ea typeface="Calibri"/>
-              <a:cs typeface="Calibri"/>
-              <a:sym typeface="Calibri"/>
-            </a:endParaRPr>
-          </a:p>
-          <a:p>
-            <a:pPr lvl="1" marL="823685" indent="-226785">
+          </a:p>
+          <a:p>
+            <a:pPr marL="823685" lvl="1" indent="-226785">
               <a:lnSpc>
                 <a:spcPct val="80000"/>
               </a:lnSpc>
@@ -6430,12 +5371,12 @@
   <p:clrMapOvr>
     <a:masterClrMapping/>
   </p:clrMapOvr>
-  <p:transition xmlns:p14="http://schemas.microsoft.com/office/powerpoint/2010/main" spd="med" advClick="1"/>
+  <p:transition spd="med"/>
 </p:sld>
 </file>
 
 <file path=ppt/slides/slide4.xml><?xml version="1.0" encoding="utf-8"?>
-<p:sld xmlns:a="http://schemas.openxmlformats.org/drawingml/2006/main" xmlns:r="http://schemas.openxmlformats.org/officeDocument/2006/relationships" xmlns:p="http://schemas.openxmlformats.org/presentationml/2006/main" showMasterSp="1" showMasterPhAnim="1">
+<p:sld xmlns:a="http://schemas.openxmlformats.org/drawingml/2006/main" xmlns:r="http://schemas.openxmlformats.org/officeDocument/2006/relationships" xmlns:p="http://schemas.openxmlformats.org/presentationml/2006/main">
   <p:cSld>
     <p:spTree>
       <p:nvGrpSpPr>
@@ -6454,7 +5395,9 @@
       <p:sp>
         <p:nvSpPr>
           <p:cNvPr id="90" name="Shape 90"/>
-          <p:cNvSpPr/>
+          <p:cNvSpPr>
+            <a:spLocks noGrp="1"/>
+          </p:cNvSpPr>
           <p:nvPr>
             <p:ph type="title"/>
           </p:nvPr>
@@ -6470,7 +5413,7 @@
         </p:spPr>
         <p:txBody>
           <a:bodyPr lIns="45699" tIns="45699" rIns="45699" bIns="45699">
-            <a:normAutofit fontScale="100000" lnSpcReduction="0"/>
+            <a:normAutofit/>
           </a:bodyPr>
           <a:lstStyle>
             <a:lvl1pPr>
@@ -6482,16 +5425,19 @@
               <a:defRPr u="none"/>
             </a:pPr>
             <a:r>
-              <a:rPr u="sng"/>
-              <a:t>Syscall Internals</a:t>
-            </a:r>
+              <a:rPr lang="en-US" u="sng" dirty="0" smtClean="0"/>
+              <a:t>How system call works</a:t>
+            </a:r>
+            <a:endParaRPr u="sng" dirty="0"/>
           </a:p>
         </p:txBody>
       </p:sp>
       <p:sp>
         <p:nvSpPr>
           <p:cNvPr id="91" name="Shape 91"/>
-          <p:cNvSpPr/>
+          <p:cNvSpPr>
+            <a:spLocks noGrp="1"/>
+          </p:cNvSpPr>
           <p:nvPr>
             <p:ph type="body" idx="1"/>
           </p:nvPr>
@@ -6507,7 +5453,7 @@
         </p:spPr>
         <p:txBody>
           <a:bodyPr lIns="45699" tIns="45699" rIns="45699" bIns="45699">
-            <a:normAutofit fontScale="100000" lnSpcReduction="0"/>
+            <a:normAutofit fontScale="85000" lnSpcReduction="20000"/>
           </a:bodyPr>
           <a:lstStyle/>
           <a:p>
@@ -6519,21 +5465,87 @@
                 <a:spcPts val="300"/>
               </a:spcBef>
               <a:buFont typeface="Trebuchet MS"/>
-              <a:buAutoNum type="arabicPeriod" startAt="1"/>
-            </a:pPr>
-            <a:r>
-              <a:rPr sz="1800">
-                <a:latin typeface="Calibri"/>
-                <a:ea typeface="Calibri"/>
-                <a:cs typeface="Calibri"/>
-                <a:sym typeface="Calibri"/>
-              </a:rPr>
-              <a:t>Syscall invoked via a special CPU instruction that triggers a </a:t>
-            </a:r>
-            <a:r>
-              <a:rPr sz="1800">
+              <a:buAutoNum type="arabicPeriod"/>
+            </a:pPr>
+            <a:r>
+              <a:rPr lang="en-US" sz="1800" dirty="0" smtClean="0">
+                <a:latin typeface="Calibri"/>
+                <a:ea typeface="Calibri"/>
+                <a:cs typeface="Calibri"/>
+                <a:sym typeface="Calibri"/>
+              </a:rPr>
+              <a:t>User process invokes a system call, which invokes a library wrapper routine for the system call.</a:t>
+            </a:r>
+          </a:p>
+          <a:p>
+            <a:pPr marL="307181" indent="-192881">
+              <a:lnSpc>
+                <a:spcPct val="120000"/>
+              </a:lnSpc>
+              <a:spcBef>
+                <a:spcPts val="300"/>
+              </a:spcBef>
+              <a:buFont typeface="Trebuchet MS"/>
+              <a:buAutoNum type="arabicPeriod"/>
+            </a:pPr>
+            <a:r>
+              <a:rPr lang="en-US" sz="1800" dirty="0" smtClean="0">
+                <a:latin typeface="Calibri"/>
+                <a:ea typeface="Calibri"/>
+                <a:cs typeface="Calibri"/>
+                <a:sym typeface="Calibri"/>
+              </a:rPr>
+              <a:t>Library routine triggers a s</a:t>
+            </a:r>
+            <a:r>
+              <a:rPr sz="1800" dirty="0" smtClean="0">
+                <a:latin typeface="Calibri"/>
+                <a:ea typeface="Calibri"/>
+                <a:cs typeface="Calibri"/>
+                <a:sym typeface="Calibri"/>
+              </a:rPr>
+              <a:t>pecial </a:t>
+            </a:r>
+            <a:r>
+              <a:rPr sz="1800" dirty="0">
+                <a:latin typeface="Calibri"/>
+                <a:ea typeface="Calibri"/>
+                <a:cs typeface="Calibri"/>
+                <a:sym typeface="Calibri"/>
+              </a:rPr>
+              <a:t>CPU instruction </a:t>
+            </a:r>
+            <a:r>
+              <a:rPr lang="en-US" sz="1800" dirty="0" smtClean="0">
+                <a:latin typeface="Calibri"/>
+                <a:ea typeface="Calibri"/>
+                <a:cs typeface="Calibri"/>
+                <a:sym typeface="Calibri"/>
+              </a:rPr>
+              <a:t>or</a:t>
+            </a:r>
+            <a:r>
+              <a:rPr sz="1800" dirty="0" smtClean="0">
+                <a:latin typeface="Calibri"/>
+                <a:ea typeface="Calibri"/>
+                <a:cs typeface="Calibri"/>
+                <a:sym typeface="Calibri"/>
+              </a:rPr>
+              <a:t> </a:t>
+            </a:r>
+            <a:r>
+              <a:rPr lang="en-US" sz="1800" dirty="0" smtClean="0">
+                <a:latin typeface="Calibri"/>
+                <a:ea typeface="Calibri"/>
+                <a:cs typeface="Calibri"/>
+                <a:sym typeface="Calibri"/>
+              </a:rPr>
+              <a:t>a </a:t>
+            </a:r>
+            <a:r>
+              <a:rPr sz="1800" dirty="0" smtClean="0">
                 <a:solidFill>
-                  <a:srgbClr val="0000FF"/>
+                  <a:schemeClr val="tx1"/>
                 </a:solidFill>
                 <a:latin typeface="Calibri"/>
                 <a:ea typeface="Calibri"/>
@@ -6542,9 +5554,9 @@
               </a:rPr>
               <a:t>software trap</a:t>
             </a:r>
-            <a:endParaRPr sz="1800">
+            <a:endParaRPr lang="en-US" sz="1800" dirty="0" smtClean="0">
               <a:solidFill>
-                <a:srgbClr val="0000FF"/>
+                <a:schemeClr val="tx1"/>
               </a:solidFill>
               <a:latin typeface="Calibri"/>
               <a:ea typeface="Calibri"/>
@@ -6553,26 +5565,102 @@
             </a:endParaRPr>
           </a:p>
           <a:p>
-            <a:pPr lvl="1" marL="764381" indent="-192881">
+            <a:pPr marL="781050" lvl="1" indent="-285750">
               <a:lnSpc>
                 <a:spcPct val="120000"/>
               </a:lnSpc>
               <a:spcBef>
                 <a:spcPts val="300"/>
               </a:spcBef>
-              <a:buFont typeface="Trebuchet MS"/>
-              <a:buAutoNum type="arabicPeriod" startAt="1"/>
-            </a:pPr>
-            <a:r>
-              <a:rPr sz="1800">
-                <a:latin typeface="Calibri"/>
-                <a:ea typeface="Calibri"/>
-                <a:cs typeface="Calibri"/>
-                <a:sym typeface="Calibri"/>
-              </a:rPr>
-              <a:t>int 0x80/lcall7/lcall27 </a:t>
-            </a:r>
-            <a:endParaRPr sz="1800">
+            </a:pPr>
+            <a:r>
+              <a:rPr lang="en-US" sz="1800" dirty="0" smtClean="0">
+                <a:solidFill>
+                  <a:schemeClr val="tx1"/>
+                </a:solidFill>
+                <a:latin typeface="Calibri"/>
+                <a:ea typeface="Calibri"/>
+                <a:cs typeface="Calibri"/>
+                <a:sym typeface="Calibri"/>
+              </a:rPr>
+              <a:t>SYSENTER, </a:t>
+            </a:r>
+            <a:r>
+              <a:rPr sz="1800" dirty="0" err="1" smtClean="0">
+                <a:solidFill>
+                  <a:schemeClr val="tx1"/>
+                </a:solidFill>
+                <a:latin typeface="Calibri"/>
+                <a:ea typeface="Calibri"/>
+                <a:cs typeface="Calibri"/>
+                <a:sym typeface="Calibri"/>
+              </a:rPr>
+              <a:t>int</a:t>
+            </a:r>
+            <a:r>
+              <a:rPr sz="1800" dirty="0" smtClean="0">
+                <a:solidFill>
+                  <a:schemeClr val="tx1"/>
+                </a:solidFill>
+                <a:latin typeface="Calibri"/>
+                <a:ea typeface="Calibri"/>
+                <a:cs typeface="Calibri"/>
+                <a:sym typeface="Calibri"/>
+              </a:rPr>
+              <a:t> 0x80</a:t>
+            </a:r>
+            <a:r>
+              <a:rPr lang="en-US" sz="1800" dirty="0" smtClean="0">
+                <a:solidFill>
+                  <a:schemeClr val="tx1"/>
+                </a:solidFill>
+                <a:latin typeface="Calibri"/>
+                <a:ea typeface="Calibri"/>
+                <a:cs typeface="Calibri"/>
+                <a:sym typeface="Calibri"/>
+              </a:rPr>
+              <a:t>, </a:t>
+            </a:r>
+            <a:r>
+              <a:rPr sz="1800" dirty="0" smtClean="0">
+                <a:solidFill>
+                  <a:schemeClr val="tx1"/>
+                </a:solidFill>
+                <a:latin typeface="Calibri"/>
+                <a:ea typeface="Calibri"/>
+                <a:cs typeface="Calibri"/>
+                <a:sym typeface="Calibri"/>
+              </a:rPr>
+              <a:t>lcall7</a:t>
+            </a:r>
+            <a:r>
+              <a:rPr lang="en-US" sz="1800" dirty="0" smtClean="0">
+                <a:solidFill>
+                  <a:schemeClr val="tx1"/>
+                </a:solidFill>
+                <a:latin typeface="Calibri"/>
+                <a:ea typeface="Calibri"/>
+                <a:cs typeface="Calibri"/>
+                <a:sym typeface="Calibri"/>
+              </a:rPr>
+              <a:t>, </a:t>
+            </a:r>
+            <a:r>
+              <a:rPr sz="1800" dirty="0" smtClean="0">
+                <a:solidFill>
+                  <a:schemeClr val="tx1"/>
+                </a:solidFill>
+                <a:latin typeface="Calibri"/>
+                <a:ea typeface="Calibri"/>
+                <a:cs typeface="Calibri"/>
+                <a:sym typeface="Calibri"/>
+              </a:rPr>
+              <a:t>lcall27 </a:t>
+            </a:r>
+            <a:endParaRPr lang="en-US" sz="1800" dirty="0" smtClean="0">
+              <a:solidFill>
+                <a:schemeClr val="tx1"/>
+              </a:solidFill>
               <a:latin typeface="Calibri"/>
               <a:ea typeface="Calibri"/>
               <a:cs typeface="Calibri"/>
@@ -6580,26 +5668,30 @@
             </a:endParaRPr>
           </a:p>
           <a:p>
-            <a:pPr marL="307181" indent="-192881">
+            <a:pPr marL="781050" lvl="1" indent="-285750">
               <a:lnSpc>
                 <a:spcPct val="120000"/>
               </a:lnSpc>
               <a:spcBef>
                 <a:spcPts val="300"/>
               </a:spcBef>
-              <a:buFont typeface="Trebuchet MS"/>
-              <a:buAutoNum type="arabicPeriod" startAt="1"/>
-            </a:pPr>
-            <a:r>
-              <a:rPr sz="1800">
-                <a:latin typeface="Calibri"/>
-                <a:ea typeface="Calibri"/>
-                <a:cs typeface="Calibri"/>
-                <a:sym typeface="Calibri"/>
-              </a:rPr>
-              <a:t>Process making the syscall is interrupted</a:t>
-            </a:r>
-            <a:endParaRPr sz="1800">
+            </a:pPr>
+            <a:r>
+              <a:rPr lang="en-US" sz="1800" dirty="0" smtClean="0">
+                <a:solidFill>
+                  <a:schemeClr val="tx1"/>
+                </a:solidFill>
+                <a:latin typeface="Calibri"/>
+                <a:ea typeface="Calibri"/>
+                <a:cs typeface="Calibri"/>
+                <a:sym typeface="Calibri"/>
+              </a:rPr>
+              <a:t>System call number and arguments stored in registers and, if needed, stack.</a:t>
+            </a:r>
+            <a:endParaRPr sz="1800" dirty="0">
+              <a:solidFill>
+                <a:schemeClr val="tx1"/>
+              </a:solidFill>
               <a:latin typeface="Calibri"/>
               <a:ea typeface="Calibri"/>
               <a:cs typeface="Calibri"/>
@@ -6615,18 +5707,18 @@
                 <a:spcPts val="300"/>
               </a:spcBef>
               <a:buFont typeface="Trebuchet MS"/>
-              <a:buAutoNum type="arabicPeriod" startAt="1"/>
-            </a:pPr>
-            <a:r>
-              <a:rPr sz="1800">
-                <a:latin typeface="Calibri"/>
-                <a:ea typeface="Calibri"/>
-                <a:cs typeface="Calibri"/>
-                <a:sym typeface="Calibri"/>
-              </a:rPr>
-              <a:t>Information needed to continue its execution later is saved </a:t>
-            </a:r>
-            <a:endParaRPr sz="1800">
+              <a:buAutoNum type="arabicPeriod"/>
+            </a:pPr>
+            <a:r>
+              <a:rPr lang="en-US" sz="1800" dirty="0" smtClean="0">
+                <a:latin typeface="Calibri"/>
+                <a:ea typeface="Calibri"/>
+                <a:cs typeface="Calibri"/>
+                <a:sym typeface="Calibri"/>
+              </a:rPr>
+              <a:t>Trap to kernel entry code.</a:t>
+            </a:r>
+            <a:endParaRPr sz="1800" dirty="0">
               <a:latin typeface="Calibri"/>
               <a:ea typeface="Calibri"/>
               <a:cs typeface="Calibri"/>
@@ -6642,18 +5734,36 @@
                 <a:spcPts val="300"/>
               </a:spcBef>
               <a:buFont typeface="Trebuchet MS"/>
-              <a:buAutoNum type="arabicPeriod" startAt="1"/>
-            </a:pPr>
-            <a:r>
-              <a:rPr sz="1800">
-                <a:latin typeface="Calibri"/>
-                <a:ea typeface="Calibri"/>
-                <a:cs typeface="Calibri"/>
-                <a:sym typeface="Calibri"/>
-              </a:rPr>
-              <a:t>Processor switches to higher privileged level</a:t>
-            </a:r>
-            <a:endParaRPr sz="1800">
+              <a:buAutoNum type="arabicPeriod"/>
+            </a:pPr>
+            <a:r>
+              <a:rPr lang="en-US" sz="1800" dirty="0" smtClean="0">
+                <a:latin typeface="Calibri"/>
+                <a:ea typeface="Calibri"/>
+                <a:cs typeface="Calibri"/>
+                <a:sym typeface="Calibri"/>
+              </a:rPr>
+              <a:t>Save process state (program counter, registers </a:t>
+            </a:r>
+            <a:r>
+              <a:rPr lang="en-US" sz="1800" dirty="0" err="1" smtClean="0">
+                <a:latin typeface="Calibri"/>
+                <a:ea typeface="Calibri"/>
+                <a:cs typeface="Calibri"/>
+                <a:sym typeface="Calibri"/>
+              </a:rPr>
+              <a:t>etc</a:t>
+            </a:r>
+            <a:r>
+              <a:rPr lang="en-US" sz="1800" dirty="0" smtClean="0">
+                <a:latin typeface="Calibri"/>
+                <a:ea typeface="Calibri"/>
+                <a:cs typeface="Calibri"/>
+                <a:sym typeface="Calibri"/>
+              </a:rPr>
+              <a:t>)</a:t>
+            </a:r>
+            <a:endParaRPr sz="1800" dirty="0">
               <a:latin typeface="Calibri"/>
               <a:ea typeface="Calibri"/>
               <a:cs typeface="Calibri"/>
@@ -6669,18 +5779,175 @@
                 <a:spcPts val="300"/>
               </a:spcBef>
               <a:buFont typeface="Trebuchet MS"/>
-              <a:buAutoNum type="arabicPeriod" startAt="1"/>
-            </a:pPr>
-            <a:r>
-              <a:rPr sz="1800">
-                <a:latin typeface="Calibri"/>
-                <a:ea typeface="Calibri"/>
-                <a:cs typeface="Calibri"/>
-                <a:sym typeface="Calibri"/>
-              </a:rPr>
-              <a:t>Processor determines the service being requested by the user-mode by examining the processor state and/or its stack.</a:t>
-            </a:r>
-            <a:endParaRPr sz="1800">
+              <a:buAutoNum type="arabicPeriod"/>
+            </a:pPr>
+            <a:r>
+              <a:rPr lang="en-US" sz="1800" dirty="0" smtClean="0">
+                <a:latin typeface="Calibri"/>
+                <a:ea typeface="Calibri"/>
+                <a:cs typeface="Calibri"/>
+                <a:sym typeface="Calibri"/>
+              </a:rPr>
+              <a:t>S</a:t>
+            </a:r>
+            <a:r>
+              <a:rPr sz="1800" dirty="0" smtClean="0">
+                <a:latin typeface="Calibri"/>
+                <a:ea typeface="Calibri"/>
+                <a:cs typeface="Calibri"/>
+                <a:sym typeface="Calibri"/>
+              </a:rPr>
+              <a:t>witch</a:t>
+            </a:r>
+            <a:r>
+              <a:rPr lang="en-US" sz="1800" dirty="0" smtClean="0">
+                <a:latin typeface="Calibri"/>
+                <a:ea typeface="Calibri"/>
+                <a:cs typeface="Calibri"/>
+                <a:sym typeface="Calibri"/>
+              </a:rPr>
+              <a:t> CPU</a:t>
+            </a:r>
+            <a:r>
+              <a:rPr sz="1800" dirty="0" smtClean="0">
+                <a:latin typeface="Calibri"/>
+                <a:ea typeface="Calibri"/>
+                <a:cs typeface="Calibri"/>
+                <a:sym typeface="Calibri"/>
+              </a:rPr>
+              <a:t> </a:t>
+            </a:r>
+            <a:r>
+              <a:rPr sz="1800" dirty="0">
+                <a:latin typeface="Calibri"/>
+                <a:ea typeface="Calibri"/>
+                <a:cs typeface="Calibri"/>
+                <a:sym typeface="Calibri"/>
+              </a:rPr>
+              <a:t>to higher </a:t>
+            </a:r>
+            <a:r>
+              <a:rPr lang="en-US" sz="1800" dirty="0" smtClean="0">
+                <a:latin typeface="Calibri"/>
+                <a:ea typeface="Calibri"/>
+                <a:cs typeface="Calibri"/>
+                <a:sym typeface="Calibri"/>
+              </a:rPr>
+              <a:t>(kernel) </a:t>
+            </a:r>
+            <a:r>
+              <a:rPr sz="1800" dirty="0" smtClean="0">
+                <a:latin typeface="Calibri"/>
+                <a:ea typeface="Calibri"/>
+                <a:cs typeface="Calibri"/>
+                <a:sym typeface="Calibri"/>
+              </a:rPr>
+              <a:t>privilege </a:t>
+            </a:r>
+            <a:r>
+              <a:rPr sz="1800" dirty="0">
+                <a:latin typeface="Calibri"/>
+                <a:ea typeface="Calibri"/>
+                <a:cs typeface="Calibri"/>
+                <a:sym typeface="Calibri"/>
+              </a:rPr>
+              <a:t>level</a:t>
+            </a:r>
+          </a:p>
+          <a:p>
+            <a:pPr marL="307181" indent="-192881">
+              <a:lnSpc>
+                <a:spcPct val="120000"/>
+              </a:lnSpc>
+              <a:spcBef>
+                <a:spcPts val="300"/>
+              </a:spcBef>
+              <a:buFont typeface="Trebuchet MS"/>
+              <a:buAutoNum type="arabicPeriod"/>
+            </a:pPr>
+            <a:r>
+              <a:rPr lang="en-US" sz="1800" dirty="0" smtClean="0">
+                <a:latin typeface="Calibri"/>
+                <a:ea typeface="Calibri"/>
+                <a:cs typeface="Calibri"/>
+                <a:sym typeface="Calibri"/>
+              </a:rPr>
+              <a:t>D</a:t>
+            </a:r>
+            <a:r>
+              <a:rPr sz="1800" dirty="0" smtClean="0">
+                <a:latin typeface="Calibri"/>
+                <a:ea typeface="Calibri"/>
+                <a:cs typeface="Calibri"/>
+                <a:sym typeface="Calibri"/>
+              </a:rPr>
+              <a:t>etermine </a:t>
+            </a:r>
+            <a:r>
+              <a:rPr sz="1800" dirty="0">
+                <a:latin typeface="Calibri"/>
+                <a:ea typeface="Calibri"/>
+                <a:cs typeface="Calibri"/>
+                <a:sym typeface="Calibri"/>
+              </a:rPr>
+              <a:t>the </a:t>
+            </a:r>
+            <a:r>
+              <a:rPr lang="en-US" sz="1800" dirty="0" err="1" smtClean="0">
+                <a:latin typeface="Calibri"/>
+                <a:ea typeface="Calibri"/>
+                <a:cs typeface="Calibri"/>
+                <a:sym typeface="Calibri"/>
+              </a:rPr>
+              <a:t>syscall</a:t>
+            </a:r>
+            <a:r>
+              <a:rPr lang="en-US" sz="1800" dirty="0" smtClean="0">
+                <a:latin typeface="Calibri"/>
+                <a:ea typeface="Calibri"/>
+                <a:cs typeface="Calibri"/>
+                <a:sym typeface="Calibri"/>
+              </a:rPr>
+              <a:t> being invoked</a:t>
+            </a:r>
+          </a:p>
+          <a:p>
+            <a:pPr marL="781050" lvl="1" indent="-285750">
+              <a:lnSpc>
+                <a:spcPct val="120000"/>
+              </a:lnSpc>
+              <a:spcBef>
+                <a:spcPts val="300"/>
+              </a:spcBef>
+            </a:pPr>
+            <a:r>
+              <a:rPr lang="en-US" sz="1800" dirty="0" smtClean="0">
+                <a:latin typeface="Calibri"/>
+                <a:ea typeface="Calibri"/>
+                <a:cs typeface="Calibri"/>
+                <a:sym typeface="Calibri"/>
+              </a:rPr>
+              <a:t>Check </a:t>
+            </a:r>
+            <a:r>
+              <a:rPr lang="en-US" sz="1800" dirty="0" err="1" smtClean="0">
+                <a:latin typeface="Calibri"/>
+                <a:ea typeface="Calibri"/>
+                <a:cs typeface="Calibri"/>
+                <a:sym typeface="Calibri"/>
+              </a:rPr>
+              <a:t>syscall</a:t>
+            </a:r>
+            <a:r>
+              <a:rPr lang="en-US" sz="1800" dirty="0" smtClean="0">
+                <a:latin typeface="Calibri"/>
+                <a:ea typeface="Calibri"/>
+                <a:cs typeface="Calibri"/>
+                <a:sym typeface="Calibri"/>
+              </a:rPr>
+              <a:t> number which is passed via registers</a:t>
+            </a:r>
+            <a:endParaRPr sz="1800" dirty="0">
               <a:latin typeface="Calibri"/>
               <a:ea typeface="Calibri"/>
               <a:cs typeface="Calibri"/>
@@ -6696,18 +5963,82 @@
                 <a:spcPts val="300"/>
               </a:spcBef>
               <a:buFont typeface="Trebuchet MS"/>
-              <a:buAutoNum type="arabicPeriod" startAt="1"/>
-            </a:pPr>
-            <a:r>
-              <a:rPr sz="1800">
-                <a:latin typeface="Calibri"/>
-                <a:ea typeface="Calibri"/>
-                <a:cs typeface="Calibri"/>
-                <a:sym typeface="Calibri"/>
-              </a:rPr>
-              <a:t>Executes the requested system call operation.</a:t>
-            </a:r>
-            <a:endParaRPr sz="1800">
+              <a:buAutoNum type="arabicPeriod"/>
+            </a:pPr>
+            <a:r>
+              <a:rPr lang="en-US" sz="1800" dirty="0" smtClean="0">
+                <a:latin typeface="Calibri"/>
+                <a:ea typeface="Calibri"/>
+                <a:cs typeface="Calibri"/>
+                <a:sym typeface="Calibri"/>
+              </a:rPr>
+              <a:t>Use </a:t>
+            </a:r>
+            <a:r>
+              <a:rPr lang="en-US" sz="1800" dirty="0" err="1" smtClean="0">
+                <a:latin typeface="Calibri"/>
+                <a:ea typeface="Calibri"/>
+                <a:cs typeface="Calibri"/>
+                <a:sym typeface="Calibri"/>
+              </a:rPr>
+              <a:t>syscall</a:t>
+            </a:r>
+            <a:r>
+              <a:rPr lang="en-US" sz="1800" dirty="0" smtClean="0">
+                <a:latin typeface="Calibri"/>
+                <a:ea typeface="Calibri"/>
+                <a:cs typeface="Calibri"/>
+                <a:sym typeface="Calibri"/>
+              </a:rPr>
+              <a:t> number to index into a </a:t>
+            </a:r>
+            <a:r>
+              <a:rPr lang="en-US" sz="1800" dirty="0" err="1" smtClean="0">
+                <a:latin typeface="Calibri"/>
+                <a:ea typeface="Calibri"/>
+                <a:cs typeface="Calibri"/>
+                <a:sym typeface="Calibri"/>
+              </a:rPr>
+              <a:t>syscall</a:t>
+            </a:r>
+            <a:r>
+              <a:rPr lang="en-US" sz="1800" dirty="0" smtClean="0">
+                <a:latin typeface="Calibri"/>
+                <a:ea typeface="Calibri"/>
+                <a:cs typeface="Calibri"/>
+                <a:sym typeface="Calibri"/>
+              </a:rPr>
+              <a:t> table</a:t>
+            </a:r>
+          </a:p>
+          <a:p>
+            <a:pPr marL="781050" lvl="1" indent="-285750">
+              <a:lnSpc>
+                <a:spcPct val="120000"/>
+              </a:lnSpc>
+              <a:spcBef>
+                <a:spcPts val="300"/>
+              </a:spcBef>
+            </a:pPr>
+            <a:r>
+              <a:rPr lang="en-US" sz="1800" dirty="0" err="1" smtClean="0">
+                <a:latin typeface="Calibri"/>
+                <a:ea typeface="Calibri"/>
+                <a:cs typeface="Calibri"/>
+                <a:sym typeface="Calibri"/>
+              </a:rPr>
+              <a:t>Syscall</a:t>
+            </a:r>
+            <a:r>
+              <a:rPr lang="en-US" sz="1800" dirty="0" smtClean="0">
+                <a:latin typeface="Calibri"/>
+                <a:ea typeface="Calibri"/>
+                <a:cs typeface="Calibri"/>
+                <a:sym typeface="Calibri"/>
+              </a:rPr>
+              <a:t> table = An array of pointers to system call routines in kernel</a:t>
+            </a:r>
+            <a:endParaRPr lang="en-US" sz="1800" dirty="0" smtClean="0">
               <a:latin typeface="Calibri"/>
               <a:ea typeface="Calibri"/>
               <a:cs typeface="Calibri"/>
@@ -6723,18 +6054,63 @@
                 <a:spcPts val="300"/>
               </a:spcBef>
               <a:buFont typeface="Trebuchet MS"/>
-              <a:buAutoNum type="arabicPeriod" startAt="1"/>
-            </a:pPr>
-            <a:r>
-              <a:rPr sz="1800">
-                <a:latin typeface="Calibri"/>
-                <a:ea typeface="Calibri"/>
-                <a:cs typeface="Calibri"/>
-                <a:sym typeface="Calibri"/>
-              </a:rPr>
-              <a:t>Process making the syscall may be “put to sleep” if the syscall involved blocking I/O.</a:t>
-            </a:r>
-            <a:endParaRPr sz="1800">
+              <a:buAutoNum type="arabicPeriod"/>
+            </a:pPr>
+            <a:r>
+              <a:rPr sz="1800" dirty="0" smtClean="0">
+                <a:latin typeface="Calibri"/>
+                <a:ea typeface="Calibri"/>
+                <a:cs typeface="Calibri"/>
+                <a:sym typeface="Calibri"/>
+              </a:rPr>
+              <a:t>Execute </a:t>
+            </a:r>
+            <a:r>
+              <a:rPr sz="1800" dirty="0">
+                <a:latin typeface="Calibri"/>
+                <a:ea typeface="Calibri"/>
+                <a:cs typeface="Calibri"/>
+                <a:sym typeface="Calibri"/>
+              </a:rPr>
+              <a:t>the </a:t>
+            </a:r>
+            <a:r>
+              <a:rPr sz="1800" dirty="0" smtClean="0">
+                <a:latin typeface="Calibri"/>
+                <a:ea typeface="Calibri"/>
+                <a:cs typeface="Calibri"/>
+                <a:sym typeface="Calibri"/>
+              </a:rPr>
+              <a:t>system </a:t>
+            </a:r>
+            <a:r>
+              <a:rPr sz="1800" dirty="0">
+                <a:latin typeface="Calibri"/>
+                <a:ea typeface="Calibri"/>
+                <a:cs typeface="Calibri"/>
+                <a:sym typeface="Calibri"/>
+              </a:rPr>
+              <a:t>call </a:t>
+            </a:r>
+            <a:r>
+              <a:rPr lang="en-US" sz="1800" dirty="0" smtClean="0">
+                <a:latin typeface="Calibri"/>
+                <a:ea typeface="Calibri"/>
+                <a:cs typeface="Calibri"/>
+                <a:sym typeface="Calibri"/>
+              </a:rPr>
+              <a:t>routine</a:t>
+            </a:r>
+            <a:r>
+              <a:rPr sz="1800" dirty="0" smtClean="0">
+                <a:latin typeface="Calibri"/>
+                <a:ea typeface="Calibri"/>
+                <a:cs typeface="Calibri"/>
+                <a:sym typeface="Calibri"/>
+              </a:rPr>
+              <a:t>.</a:t>
+            </a:r>
+            <a:endParaRPr lang="en-US" sz="1800" dirty="0" smtClean="0">
               <a:latin typeface="Calibri"/>
               <a:ea typeface="Calibri"/>
               <a:cs typeface="Calibri"/>
@@ -6742,26 +6118,24 @@
             </a:endParaRPr>
           </a:p>
           <a:p>
-            <a:pPr marL="307181" indent="-192881">
+            <a:pPr marL="781050" lvl="1" indent="-285750">
               <a:lnSpc>
                 <a:spcPct val="120000"/>
               </a:lnSpc>
               <a:spcBef>
                 <a:spcPts val="300"/>
               </a:spcBef>
-              <a:buFont typeface="Trebuchet MS"/>
-              <a:buAutoNum type="arabicPeriod" startAt="1"/>
-            </a:pPr>
-            <a:r>
-              <a:rPr sz="1800">
-                <a:latin typeface="Calibri"/>
-                <a:ea typeface="Calibri"/>
-                <a:cs typeface="Calibri"/>
-                <a:sym typeface="Calibri"/>
-              </a:rPr>
-              <a:t>When syscall completes, process is “woken up” (if needed).</a:t>
-            </a:r>
-            <a:endParaRPr sz="1800">
+            </a:pPr>
+            <a:r>
+              <a:rPr lang="en-US" sz="1800" dirty="0" smtClean="0">
+                <a:latin typeface="Calibri"/>
+                <a:ea typeface="Calibri"/>
+                <a:cs typeface="Calibri"/>
+                <a:sym typeface="Calibri"/>
+              </a:rPr>
+              <a:t>System call executes in the context of the invoking process.</a:t>
+            </a:r>
+            <a:endParaRPr sz="1800" dirty="0">
               <a:latin typeface="Calibri"/>
               <a:ea typeface="Calibri"/>
               <a:cs typeface="Calibri"/>
@@ -6777,18 +6151,37 @@
                 <a:spcPts val="300"/>
               </a:spcBef>
               <a:buFont typeface="Trebuchet MS"/>
-              <a:buAutoNum type="arabicPeriod" startAt="1"/>
-            </a:pPr>
-            <a:r>
-              <a:rPr sz="1800">
-                <a:latin typeface="Calibri"/>
-                <a:ea typeface="Calibri"/>
-                <a:cs typeface="Calibri"/>
-                <a:sym typeface="Calibri"/>
-              </a:rPr>
-              <a:t>Original process state is restored</a:t>
-            </a:r>
-            <a:endParaRPr sz="1800">
+              <a:buAutoNum type="arabicPeriod"/>
+            </a:pPr>
+            <a:r>
+              <a:rPr lang="en-US" sz="1800" dirty="0" smtClean="0">
+                <a:latin typeface="Calibri"/>
+                <a:ea typeface="Calibri"/>
+                <a:cs typeface="Calibri"/>
+                <a:sym typeface="Calibri"/>
+              </a:rPr>
+              <a:t>System call can possibly block </a:t>
+            </a:r>
+          </a:p>
+          <a:p>
+            <a:pPr marL="781050" lvl="1" indent="-285750">
+              <a:lnSpc>
+                <a:spcPct val="120000"/>
+              </a:lnSpc>
+              <a:spcBef>
+                <a:spcPts val="300"/>
+              </a:spcBef>
+            </a:pPr>
+            <a:r>
+              <a:rPr lang="en-US" sz="1800" dirty="0" smtClean="0">
+                <a:latin typeface="Calibri"/>
+                <a:ea typeface="Calibri"/>
+                <a:cs typeface="Calibri"/>
+                <a:sym typeface="Calibri"/>
+              </a:rPr>
+              <a:t>Which blocks the process that invoked  the system call.</a:t>
+            </a:r>
+            <a:endParaRPr sz="1800" dirty="0">
               <a:latin typeface="Calibri"/>
               <a:ea typeface="Calibri"/>
               <a:cs typeface="Calibri"/>
@@ -6804,18 +6197,111 @@
                 <a:spcPts val="300"/>
               </a:spcBef>
               <a:buFont typeface="Trebuchet MS"/>
-              <a:buAutoNum type="arabicPeriod" startAt="1"/>
-            </a:pPr>
-            <a:r>
-              <a:rPr sz="1800">
-                <a:latin typeface="Calibri"/>
-                <a:ea typeface="Calibri"/>
-                <a:cs typeface="Calibri"/>
-                <a:sym typeface="Calibri"/>
-              </a:rPr>
-              <a:t>Processor switches back to lower (user) privilege level</a:t>
-            </a:r>
-            <a:endParaRPr sz="1800">
+              <a:buAutoNum type="arabicPeriod"/>
+            </a:pPr>
+            <a:r>
+              <a:rPr lang="en-US" sz="1800" dirty="0" smtClean="0">
+                <a:latin typeface="Calibri"/>
+                <a:ea typeface="Calibri"/>
+                <a:cs typeface="Calibri"/>
+                <a:sym typeface="Calibri"/>
+              </a:rPr>
+              <a:t>S</a:t>
+            </a:r>
+            <a:r>
+              <a:rPr sz="1800" dirty="0" smtClean="0">
+                <a:latin typeface="Calibri"/>
+                <a:ea typeface="Calibri"/>
+                <a:cs typeface="Calibri"/>
+                <a:sym typeface="Calibri"/>
+              </a:rPr>
+              <a:t>ys</a:t>
+            </a:r>
+            <a:r>
+              <a:rPr lang="en-US" sz="1800" dirty="0" smtClean="0">
+                <a:latin typeface="Calibri"/>
+                <a:ea typeface="Calibri"/>
+                <a:cs typeface="Calibri"/>
+                <a:sym typeface="Calibri"/>
+              </a:rPr>
+              <a:t>tem </a:t>
+            </a:r>
+            <a:r>
+              <a:rPr sz="1800" dirty="0" smtClean="0">
+                <a:latin typeface="Calibri"/>
+                <a:ea typeface="Calibri"/>
+                <a:cs typeface="Calibri"/>
+                <a:sym typeface="Calibri"/>
+              </a:rPr>
+              <a:t>call completes</a:t>
+            </a:r>
+            <a:r>
+              <a:rPr lang="en-US" sz="1800" dirty="0" smtClean="0">
+                <a:latin typeface="Calibri"/>
+                <a:ea typeface="Calibri"/>
+                <a:cs typeface="Calibri"/>
+                <a:sym typeface="Calibri"/>
+              </a:rPr>
+              <a:t> </a:t>
+            </a:r>
+          </a:p>
+          <a:p>
+            <a:pPr marL="307181" indent="-192881">
+              <a:lnSpc>
+                <a:spcPct val="120000"/>
+              </a:lnSpc>
+              <a:spcBef>
+                <a:spcPts val="300"/>
+              </a:spcBef>
+              <a:buFont typeface="Trebuchet MS"/>
+              <a:buAutoNum type="arabicPeriod"/>
+            </a:pPr>
+            <a:r>
+              <a:rPr lang="en-US" sz="1800" dirty="0" smtClean="0">
+                <a:latin typeface="Calibri"/>
+                <a:ea typeface="Calibri"/>
+                <a:cs typeface="Calibri"/>
+                <a:sym typeface="Calibri"/>
+              </a:rPr>
+              <a:t> Restore </a:t>
+            </a:r>
+            <a:r>
+              <a:rPr lang="en-US" sz="1800" dirty="0" smtClean="0">
+                <a:latin typeface="Calibri"/>
+                <a:ea typeface="Calibri"/>
+                <a:cs typeface="Calibri"/>
+                <a:sym typeface="Calibri"/>
+              </a:rPr>
+              <a:t>user-level</a:t>
+            </a:r>
+            <a:r>
+              <a:rPr sz="1800" dirty="0" smtClean="0">
+                <a:latin typeface="Calibri"/>
+                <a:ea typeface="Calibri"/>
+                <a:cs typeface="Calibri"/>
+                <a:sym typeface="Calibri"/>
+              </a:rPr>
+              <a:t> </a:t>
+            </a:r>
+            <a:r>
+              <a:rPr sz="1800" dirty="0">
+                <a:latin typeface="Calibri"/>
+                <a:ea typeface="Calibri"/>
+                <a:cs typeface="Calibri"/>
+                <a:sym typeface="Calibri"/>
+              </a:rPr>
+              <a:t>process state </a:t>
+            </a:r>
+            <a:r>
+              <a:rPr lang="en-US" sz="1800" dirty="0" smtClean="0">
+                <a:latin typeface="Calibri"/>
+                <a:ea typeface="Calibri"/>
+                <a:cs typeface="Calibri"/>
+                <a:sym typeface="Calibri"/>
+              </a:rPr>
+              <a:t>(saved in Step 3).</a:t>
+            </a:r>
+            <a:endParaRPr sz="1800" dirty="0">
               <a:latin typeface="Calibri"/>
               <a:ea typeface="Calibri"/>
               <a:cs typeface="Calibri"/>
@@ -6831,16 +6317,172 @@
                 <a:spcPts val="300"/>
               </a:spcBef>
               <a:buFont typeface="Trebuchet MS"/>
-              <a:buAutoNum type="arabicPeriod" startAt="1"/>
-            </a:pPr>
-            <a:r>
-              <a:rPr sz="1800">
-                <a:latin typeface="Calibri"/>
-                <a:ea typeface="Calibri"/>
-                <a:cs typeface="Calibri"/>
-                <a:sym typeface="Calibri"/>
-              </a:rPr>
-              <a:t>Process returns from syscall and continues execution.</a:t>
+              <a:buAutoNum type="arabicPeriod"/>
+            </a:pPr>
+            <a:r>
+              <a:rPr lang="en-US" sz="1800" dirty="0">
+                <a:latin typeface="Calibri"/>
+                <a:ea typeface="Calibri"/>
+                <a:cs typeface="Calibri"/>
+                <a:sym typeface="Calibri"/>
+              </a:rPr>
+              <a:t> </a:t>
+            </a:r>
+            <a:r>
+              <a:rPr lang="en-US" sz="1800" dirty="0" smtClean="0">
+                <a:latin typeface="Calibri"/>
+                <a:ea typeface="Calibri"/>
+                <a:cs typeface="Calibri"/>
+                <a:sym typeface="Calibri"/>
+              </a:rPr>
+              <a:t>S</a:t>
+            </a:r>
+            <a:r>
+              <a:rPr sz="1800" dirty="0" smtClean="0">
+                <a:latin typeface="Calibri"/>
+                <a:ea typeface="Calibri"/>
+                <a:cs typeface="Calibri"/>
+                <a:sym typeface="Calibri"/>
+              </a:rPr>
+              <a:t>witch</a:t>
+            </a:r>
+            <a:r>
+              <a:rPr lang="en-US" sz="1800" dirty="0" smtClean="0">
+                <a:latin typeface="Calibri"/>
+                <a:ea typeface="Calibri"/>
+                <a:cs typeface="Calibri"/>
+                <a:sym typeface="Calibri"/>
+              </a:rPr>
+              <a:t> CPU</a:t>
+            </a:r>
+            <a:r>
+              <a:rPr sz="1800" dirty="0" smtClean="0">
+                <a:latin typeface="Calibri"/>
+                <a:ea typeface="Calibri"/>
+                <a:cs typeface="Calibri"/>
+                <a:sym typeface="Calibri"/>
+              </a:rPr>
+              <a:t> </a:t>
+            </a:r>
+            <a:r>
+              <a:rPr sz="1800" dirty="0">
+                <a:latin typeface="Calibri"/>
+                <a:ea typeface="Calibri"/>
+                <a:cs typeface="Calibri"/>
+                <a:sym typeface="Calibri"/>
+              </a:rPr>
+              <a:t>back to lower (user) privilege level</a:t>
+            </a:r>
+          </a:p>
+          <a:p>
+            <a:pPr marL="307181" indent="-192881">
+              <a:lnSpc>
+                <a:spcPct val="120000"/>
+              </a:lnSpc>
+              <a:spcBef>
+                <a:spcPts val="300"/>
+              </a:spcBef>
+              <a:buFont typeface="Trebuchet MS"/>
+              <a:buAutoNum type="arabicPeriod"/>
+            </a:pPr>
+            <a:r>
+              <a:rPr lang="en-US" sz="1800" dirty="0" smtClean="0">
+                <a:latin typeface="Calibri"/>
+                <a:ea typeface="Calibri"/>
+                <a:cs typeface="Calibri"/>
+                <a:sym typeface="Calibri"/>
+              </a:rPr>
+              <a:t>R</a:t>
+            </a:r>
+            <a:r>
+              <a:rPr sz="1800" dirty="0" smtClean="0">
+                <a:latin typeface="Calibri"/>
+                <a:ea typeface="Calibri"/>
+                <a:cs typeface="Calibri"/>
+                <a:sym typeface="Calibri"/>
+              </a:rPr>
+              <a:t>eturn </a:t>
+            </a:r>
+            <a:r>
+              <a:rPr sz="1800" dirty="0">
+                <a:latin typeface="Calibri"/>
+                <a:ea typeface="Calibri"/>
+                <a:cs typeface="Calibri"/>
+                <a:sym typeface="Calibri"/>
+              </a:rPr>
+              <a:t>from </a:t>
+            </a:r>
+            <a:r>
+              <a:rPr sz="1800" dirty="0" smtClean="0">
+                <a:latin typeface="Calibri"/>
+                <a:ea typeface="Calibri"/>
+                <a:cs typeface="Calibri"/>
+                <a:sym typeface="Calibri"/>
+              </a:rPr>
+              <a:t>sys</a:t>
+            </a:r>
+            <a:r>
+              <a:rPr lang="en-US" sz="1800" dirty="0" smtClean="0">
+                <a:latin typeface="Calibri"/>
+                <a:ea typeface="Calibri"/>
+                <a:cs typeface="Calibri"/>
+                <a:sym typeface="Calibri"/>
+              </a:rPr>
+              <a:t>tem </a:t>
+            </a:r>
+            <a:r>
+              <a:rPr sz="1800" dirty="0" smtClean="0">
+                <a:latin typeface="Calibri"/>
+                <a:ea typeface="Calibri"/>
+                <a:cs typeface="Calibri"/>
+                <a:sym typeface="Calibri"/>
+              </a:rPr>
+              <a:t>call </a:t>
+            </a:r>
+            <a:r>
+              <a:rPr sz="1800" dirty="0">
+                <a:latin typeface="Calibri"/>
+                <a:ea typeface="Calibri"/>
+                <a:cs typeface="Calibri"/>
+                <a:sym typeface="Calibri"/>
+              </a:rPr>
+              <a:t>and </a:t>
+            </a:r>
+            <a:r>
+              <a:rPr sz="1800" dirty="0" smtClean="0">
+                <a:latin typeface="Calibri"/>
+                <a:ea typeface="Calibri"/>
+                <a:cs typeface="Calibri"/>
+                <a:sym typeface="Calibri"/>
+              </a:rPr>
+              <a:t>continue</a:t>
+            </a:r>
+            <a:r>
+              <a:rPr lang="en-US" sz="1800" dirty="0" smtClean="0">
+                <a:latin typeface="Calibri"/>
+                <a:ea typeface="Calibri"/>
+                <a:cs typeface="Calibri"/>
+                <a:sym typeface="Calibri"/>
+              </a:rPr>
+              <a:t> process</a:t>
+            </a:r>
+            <a:r>
+              <a:rPr sz="1800" dirty="0" smtClean="0">
+                <a:latin typeface="Calibri"/>
+                <a:ea typeface="Calibri"/>
+                <a:cs typeface="Calibri"/>
+                <a:sym typeface="Calibri"/>
+              </a:rPr>
+              <a:t> </a:t>
+            </a:r>
+            <a:r>
+              <a:rPr sz="1800" dirty="0">
+                <a:latin typeface="Calibri"/>
+                <a:ea typeface="Calibri"/>
+                <a:cs typeface="Calibri"/>
+                <a:sym typeface="Calibri"/>
+              </a:rPr>
+              <a:t>execution.</a:t>
             </a:r>
           </a:p>
         </p:txBody>
@@ -6878,8 +6520,9 @@
               </a:buClr>
               <a:buSzPct val="100000"/>
               <a:buFont typeface="Trebuchet MS"/>
-              <a:buAutoNum type="arabicPeriod" startAt="1"/>
-            </a:pPr>
+              <a:buAutoNum type="arabicPeriod"/>
+            </a:pPr>
+            <a:endParaRPr/>
           </a:p>
         </p:txBody>
       </p:sp>
@@ -6888,12 +6531,12 @@
   <p:clrMapOvr>
     <a:masterClrMapping/>
   </p:clrMapOvr>
-  <p:transition xmlns:p14="http://schemas.microsoft.com/office/powerpoint/2010/main" spd="med" advClick="1"/>
+  <p:transition spd="med"/>
 </p:sld>
 </file>
 
 <file path=ppt/slides/slide5.xml><?xml version="1.0" encoding="utf-8"?>
-<p:sld xmlns:a="http://schemas.openxmlformats.org/drawingml/2006/main" xmlns:r="http://schemas.openxmlformats.org/officeDocument/2006/relationships" xmlns:p="http://schemas.openxmlformats.org/presentationml/2006/main" showMasterSp="1" showMasterPhAnim="1">
+<p:sld xmlns:a="http://schemas.openxmlformats.org/drawingml/2006/main" xmlns:r="http://schemas.openxmlformats.org/officeDocument/2006/relationships" xmlns:p="http://schemas.openxmlformats.org/presentationml/2006/main">
   <p:cSld>
     <p:spTree>
       <p:nvGrpSpPr>
@@ -6912,7 +6555,9 @@
       <p:sp>
         <p:nvSpPr>
           <p:cNvPr id="94" name="Shape 94"/>
-          <p:cNvSpPr/>
+          <p:cNvSpPr>
+            <a:spLocks noGrp="1"/>
+          </p:cNvSpPr>
           <p:nvPr>
             <p:ph type="body" idx="1"/>
           </p:nvPr>
@@ -6928,7 +6573,7 @@
         </p:spPr>
         <p:txBody>
           <a:bodyPr lIns="45699" tIns="45699" rIns="45699" bIns="45699">
-            <a:normAutofit fontScale="100000" lnSpcReduction="0"/>
+            <a:normAutofit/>
           </a:bodyPr>
           <a:lstStyle/>
           <a:p>
@@ -6950,15 +6595,9 @@
               </a:rPr>
               <a:t>To make it easier to invoke system calls, OS writers normally provide a library that sits between programs and system call interface.</a:t>
             </a:r>
-            <a:endParaRPr sz="2000">
-              <a:latin typeface="Calibri"/>
-              <a:ea typeface="Calibri"/>
-              <a:cs typeface="Calibri"/>
-              <a:sym typeface="Calibri"/>
-            </a:endParaRPr>
-          </a:p>
-          <a:p>
-            <a:pPr lvl="1" marL="823685" indent="-226785">
+          </a:p>
+          <a:p>
+            <a:pPr marL="823685" lvl="1" indent="-226785">
               <a:lnSpc>
                 <a:spcPct val="80000"/>
               </a:lnSpc>
@@ -7016,6 +6655,12 @@
               </a:rPr>
               <a:t>This library provides wrapper routines </a:t>
             </a:r>
+          </a:p>
+          <a:p>
+            <a:pPr marL="0" indent="0">
+              <a:buSzTx/>
+              <a:buNone/>
+            </a:pPr>
             <a:endParaRPr sz="2000">
               <a:latin typeface="Calibri"/>
               <a:ea typeface="Calibri"/>
@@ -7024,18 +6669,6 @@
             </a:endParaRPr>
           </a:p>
           <a:p>
-            <a:pPr marL="0" indent="0">
-              <a:buSzTx/>
-              <a:buNone/>
-            </a:pPr>
-            <a:endParaRPr sz="2000">
-              <a:latin typeface="Calibri"/>
-              <a:ea typeface="Calibri"/>
-              <a:cs typeface="Calibri"/>
-              <a:sym typeface="Calibri"/>
-            </a:endParaRPr>
-          </a:p>
-          <a:p>
             <a:pPr marL="338137" indent="-198437">
               <a:lnSpc>
                 <a:spcPct val="80000"/>
@@ -7054,15 +6687,9 @@
               </a:rPr>
               <a:t>Wrappers hide the low-level details of </a:t>
             </a:r>
-            <a:endParaRPr sz="2000">
-              <a:latin typeface="Calibri"/>
-              <a:ea typeface="Calibri"/>
-              <a:cs typeface="Calibri"/>
-              <a:sym typeface="Calibri"/>
-            </a:endParaRPr>
-          </a:p>
-          <a:p>
-            <a:pPr lvl="1" marL="823685" indent="-226785">
+          </a:p>
+          <a:p>
+            <a:pPr marL="823685" lvl="1" indent="-226785">
               <a:lnSpc>
                 <a:spcPct val="80000"/>
               </a:lnSpc>
@@ -7090,7 +6717,7 @@
             </a:r>
           </a:p>
           <a:p>
-            <a:pPr lvl="1" marL="823685" indent="-226785">
+            <a:pPr marL="823685" lvl="1" indent="-226785">
               <a:lnSpc>
                 <a:spcPct val="80000"/>
               </a:lnSpc>
@@ -7118,7 +6745,7 @@
             </a:r>
           </a:p>
           <a:p>
-            <a:pPr lvl="1" marL="823685" indent="-226785">
+            <a:pPr marL="823685" lvl="1" indent="-226785">
               <a:lnSpc>
                 <a:spcPct val="80000"/>
               </a:lnSpc>
@@ -7146,7 +6773,7 @@
             </a:r>
           </a:p>
           <a:p>
-            <a:pPr lvl="1" marL="823685" indent="-226785">
+            <a:pPr marL="823685" lvl="1" indent="-226785">
               <a:lnSpc>
                 <a:spcPct val="80000"/>
               </a:lnSpc>
@@ -7210,7 +6837,9 @@
       <p:sp>
         <p:nvSpPr>
           <p:cNvPr id="95" name="Shape 95"/>
-          <p:cNvSpPr/>
+          <p:cNvSpPr>
+            <a:spLocks noGrp="1"/>
+          </p:cNvSpPr>
           <p:nvPr>
             <p:ph type="title"/>
           </p:nvPr>
@@ -7226,7 +6855,7 @@
         </p:spPr>
         <p:txBody>
           <a:bodyPr lIns="45699" tIns="45699" rIns="45699" bIns="45699">
-            <a:normAutofit fontScale="100000" lnSpcReduction="0"/>
+            <a:normAutofit/>
           </a:bodyPr>
           <a:lstStyle>
             <a:lvl1pPr>
@@ -7238,9 +6867,10 @@
               <a:defRPr u="none"/>
             </a:pPr>
             <a:r>
-              <a:rPr u="sng"/>
-              <a:t>Syscall Usage</a:t>
-            </a:r>
+              <a:rPr lang="en-US" u="sng" dirty="0" smtClean="0"/>
+              <a:t>Library wrappers around system calls</a:t>
+            </a:r>
+            <a:endParaRPr u="sng" dirty="0"/>
           </a:p>
         </p:txBody>
       </p:sp>
@@ -7249,75 +6879,12 @@
   <p:clrMapOvr>
     <a:masterClrMapping/>
   </p:clrMapOvr>
-  <p:transition xmlns:p14="http://schemas.microsoft.com/office/powerpoint/2010/main" spd="med" advClick="1"/>
+  <p:transition spd="med"/>
 </p:sld>
 </file>
 
 <file path=ppt/slides/slide6.xml><?xml version="1.0" encoding="utf-8"?>
-<p:sld xmlns:a="http://schemas.openxmlformats.org/drawingml/2006/main" xmlns:r="http://schemas.openxmlformats.org/officeDocument/2006/relationships" xmlns:p="http://schemas.openxmlformats.org/presentationml/2006/main" showMasterSp="1" showMasterPhAnim="1">
-  <p:cSld>
-    <p:spTree>
-      <p:nvGrpSpPr>
-        <p:cNvPr id="1" name=""/>
-        <p:cNvGrpSpPr/>
-        <p:nvPr/>
-      </p:nvGrpSpPr>
-      <p:grpSpPr>
-        <a:xfrm>
-          <a:off x="0" y="0"/>
-          <a:ext cx="0" cy="0"/>
-          <a:chOff x="0" y="0"/>
-          <a:chExt cx="0" cy="0"/>
-        </a:xfrm>
-      </p:grpSpPr>
-      <p:sp>
-        <p:nvSpPr>
-          <p:cNvPr id="97" name="Shape 97"/>
-          <p:cNvSpPr/>
-          <p:nvPr>
-            <p:ph type="title"/>
-          </p:nvPr>
-        </p:nvSpPr>
-        <p:spPr>
-          <a:xfrm>
-            <a:off x="914400" y="1752600"/>
-            <a:ext cx="7772400" cy="1143000"/>
-          </a:xfrm>
-          <a:prstGeom prst="rect">
-            <a:avLst/>
-          </a:prstGeom>
-        </p:spPr>
-        <p:txBody>
-          <a:bodyPr lIns="45699" tIns="45699" rIns="45699" bIns="45699">
-            <a:normAutofit fontScale="100000" lnSpcReduction="0"/>
-          </a:bodyPr>
-          <a:lstStyle>
-            <a:lvl1pPr>
-              <a:defRPr u="sng"/>
-            </a:lvl1pPr>
-          </a:lstStyle>
-          <a:p>
-            <a:pPr>
-              <a:defRPr u="none"/>
-            </a:pPr>
-            <a:r>
-              <a:rPr u="sng"/>
-              <a:t>Implementing System Calls</a:t>
-            </a:r>
-          </a:p>
-        </p:txBody>
-      </p:sp>
-    </p:spTree>
-  </p:cSld>
-  <p:clrMapOvr>
-    <a:masterClrMapping/>
-  </p:clrMapOvr>
-  <p:transition xmlns:p14="http://schemas.microsoft.com/office/powerpoint/2010/main" spd="med" advClick="1"/>
-</p:sld>
-</file>
-
-<file path=ppt/slides/slide7.xml><?xml version="1.0" encoding="utf-8"?>
-<p:sld xmlns:a="http://schemas.openxmlformats.org/drawingml/2006/main" xmlns:r="http://schemas.openxmlformats.org/officeDocument/2006/relationships" xmlns:p="http://schemas.openxmlformats.org/presentationml/2006/main" showMasterSp="1" showMasterPhAnim="1">
+<p:sld xmlns:a="http://schemas.openxmlformats.org/drawingml/2006/main" xmlns:r="http://schemas.openxmlformats.org/officeDocument/2006/relationships" xmlns:p="http://schemas.openxmlformats.org/presentationml/2006/main">
   <p:cSld>
     <p:spTree>
       <p:nvGrpSpPr>
@@ -7336,7 +6903,9 @@
       <p:sp>
         <p:nvSpPr>
           <p:cNvPr id="99" name="Shape 99"/>
-          <p:cNvSpPr/>
+          <p:cNvSpPr>
+            <a:spLocks noGrp="1"/>
+          </p:cNvSpPr>
           <p:nvPr>
             <p:ph type="title"/>
           </p:nvPr>
@@ -7352,7 +6921,7 @@
         </p:spPr>
         <p:txBody>
           <a:bodyPr lIns="45699" tIns="45699" rIns="45699" bIns="45699">
-            <a:normAutofit fontScale="100000" lnSpcReduction="0"/>
+            <a:normAutofit/>
           </a:bodyPr>
           <a:lstStyle>
             <a:lvl1pPr>
@@ -7373,7 +6942,9 @@
       <p:sp>
         <p:nvSpPr>
           <p:cNvPr id="100" name="Shape 100"/>
-          <p:cNvSpPr/>
+          <p:cNvSpPr>
+            <a:spLocks noGrp="1"/>
+          </p:cNvSpPr>
           <p:nvPr>
             <p:ph type="body" idx="1"/>
           </p:nvPr>
@@ -7389,7 +6960,7 @@
         </p:spPr>
         <p:txBody>
           <a:bodyPr lIns="45699" tIns="45699" rIns="45699" bIns="45699">
-            <a:normAutofit fontScale="100000" lnSpcReduction="0"/>
+            <a:normAutofit/>
           </a:bodyPr>
           <a:lstStyle/>
           <a:p>
@@ -7423,18 +6994,9 @@
               </a:rPr>
               <a:t>syscall_table</a:t>
             </a:r>
-            <a:endParaRPr sz="2400">
-              <a:solidFill>
-                <a:srgbClr val="FF0000"/>
-              </a:solidFill>
-              <a:latin typeface="Calibri"/>
-              <a:ea typeface="Calibri"/>
-              <a:cs typeface="Calibri"/>
-              <a:sym typeface="Calibri"/>
-            </a:endParaRPr>
-          </a:p>
-          <a:p>
-            <a:pPr lvl="1" marL="823685" indent="-226785">
+          </a:p>
+          <a:p>
+            <a:pPr marL="823685" lvl="1" indent="-226785">
               <a:lnSpc>
                 <a:spcPct val="90000"/>
               </a:lnSpc>
@@ -7493,15 +7055,9 @@
               </a:rPr>
               <a:t>Write the system call code as a kernel function</a:t>
             </a:r>
-            <a:endParaRPr sz="2400">
-              <a:latin typeface="Calibri"/>
-              <a:ea typeface="Calibri"/>
-              <a:cs typeface="Calibri"/>
-              <a:sym typeface="Calibri"/>
-            </a:endParaRPr>
-          </a:p>
-          <a:p>
-            <a:pPr lvl="1" marL="823685" indent="-226785">
+          </a:p>
+          <a:p>
+            <a:pPr marL="823685" lvl="1" indent="-226785">
               <a:lnSpc>
                 <a:spcPct val="90000"/>
               </a:lnSpc>
@@ -7529,7 +7085,7 @@
             </a:r>
           </a:p>
           <a:p>
-            <a:pPr lvl="1" marL="823685" indent="-226785">
+            <a:pPr marL="823685" lvl="1" indent="-226785">
               <a:lnSpc>
                 <a:spcPct val="90000"/>
               </a:lnSpc>
@@ -7556,7 +7112,7 @@
               <a:t>Use </a:t>
             </a:r>
             <a:r>
-              <a:rPr i="1" sz="2000">
+              <a:rPr sz="2000" i="1">
                 <a:latin typeface="Calibri"/>
                 <a:ea typeface="Calibri"/>
                 <a:cs typeface="Calibri"/>
@@ -7574,7 +7130,7 @@
               <a:t> or </a:t>
             </a:r>
             <a:r>
-              <a:rPr i="1" sz="2000">
+              <a:rPr sz="2000" i="1">
                 <a:latin typeface="Calibri"/>
                 <a:ea typeface="Calibri"/>
                 <a:cs typeface="Calibri"/>
@@ -7593,7 +7149,7 @@
             </a:r>
           </a:p>
           <a:p>
-            <a:pPr lvl="2" marL="1318683" indent="-264583">
+            <a:pPr marL="1318683" lvl="2" indent="-264583">
               <a:lnSpc>
                 <a:spcPct val="90000"/>
               </a:lnSpc>
@@ -7621,7 +7177,7 @@
             </a:r>
           </a:p>
           <a:p>
-            <a:pPr lvl="1" marL="914400" indent="-317500">
+            <a:pPr marL="914400" lvl="1" indent="-317500">
               <a:lnSpc>
                 <a:spcPct val="90000"/>
               </a:lnSpc>
@@ -7664,15 +7220,9 @@
               </a:rPr>
               <a:t>Generate/Use a user-level system call stub</a:t>
             </a:r>
-            <a:endParaRPr sz="2400">
-              <a:latin typeface="Calibri"/>
-              <a:ea typeface="Calibri"/>
-              <a:cs typeface="Calibri"/>
-              <a:sym typeface="Calibri"/>
-            </a:endParaRPr>
-          </a:p>
-          <a:p>
-            <a:pPr lvl="1" marL="823685" indent="-226785">
+          </a:p>
+          <a:p>
+            <a:pPr marL="823685" lvl="1" indent="-226785">
               <a:lnSpc>
                 <a:spcPct val="90000"/>
               </a:lnSpc>
@@ -7700,7 +7250,7 @@
             </a:r>
           </a:p>
           <a:p>
-            <a:pPr lvl="1" marL="823685" indent="-226785">
+            <a:pPr marL="823685" lvl="1" indent="-226785">
               <a:lnSpc>
                 <a:spcPct val="90000"/>
               </a:lnSpc>
@@ -7727,7 +7277,7 @@
               <a:t>See </a:t>
             </a:r>
             <a:r>
-              <a:rPr i="1" sz="2000">
+              <a:rPr sz="2000" i="1">
                 <a:latin typeface="Calibri"/>
                 <a:ea typeface="Calibri"/>
                 <a:cs typeface="Calibri"/>
@@ -7743,12 +7293,12 @@
   <p:clrMapOvr>
     <a:masterClrMapping/>
   </p:clrMapOvr>
-  <p:transition xmlns:p14="http://schemas.microsoft.com/office/powerpoint/2010/main" spd="med" advClick="1"/>
+  <p:transition spd="med"/>
 </p:sld>
 </file>
 
-<file path=ppt/slides/slide8.xml><?xml version="1.0" encoding="utf-8"?>
-<p:sld xmlns:a="http://schemas.openxmlformats.org/drawingml/2006/main" xmlns:r="http://schemas.openxmlformats.org/officeDocument/2006/relationships" xmlns:p="http://schemas.openxmlformats.org/presentationml/2006/main" showMasterSp="1" showMasterPhAnim="1">
+<file path=ppt/slides/slide7.xml><?xml version="1.0" encoding="utf-8"?>
+<p:sld xmlns:a="http://schemas.openxmlformats.org/drawingml/2006/main" xmlns:r="http://schemas.openxmlformats.org/officeDocument/2006/relationships" xmlns:p="http://schemas.openxmlformats.org/presentationml/2006/main">
   <p:cSld>
     <p:spTree>
       <p:nvGrpSpPr>
@@ -7767,7 +7317,9 @@
       <p:sp>
         <p:nvSpPr>
           <p:cNvPr id="102" name="Shape 102"/>
-          <p:cNvSpPr/>
+          <p:cNvSpPr>
+            <a:spLocks noGrp="1"/>
+          </p:cNvSpPr>
           <p:nvPr>
             <p:ph type="title"/>
           </p:nvPr>
@@ -7783,11 +7335,10 @@
         </p:spPr>
         <p:txBody>
           <a:bodyPr lIns="45699" tIns="45699" rIns="45699" bIns="45699">
-            <a:normAutofit fontScale="100000" lnSpcReduction="0"/>
+            <a:normAutofit/>
           </a:bodyPr>
           <a:lstStyle/>
           <a:p>
-            <a:pPr/>
             <a:r>
               <a:rPr sz="3600" u="sng">
                 <a:latin typeface="Calibri"/>
@@ -7797,15 +7348,8 @@
               </a:rPr>
               <a:t>Step 1: Create a sys_call_table entry</a:t>
             </a:r>
-            <a:endParaRPr sz="3600" u="sng">
-              <a:latin typeface="Calibri"/>
-              <a:ea typeface="Calibri"/>
-              <a:cs typeface="Calibri"/>
-              <a:sym typeface="Calibri"/>
-            </a:endParaRPr>
-          </a:p>
-          <a:p>
-            <a:pPr/>
+          </a:p>
+          <a:p>
             <a:r>
               <a:rPr sz="3200">
                 <a:latin typeface="Calibri"/>
@@ -7821,7 +7365,9 @@
       <p:sp>
         <p:nvSpPr>
           <p:cNvPr id="103" name="Shape 103"/>
-          <p:cNvSpPr/>
+          <p:cNvSpPr>
+            <a:spLocks noGrp="1"/>
+          </p:cNvSpPr>
           <p:nvPr>
             <p:ph type="body" idx="1"/>
           </p:nvPr>
@@ -7837,38 +7383,55 @@
         </p:spPr>
         <p:txBody>
           <a:bodyPr lIns="45699" tIns="45699" rIns="45699" bIns="45699">
-            <a:normAutofit fontScale="100000" lnSpcReduction="0"/>
+            <a:normAutofit/>
           </a:bodyPr>
           <a:lstStyle/>
-          <a:p>
-            <a:pPr marL="200526" indent="-200526">
-              <a:lnSpc>
-                <a:spcPct val="80000"/>
-              </a:lnSpc>
-              <a:spcBef>
-                <a:spcPts val="400"/>
-              </a:spcBef>
-              <a:buSzPct val="60000"/>
-            </a:pPr>
-            <a:r>
-              <a:rPr sz="2000"/>
-              <a:t>arch/x86/syscalls/syscall_64.tbl</a:t>
-            </a:r>
-            <a:endParaRPr sz="2000"/>
-          </a:p>
           <a:p>
             <a:pPr marL="0" indent="0">
               <a:lnSpc>
                 <a:spcPct val="80000"/>
               </a:lnSpc>
               <a:spcBef>
+                <a:spcPts val="400"/>
+              </a:spcBef>
+              <a:buSzPct val="60000"/>
+              <a:buNone/>
+            </a:pPr>
+            <a:r>
+              <a:rPr lang="en-US" sz="2000" dirty="0" smtClean="0"/>
+              <a:t>File: </a:t>
+            </a:r>
+            <a:r>
+              <a:rPr sz="2000" dirty="0" smtClean="0"/>
+              <a:t>arch/x86/</a:t>
+            </a:r>
+            <a:r>
+              <a:rPr lang="en-US" sz="2000" dirty="0" smtClean="0"/>
+              <a:t>entry/</a:t>
+            </a:r>
+            <a:r>
+              <a:rPr sz="2000" dirty="0" err="1" smtClean="0"/>
+              <a:t>syscalls</a:t>
+            </a:r>
+            <a:r>
+              <a:rPr sz="2000" dirty="0" smtClean="0"/>
+              <a:t>/syscall_64.tbl</a:t>
+            </a:r>
+            <a:endParaRPr sz="2000" dirty="0"/>
+          </a:p>
+          <a:p>
+            <a:pPr marL="0" indent="0">
+              <a:lnSpc>
+                <a:spcPct val="80000"/>
+              </a:lnSpc>
+              <a:spcBef>
                 <a:spcPts val="300"/>
               </a:spcBef>
               <a:buSzTx/>
               <a:buNone/>
             </a:pPr>
             <a:r>
-              <a:rPr sz="1800">
+              <a:rPr sz="1800" dirty="0">
                 <a:latin typeface="Arial"/>
                 <a:ea typeface="Arial"/>
                 <a:cs typeface="Arial"/>
@@ -7877,7 +7440,7 @@
               <a:t>#</a:t>
             </a:r>
             <a:br>
-              <a:rPr sz="1800">
+              <a:rPr sz="1800" dirty="0">
                 <a:latin typeface="Arial"/>
                 <a:ea typeface="Arial"/>
                 <a:cs typeface="Arial"/>
@@ -7885,7 +7448,7 @@
               </a:rPr>
             </a:br>
             <a:r>
-              <a:rPr sz="1800">
+              <a:rPr sz="1800" dirty="0">
                 <a:latin typeface="Arial"/>
                 <a:ea typeface="Arial"/>
                 <a:cs typeface="Arial"/>
@@ -7894,7 +7457,7 @@
               <a:t># 64-bit system call numbers and entry vectors</a:t>
             </a:r>
             <a:br>
-              <a:rPr sz="1800">
+              <a:rPr sz="1800" dirty="0">
                 <a:latin typeface="Arial"/>
                 <a:ea typeface="Arial"/>
                 <a:cs typeface="Arial"/>
@@ -7902,7 +7465,7 @@
               </a:rPr>
             </a:br>
             <a:r>
-              <a:rPr sz="1800">
+              <a:rPr sz="1800" dirty="0">
                 <a:latin typeface="Arial"/>
                 <a:ea typeface="Arial"/>
                 <a:cs typeface="Arial"/>
@@ -7911,7 +7474,7 @@
               <a:t>#</a:t>
             </a:r>
             <a:br>
-              <a:rPr sz="1800">
+              <a:rPr sz="1800" dirty="0">
                 <a:latin typeface="Arial"/>
                 <a:ea typeface="Arial"/>
                 <a:cs typeface="Arial"/>
@@ -7919,7 +7482,7 @@
               </a:rPr>
             </a:br>
             <a:r>
-              <a:rPr sz="1800">
+              <a:rPr sz="1800" dirty="0">
                 <a:latin typeface="Arial"/>
                 <a:ea typeface="Arial"/>
                 <a:cs typeface="Arial"/>
@@ -7928,7 +7491,7 @@
               <a:t># The format is:</a:t>
             </a:r>
             <a:br>
-              <a:rPr sz="1800">
+              <a:rPr sz="1800" dirty="0">
                 <a:latin typeface="Arial"/>
                 <a:ea typeface="Arial"/>
                 <a:cs typeface="Arial"/>
@@ -7936,7 +7499,7 @@
               </a:rPr>
             </a:br>
             <a:r>
-              <a:rPr sz="1800">
+              <a:rPr sz="1800" dirty="0">
                 <a:latin typeface="Arial"/>
                 <a:ea typeface="Arial"/>
                 <a:cs typeface="Arial"/>
@@ -7945,7 +7508,7 @@
               <a:t># &lt;number&gt; &lt;abi&gt; &lt;name&gt; &lt;entry point&gt;</a:t>
             </a:r>
             <a:br>
-              <a:rPr sz="1800">
+              <a:rPr sz="1800" dirty="0">
                 <a:latin typeface="Arial"/>
                 <a:ea typeface="Arial"/>
                 <a:cs typeface="Arial"/>
@@ -7953,7 +7516,7 @@
               </a:rPr>
             </a:br>
             <a:r>
-              <a:rPr sz="1800">
+              <a:rPr sz="1800" dirty="0">
                 <a:latin typeface="Arial"/>
                 <a:ea typeface="Arial"/>
                 <a:cs typeface="Arial"/>
@@ -7962,7 +7525,7 @@
               <a:t>#</a:t>
             </a:r>
             <a:br>
-              <a:rPr sz="1800">
+              <a:rPr sz="1800" dirty="0">
                 <a:latin typeface="Arial"/>
                 <a:ea typeface="Arial"/>
                 <a:cs typeface="Arial"/>
@@ -7970,7 +7533,7 @@
               </a:rPr>
             </a:br>
             <a:r>
-              <a:rPr sz="1800">
+              <a:rPr sz="1800" dirty="0">
                 <a:latin typeface="Arial"/>
                 <a:ea typeface="Arial"/>
                 <a:cs typeface="Arial"/>
@@ -7978,12 +7541,6 @@
               </a:rPr>
               <a:t># The abi is "common", "64" or "x32" for this file.</a:t>
             </a:r>
-            <a:endParaRPr sz="1800">
-              <a:latin typeface="Arial"/>
-              <a:ea typeface="Arial"/>
-              <a:cs typeface="Arial"/>
-              <a:sym typeface="Arial"/>
-            </a:endParaRPr>
           </a:p>
           <a:p>
             <a:pPr marL="0" indent="0">
@@ -7997,18 +7554,13 @@
               <a:buNone/>
             </a:pPr>
             <a:r>
-              <a:rPr sz="1800">
+              <a:rPr sz="1800" dirty="0">
                 <a:solidFill>
                   <a:srgbClr val="FF0000"/>
                 </a:solidFill>
               </a:rPr>
               <a:t>...</a:t>
             </a:r>
-            <a:endParaRPr sz="1800">
-              <a:solidFill>
-                <a:srgbClr val="FF0000"/>
-              </a:solidFill>
-            </a:endParaRPr>
           </a:p>
           <a:p>
             <a:pPr marL="0" indent="0">
@@ -8022,7 +7574,7 @@
               <a:buNone/>
             </a:pPr>
             <a:r>
-              <a:rPr sz="1800">
+              <a:rPr sz="1800" dirty="0">
                 <a:latin typeface="Arial"/>
                 <a:ea typeface="Arial"/>
                 <a:cs typeface="Arial"/>
@@ -8031,7 +7583,7 @@
               <a:t>309  common  	getcpu          	    		sys_getcpu</a:t>
             </a:r>
             <a:br>
-              <a:rPr sz="1800">
+              <a:rPr sz="1800" dirty="0">
                 <a:latin typeface="Arial"/>
                 <a:ea typeface="Arial"/>
                 <a:cs typeface="Arial"/>
@@ -8039,7 +7591,7 @@
               </a:rPr>
             </a:br>
             <a:r>
-              <a:rPr sz="1800">
+              <a:rPr sz="1800" dirty="0">
                 <a:latin typeface="Arial"/>
                 <a:ea typeface="Arial"/>
                 <a:cs typeface="Arial"/>
@@ -8048,7 +7600,7 @@
               <a:t>310  64      		process_vm_readv 	sys_process_vm_readv</a:t>
             </a:r>
             <a:br>
-              <a:rPr sz="1800">
+              <a:rPr sz="1800" dirty="0">
                 <a:latin typeface="Arial"/>
                 <a:ea typeface="Arial"/>
                 <a:cs typeface="Arial"/>
@@ -8056,7 +7608,7 @@
               </a:rPr>
             </a:br>
             <a:r>
-              <a:rPr sz="1800">
+              <a:rPr sz="1800" dirty="0">
                 <a:latin typeface="Arial"/>
                 <a:ea typeface="Arial"/>
                 <a:cs typeface="Arial"/>
@@ -8065,7 +7617,7 @@
               <a:t>311  64      		process_vm_writev 	sys_process_vm_writev</a:t>
             </a:r>
             <a:br>
-              <a:rPr sz="1800">
+              <a:rPr sz="1800" dirty="0">
                 <a:latin typeface="Arial"/>
                 <a:ea typeface="Arial"/>
                 <a:cs typeface="Arial"/>
@@ -8073,7 +7625,7 @@
               </a:rPr>
             </a:br>
             <a:r>
-              <a:rPr sz="1800">
+              <a:rPr sz="1800" dirty="0">
                 <a:latin typeface="Arial"/>
                 <a:ea typeface="Arial"/>
                 <a:cs typeface="Arial"/>
@@ -8081,12 +7633,6 @@
               </a:rPr>
               <a:t>312  common  	kcmp                 		sys_kcmp</a:t>
             </a:r>
-            <a:endParaRPr sz="1800">
-              <a:latin typeface="Arial"/>
-              <a:ea typeface="Arial"/>
-              <a:cs typeface="Arial"/>
-              <a:sym typeface="Arial"/>
-            </a:endParaRPr>
           </a:p>
           <a:p>
             <a:pPr marL="0" indent="0">
@@ -8100,7 +7646,7 @@
               <a:buNone/>
             </a:pPr>
             <a:r>
-              <a:rPr sz="1800">
+              <a:rPr sz="1800" dirty="0">
                 <a:solidFill>
                   <a:srgbClr val="FF0000"/>
                 </a:solidFill>
@@ -8115,12 +7661,12 @@
   <p:clrMapOvr>
     <a:masterClrMapping/>
   </p:clrMapOvr>
-  <p:transition xmlns:p14="http://schemas.microsoft.com/office/powerpoint/2010/main" spd="med" advClick="1"/>
+  <p:transition spd="med"/>
 </p:sld>
 </file>
 
-<file path=ppt/slides/slide9.xml><?xml version="1.0" encoding="utf-8"?>
-<p:sld xmlns:a="http://schemas.openxmlformats.org/drawingml/2006/main" xmlns:r="http://schemas.openxmlformats.org/officeDocument/2006/relationships" xmlns:p="http://schemas.openxmlformats.org/presentationml/2006/main" showMasterSp="1" showMasterPhAnim="1">
+<file path=ppt/slides/slide8.xml><?xml version="1.0" encoding="utf-8"?>
+<p:sld xmlns:a="http://schemas.openxmlformats.org/drawingml/2006/main" xmlns:r="http://schemas.openxmlformats.org/officeDocument/2006/relationships" xmlns:p="http://schemas.openxmlformats.org/presentationml/2006/main">
   <p:cSld>
     <p:spTree>
       <p:nvGrpSpPr>
@@ -8139,7 +7685,9 @@
       <p:sp>
         <p:nvSpPr>
           <p:cNvPr id="105" name="Shape 105"/>
-          <p:cNvSpPr/>
+          <p:cNvSpPr>
+            <a:spLocks noGrp="1"/>
+          </p:cNvSpPr>
           <p:nvPr>
             <p:ph type="title"/>
           </p:nvPr>
@@ -8155,7 +7703,7 @@
         </p:spPr>
         <p:txBody>
           <a:bodyPr lIns="45699" tIns="45699" rIns="45699" bIns="45699">
-            <a:normAutofit fontScale="100000" lnSpcReduction="0"/>
+            <a:normAutofit/>
           </a:bodyPr>
           <a:lstStyle>
             <a:lvl1pPr>
@@ -8191,7 +7739,9 @@
       <p:sp>
         <p:nvSpPr>
           <p:cNvPr id="106" name="Shape 106"/>
-          <p:cNvSpPr/>
+          <p:cNvSpPr>
+            <a:spLocks noGrp="1"/>
+          </p:cNvSpPr>
           <p:nvPr>
             <p:ph type="body" idx="1"/>
           </p:nvPr>
@@ -8207,7 +7757,7 @@
         </p:spPr>
         <p:txBody>
           <a:bodyPr lIns="45699" tIns="45699" rIns="45699" bIns="45699">
-            <a:normAutofit fontScale="100000" lnSpcReduction="0"/>
+            <a:normAutofit/>
           </a:bodyPr>
           <a:lstStyle/>
           <a:p>
@@ -8221,20 +7771,19 @@
               <a:buSzPct val="60416"/>
             </a:pPr>
             <a:r>
-              <a:rPr sz="2400"/>
+              <a:rPr sz="2400" dirty="0"/>
               <a:t>System call with no arguments and integer return value</a:t>
             </a:r>
-            <a:endParaRPr sz="2400"/>
           </a:p>
           <a:p>
             <a:pPr marL="0" indent="120650">
               <a:buSzTx/>
               <a:buNone/>
             </a:pPr>
-            <a:endParaRPr sz="600"/>
-          </a:p>
-          <a:p>
-            <a:pPr lvl="1" marL="285750" indent="171450">
+            <a:endParaRPr sz="600" dirty="0"/>
+          </a:p>
+          <a:p>
+            <a:pPr marL="285750" lvl="1" indent="171450">
               <a:lnSpc>
                 <a:spcPct val="90000"/>
               </a:lnSpc>
@@ -8251,38 +7800,38 @@
               </a:defRPr>
             </a:pPr>
             <a:r>
-              <a:rPr sz="2000">
-                <a:latin typeface="Comic Sans MS"/>
-                <a:ea typeface="Comic Sans MS"/>
-                <a:cs typeface="Comic Sans MS"/>
+              <a:rPr sz="2000" dirty="0">
+                <a:latin typeface="Times New Roman" charset="0"/>
+                <a:ea typeface="Times New Roman" charset="0"/>
+                <a:cs typeface="Times New Roman" charset="0"/>
                 <a:sym typeface="Comic Sans MS"/>
               </a:rPr>
               <a:t>asmlinkage int </a:t>
             </a:r>
             <a:r>
-              <a:rPr sz="2000">
+              <a:rPr sz="2000" dirty="0">
                 <a:solidFill>
                   <a:srgbClr val="0000FF"/>
                 </a:solidFill>
-                <a:latin typeface="Comic Sans MS"/>
-                <a:ea typeface="Comic Sans MS"/>
-                <a:cs typeface="Comic Sans MS"/>
+                <a:latin typeface="Times New Roman" charset="0"/>
+                <a:ea typeface="Times New Roman" charset="0"/>
+                <a:cs typeface="Times New Roman" charset="0"/>
                 <a:sym typeface="Comic Sans MS"/>
               </a:rPr>
               <a:t>sys_foo</a:t>
             </a:r>
             <a:r>
-              <a:rPr sz="2000">
-                <a:latin typeface="Comic Sans MS"/>
-                <a:ea typeface="Comic Sans MS"/>
-                <a:cs typeface="Comic Sans MS"/>
+              <a:rPr sz="2000" dirty="0">
+                <a:latin typeface="Times New Roman" charset="0"/>
+                <a:ea typeface="Times New Roman" charset="0"/>
+                <a:cs typeface="Times New Roman" charset="0"/>
                 <a:sym typeface="Comic Sans MS"/>
               </a:rPr>
               <a:t>(void) {</a:t>
             </a:r>
           </a:p>
           <a:p>
-            <a:pPr lvl="1" marL="285750" indent="171450">
+            <a:pPr marL="285750" lvl="1" indent="171450">
               <a:lnSpc>
                 <a:spcPct val="90000"/>
               </a:lnSpc>
@@ -8299,17 +7848,17 @@
               </a:defRPr>
             </a:pPr>
             <a:r>
-              <a:rPr sz="2000">
-                <a:latin typeface="Comic Sans MS"/>
-                <a:ea typeface="Comic Sans MS"/>
-                <a:cs typeface="Comic Sans MS"/>
+              <a:rPr sz="2000" dirty="0">
+                <a:latin typeface="Times New Roman" charset="0"/>
+                <a:ea typeface="Times New Roman" charset="0"/>
+                <a:cs typeface="Times New Roman" charset="0"/>
                 <a:sym typeface="Comic Sans MS"/>
               </a:rPr>
               <a:t>	printk (KERN ALERT “I am foo. UID is %d\n”, current-&gt;uid); </a:t>
             </a:r>
           </a:p>
           <a:p>
-            <a:pPr lvl="1" marL="285750" indent="171450">
+            <a:pPr marL="285750" lvl="1" indent="171450">
               <a:lnSpc>
                 <a:spcPct val="90000"/>
               </a:lnSpc>
@@ -8326,17 +7875,17 @@
               </a:defRPr>
             </a:pPr>
             <a:r>
-              <a:rPr sz="2000">
-                <a:latin typeface="Comic Sans MS"/>
-                <a:ea typeface="Comic Sans MS"/>
-                <a:cs typeface="Comic Sans MS"/>
+              <a:rPr sz="2000" dirty="0">
+                <a:latin typeface="Times New Roman" charset="0"/>
+                <a:ea typeface="Times New Roman" charset="0"/>
+                <a:cs typeface="Times New Roman" charset="0"/>
                 <a:sym typeface="Comic Sans MS"/>
               </a:rPr>
               <a:t>	return current-&gt;uid;</a:t>
             </a:r>
           </a:p>
           <a:p>
-            <a:pPr lvl="1" marL="285750" indent="171450">
+            <a:pPr marL="285750" lvl="1" indent="171450">
               <a:lnSpc>
                 <a:spcPct val="90000"/>
               </a:lnSpc>
@@ -8353,10 +7902,10 @@
               </a:defRPr>
             </a:pPr>
             <a:r>
-              <a:rPr sz="2000">
-                <a:latin typeface="Comic Sans MS"/>
-                <a:ea typeface="Comic Sans MS"/>
-                <a:cs typeface="Comic Sans MS"/>
+              <a:rPr sz="2000" dirty="0">
+                <a:latin typeface="Times New Roman" charset="0"/>
+                <a:ea typeface="Times New Roman" charset="0"/>
+                <a:cs typeface="Times New Roman" charset="0"/>
                 <a:sym typeface="Comic Sans MS"/>
               </a:rPr>
               <a:t>}</a:t>
@@ -8367,7 +7916,7 @@
               <a:buSzTx/>
               <a:buNone/>
             </a:pPr>
-            <a:endParaRPr sz="600"/>
+            <a:endParaRPr sz="600" dirty="0"/>
           </a:p>
           <a:p>
             <a:pPr marL="240631" indent="-240631">
@@ -8380,20 +7929,19 @@
               <a:buSzPct val="60416"/>
             </a:pPr>
             <a:r>
-              <a:rPr sz="2400"/>
+              <a:rPr sz="2400" dirty="0"/>
               <a:t>Syscall with one primitive argument</a:t>
             </a:r>
-            <a:endParaRPr sz="2400"/>
           </a:p>
           <a:p>
             <a:pPr marL="0" indent="120650">
               <a:buSzTx/>
               <a:buNone/>
             </a:pPr>
-            <a:endParaRPr sz="600"/>
-          </a:p>
-          <a:p>
-            <a:pPr lvl="1" marL="285750" indent="171450">
+            <a:endParaRPr sz="600" dirty="0"/>
+          </a:p>
+          <a:p>
+            <a:pPr marL="285750" lvl="1" indent="171450">
               <a:lnSpc>
                 <a:spcPct val="90000"/>
               </a:lnSpc>
@@ -8410,38 +7958,38 @@
               </a:defRPr>
             </a:pPr>
             <a:r>
-              <a:rPr sz="2000">
-                <a:latin typeface="Comic Sans MS"/>
-                <a:ea typeface="Comic Sans MS"/>
-                <a:cs typeface="Comic Sans MS"/>
+              <a:rPr sz="2000" dirty="0">
+                <a:latin typeface="Times New Roman" charset="0"/>
+                <a:ea typeface="Times New Roman" charset="0"/>
+                <a:cs typeface="Times New Roman" charset="0"/>
                 <a:sym typeface="Comic Sans MS"/>
               </a:rPr>
               <a:t>asmlinkage int </a:t>
             </a:r>
             <a:r>
-              <a:rPr sz="2000">
+              <a:rPr sz="2000" dirty="0">
                 <a:solidFill>
                   <a:srgbClr val="0000FF"/>
                 </a:solidFill>
-                <a:latin typeface="Comic Sans MS"/>
-                <a:ea typeface="Comic Sans MS"/>
-                <a:cs typeface="Comic Sans MS"/>
+                <a:latin typeface="Times New Roman" charset="0"/>
+                <a:ea typeface="Times New Roman" charset="0"/>
+                <a:cs typeface="Times New Roman" charset="0"/>
                 <a:sym typeface="Comic Sans MS"/>
               </a:rPr>
               <a:t>sys_foo</a:t>
             </a:r>
             <a:r>
-              <a:rPr sz="2000">
-                <a:latin typeface="Comic Sans MS"/>
-                <a:ea typeface="Comic Sans MS"/>
-                <a:cs typeface="Comic Sans MS"/>
+              <a:rPr sz="2000" dirty="0">
+                <a:latin typeface="Times New Roman" charset="0"/>
+                <a:ea typeface="Times New Roman" charset="0"/>
+                <a:cs typeface="Times New Roman" charset="0"/>
                 <a:sym typeface="Comic Sans MS"/>
               </a:rPr>
               <a:t>(int arg) {</a:t>
             </a:r>
           </a:p>
           <a:p>
-            <a:pPr lvl="1" marL="285750" indent="171450">
+            <a:pPr marL="285750" lvl="1" indent="171450">
               <a:lnSpc>
                 <a:spcPct val="90000"/>
               </a:lnSpc>
@@ -8458,17 +8006,17 @@
               </a:defRPr>
             </a:pPr>
             <a:r>
-              <a:rPr sz="2000">
-                <a:latin typeface="Comic Sans MS"/>
-                <a:ea typeface="Comic Sans MS"/>
-                <a:cs typeface="Comic Sans MS"/>
+              <a:rPr sz="2000" dirty="0">
+                <a:latin typeface="Times New Roman" charset="0"/>
+                <a:ea typeface="Times New Roman" charset="0"/>
+                <a:cs typeface="Times New Roman" charset="0"/>
                 <a:sym typeface="Comic Sans MS"/>
               </a:rPr>
               <a:t>	printk (KERN ALERT “This is foo. Argument is %d\n”, arg); </a:t>
             </a:r>
           </a:p>
           <a:p>
-            <a:pPr lvl="1" marL="285750" indent="171450">
+            <a:pPr marL="285750" lvl="1" indent="171450">
               <a:lnSpc>
                 <a:spcPct val="90000"/>
               </a:lnSpc>
@@ -8485,17 +8033,17 @@
               </a:defRPr>
             </a:pPr>
             <a:r>
-              <a:rPr sz="2000">
-                <a:latin typeface="Comic Sans MS"/>
-                <a:ea typeface="Comic Sans MS"/>
-                <a:cs typeface="Comic Sans MS"/>
+              <a:rPr sz="2000" dirty="0">
+                <a:latin typeface="Times New Roman" charset="0"/>
+                <a:ea typeface="Times New Roman" charset="0"/>
+                <a:cs typeface="Times New Roman" charset="0"/>
                 <a:sym typeface="Comic Sans MS"/>
               </a:rPr>
               <a:t>	return arg;</a:t>
             </a:r>
           </a:p>
           <a:p>
-            <a:pPr lvl="1" marL="285750" indent="171450">
+            <a:pPr marL="285750" lvl="1" indent="171450">
               <a:lnSpc>
                 <a:spcPct val="90000"/>
               </a:lnSpc>
@@ -8512,17 +8060,17 @@
               </a:defRPr>
             </a:pPr>
             <a:r>
-              <a:rPr sz="2000">
-                <a:latin typeface="Comic Sans MS"/>
-                <a:ea typeface="Comic Sans MS"/>
-                <a:cs typeface="Comic Sans MS"/>
+              <a:rPr sz="2000" dirty="0">
+                <a:latin typeface="Times New Roman" charset="0"/>
+                <a:ea typeface="Times New Roman" charset="0"/>
+                <a:cs typeface="Times New Roman" charset="0"/>
                 <a:sym typeface="Comic Sans MS"/>
               </a:rPr>
               <a:t>}</a:t>
             </a:r>
           </a:p>
           <a:p>
-            <a:pPr lvl="1" marL="0" indent="457200">
+            <a:pPr marL="0" lvl="1" indent="457200">
               <a:lnSpc>
                 <a:spcPct val="90000"/>
               </a:lnSpc>
@@ -8538,7 +8086,7 @@
                 <a:sym typeface="Arial"/>
               </a:defRPr>
             </a:pPr>
-            <a:endParaRPr sz="2000"/>
+            <a:endParaRPr sz="2000" dirty="0"/>
           </a:p>
           <a:p>
             <a:pPr marL="377825" indent="-238125">
@@ -8551,9 +8099,30 @@
               <a:buSzPct val="58332"/>
             </a:pPr>
             <a:r>
-              <a:rPr sz="2400"/>
-              <a:t>To see log: dmesg, /var/log/kern.log</a:t>
-            </a:r>
+              <a:rPr sz="2400" dirty="0"/>
+              <a:t>To see log: </a:t>
+            </a:r>
+            <a:r>
+              <a:rPr sz="2400" dirty="0" smtClean="0"/>
+              <a:t>dmesg</a:t>
+            </a:r>
+            <a:r>
+              <a:rPr lang="en-US" sz="2400" dirty="0"/>
+              <a:t> </a:t>
+            </a:r>
+            <a:r>
+              <a:rPr lang="en-US" sz="2400" dirty="0" smtClean="0"/>
+              <a:t>OR the end of </a:t>
+            </a:r>
+            <a:r>
+              <a:rPr sz="2400" dirty="0" smtClean="0"/>
+              <a:t>/var/log/</a:t>
+            </a:r>
+            <a:r>
+              <a:rPr lang="en-US" sz="2400" dirty="0" smtClean="0"/>
+              <a:t>messages</a:t>
+            </a:r>
+            <a:endParaRPr sz="2400" dirty="0"/>
           </a:p>
         </p:txBody>
       </p:sp>
@@ -8562,12 +8131,1079 @@
   <p:clrMapOvr>
     <a:masterClrMapping/>
   </p:clrMapOvr>
-  <p:transition xmlns:p14="http://schemas.microsoft.com/office/powerpoint/2010/main" spd="med" advClick="1"/>
+  <p:transition spd="med"/>
+</p:sld>
+</file>
+
+<file path=ppt/slides/slide9.xml><?xml version="1.0" encoding="utf-8"?>
+<p:sld xmlns:a="http://schemas.openxmlformats.org/drawingml/2006/main" xmlns:r="http://schemas.openxmlformats.org/officeDocument/2006/relationships" xmlns:p="http://schemas.openxmlformats.org/presentationml/2006/main">
+  <p:cSld>
+    <p:spTree>
+      <p:nvGrpSpPr>
+        <p:cNvPr id="1" name=""/>
+        <p:cNvGrpSpPr/>
+        <p:nvPr/>
+      </p:nvGrpSpPr>
+      <p:grpSpPr>
+        <a:xfrm>
+          <a:off x="0" y="0"/>
+          <a:ext cx="0" cy="0"/>
+          <a:chOff x="0" y="0"/>
+          <a:chExt cx="0" cy="0"/>
+        </a:xfrm>
+      </p:grpSpPr>
+      <p:sp>
+        <p:nvSpPr>
+          <p:cNvPr id="108" name="Shape 108"/>
+          <p:cNvSpPr>
+            <a:spLocks noGrp="1"/>
+          </p:cNvSpPr>
+          <p:nvPr>
+            <p:ph type="title"/>
+          </p:nvPr>
+        </p:nvSpPr>
+        <p:spPr>
+          <a:xfrm>
+            <a:off x="152400" y="152400"/>
+            <a:ext cx="9416100" cy="1143000"/>
+          </a:xfrm>
+          <a:prstGeom prst="rect">
+            <a:avLst/>
+          </a:prstGeom>
+        </p:spPr>
+        <p:txBody>
+          <a:bodyPr lIns="45699" tIns="45699" rIns="45699" bIns="45699">
+            <a:normAutofit/>
+          </a:bodyPr>
+          <a:lstStyle>
+            <a:lvl1pPr defTabSz="905255">
+              <a:defRPr sz="3564" u="sng">
+                <a:latin typeface="Calibri"/>
+                <a:ea typeface="Calibri"/>
+                <a:cs typeface="Calibri"/>
+                <a:sym typeface="Calibri"/>
+              </a:defRPr>
+            </a:lvl1pPr>
+          </a:lstStyle>
+          <a:p>
+            <a:pPr>
+              <a:defRPr sz="4356" u="none">
+                <a:latin typeface="Times New Roman"/>
+                <a:ea typeface="Times New Roman"/>
+                <a:cs typeface="Times New Roman"/>
+                <a:sym typeface="Times New Roman"/>
+              </a:defRPr>
+            </a:pPr>
+            <a:r>
+              <a:rPr sz="3564" u="sng">
+                <a:latin typeface="Calibri"/>
+                <a:ea typeface="Calibri"/>
+                <a:cs typeface="Calibri"/>
+                <a:sym typeface="Calibri"/>
+              </a:rPr>
+              <a:t>Step 2: Write the system call handler (cont...)</a:t>
+            </a:r>
+          </a:p>
+        </p:txBody>
+      </p:sp>
+      <p:sp>
+        <p:nvSpPr>
+          <p:cNvPr id="109" name="Shape 109"/>
+          <p:cNvSpPr>
+            <a:spLocks noGrp="1"/>
+          </p:cNvSpPr>
+          <p:nvPr>
+            <p:ph type="body" sz="half" idx="1"/>
+          </p:nvPr>
+        </p:nvSpPr>
+        <p:spPr>
+          <a:xfrm>
+            <a:off x="76200" y="1219199"/>
+            <a:ext cx="4419599" cy="5446714"/>
+          </a:xfrm>
+          <a:prstGeom prst="rect">
+            <a:avLst/>
+          </a:prstGeom>
+        </p:spPr>
+        <p:txBody>
+          <a:bodyPr lIns="45699" tIns="45699" rIns="45699" bIns="45699">
+            <a:normAutofit/>
+          </a:bodyPr>
+          <a:lstStyle/>
+          <a:p>
+            <a:pPr>
+              <a:lnSpc>
+                <a:spcPct val="80000"/>
+              </a:lnSpc>
+              <a:spcBef>
+                <a:spcPts val="300"/>
+              </a:spcBef>
+              <a:buSzPct val="47500"/>
+            </a:pPr>
+            <a:r>
+              <a:rPr sz="2000" dirty="0"/>
+              <a:t>Verifying argument passed by user space</a:t>
+            </a:r>
+          </a:p>
+          <a:p>
+            <a:pPr marL="0" indent="120650">
+              <a:buSzTx/>
+              <a:buNone/>
+            </a:pPr>
+            <a:endParaRPr sz="1400" dirty="0"/>
+          </a:p>
+          <a:p>
+            <a:pPr marL="285750" lvl="1" indent="171450">
+              <a:lnSpc>
+                <a:spcPct val="80000"/>
+              </a:lnSpc>
+              <a:spcBef>
+                <a:spcPts val="200"/>
+              </a:spcBef>
+              <a:buSzTx/>
+              <a:buNone/>
+              <a:defRPr sz="2800">
+                <a:latin typeface="Arial"/>
+                <a:ea typeface="Arial"/>
+                <a:cs typeface="Arial"/>
+                <a:sym typeface="Arial"/>
+              </a:defRPr>
+            </a:pPr>
+            <a:r>
+              <a:rPr sz="1400" dirty="0">
+                <a:latin typeface="Times New Roman" charset="0"/>
+                <a:ea typeface="Times New Roman" charset="0"/>
+                <a:cs typeface="Times New Roman" charset="0"/>
+                <a:sym typeface="Comic Sans MS"/>
+              </a:rPr>
+              <a:t>asmlinkage long </a:t>
+            </a:r>
+            <a:r>
+              <a:rPr sz="1400" dirty="0">
+                <a:solidFill>
+                  <a:srgbClr val="0000FF"/>
+                </a:solidFill>
+                <a:latin typeface="Times New Roman" charset="0"/>
+                <a:ea typeface="Times New Roman" charset="0"/>
+                <a:cs typeface="Times New Roman" charset="0"/>
+                <a:sym typeface="Comic Sans MS"/>
+              </a:rPr>
+              <a:t>sys_close</a:t>
+            </a:r>
+            <a:r>
+              <a:rPr sz="1400" dirty="0">
+                <a:latin typeface="Times New Roman" charset="0"/>
+                <a:ea typeface="Times New Roman" charset="0"/>
+                <a:cs typeface="Times New Roman" charset="0"/>
+                <a:sym typeface="Comic Sans MS"/>
+              </a:rPr>
+              <a:t>(unsigned int fd)</a:t>
+            </a:r>
+          </a:p>
+          <a:p>
+            <a:pPr marL="285750" lvl="1" indent="171450">
+              <a:lnSpc>
+                <a:spcPct val="80000"/>
+              </a:lnSpc>
+              <a:spcBef>
+                <a:spcPts val="200"/>
+              </a:spcBef>
+              <a:buSzTx/>
+              <a:buNone/>
+              <a:defRPr sz="2800">
+                <a:latin typeface="Arial"/>
+                <a:ea typeface="Arial"/>
+                <a:cs typeface="Arial"/>
+                <a:sym typeface="Arial"/>
+              </a:defRPr>
+            </a:pPr>
+            <a:r>
+              <a:rPr sz="1400" dirty="0">
+                <a:latin typeface="Times New Roman" charset="0"/>
+                <a:ea typeface="Times New Roman" charset="0"/>
+                <a:cs typeface="Times New Roman" charset="0"/>
+                <a:sym typeface="Comic Sans MS"/>
+              </a:rPr>
+              <a:t>{</a:t>
+            </a:r>
+          </a:p>
+          <a:p>
+            <a:pPr marL="285750" lvl="1" indent="171450">
+              <a:lnSpc>
+                <a:spcPct val="80000"/>
+              </a:lnSpc>
+              <a:spcBef>
+                <a:spcPts val="200"/>
+              </a:spcBef>
+              <a:buSzTx/>
+              <a:buNone/>
+              <a:defRPr sz="2800">
+                <a:latin typeface="Arial"/>
+                <a:ea typeface="Arial"/>
+                <a:cs typeface="Arial"/>
+                <a:sym typeface="Arial"/>
+              </a:defRPr>
+            </a:pPr>
+            <a:r>
+              <a:rPr sz="1400" dirty="0">
+                <a:latin typeface="Times New Roman" charset="0"/>
+                <a:ea typeface="Times New Roman" charset="0"/>
+                <a:cs typeface="Times New Roman" charset="0"/>
+                <a:sym typeface="Comic Sans MS"/>
+              </a:rPr>
+              <a:t>        struct file * filp;</a:t>
+            </a:r>
+          </a:p>
+          <a:p>
+            <a:pPr marL="285750" lvl="1" indent="171450">
+              <a:lnSpc>
+                <a:spcPct val="80000"/>
+              </a:lnSpc>
+              <a:spcBef>
+                <a:spcPts val="200"/>
+              </a:spcBef>
+              <a:buSzTx/>
+              <a:buNone/>
+              <a:defRPr sz="2800">
+                <a:latin typeface="Arial"/>
+                <a:ea typeface="Arial"/>
+                <a:cs typeface="Arial"/>
+                <a:sym typeface="Arial"/>
+              </a:defRPr>
+            </a:pPr>
+            <a:r>
+              <a:rPr sz="1400" dirty="0">
+                <a:latin typeface="Times New Roman" charset="0"/>
+                <a:ea typeface="Times New Roman" charset="0"/>
+                <a:cs typeface="Times New Roman" charset="0"/>
+                <a:sym typeface="Comic Sans MS"/>
+              </a:rPr>
+              <a:t>        struct files_struct *files = current-&gt;files;</a:t>
+            </a:r>
+          </a:p>
+          <a:p>
+            <a:pPr marL="285750" lvl="1" indent="171450">
+              <a:lnSpc>
+                <a:spcPct val="80000"/>
+              </a:lnSpc>
+              <a:spcBef>
+                <a:spcPts val="200"/>
+              </a:spcBef>
+              <a:buSzTx/>
+              <a:buNone/>
+              <a:defRPr sz="2800">
+                <a:latin typeface="Arial"/>
+                <a:ea typeface="Arial"/>
+                <a:cs typeface="Arial"/>
+                <a:sym typeface="Arial"/>
+              </a:defRPr>
+            </a:pPr>
+            <a:r>
+              <a:rPr sz="1400" dirty="0">
+                <a:latin typeface="Times New Roman" charset="0"/>
+                <a:ea typeface="Times New Roman" charset="0"/>
+                <a:cs typeface="Times New Roman" charset="0"/>
+                <a:sym typeface="Comic Sans MS"/>
+              </a:rPr>
+              <a:t>        struct fdtable *fdt;</a:t>
+            </a:r>
+          </a:p>
+          <a:p>
+            <a:pPr marL="285750" lvl="1" indent="171450">
+              <a:lnSpc>
+                <a:spcPct val="80000"/>
+              </a:lnSpc>
+              <a:spcBef>
+                <a:spcPts val="200"/>
+              </a:spcBef>
+              <a:buSzTx/>
+              <a:buNone/>
+              <a:defRPr sz="2800">
+                <a:latin typeface="Arial"/>
+                <a:ea typeface="Arial"/>
+                <a:cs typeface="Arial"/>
+                <a:sym typeface="Arial"/>
+              </a:defRPr>
+            </a:pPr>
+            <a:r>
+              <a:rPr sz="1400" dirty="0">
+                <a:latin typeface="Times New Roman" charset="0"/>
+                <a:ea typeface="Times New Roman" charset="0"/>
+                <a:cs typeface="Times New Roman" charset="0"/>
+                <a:sym typeface="Comic Sans MS"/>
+              </a:rPr>
+              <a:t>        spin_lock(&amp;files-&gt;file_lock);</a:t>
+            </a:r>
+          </a:p>
+          <a:p>
+            <a:pPr marL="285750" lvl="1" indent="171450">
+              <a:lnSpc>
+                <a:spcPct val="80000"/>
+              </a:lnSpc>
+              <a:spcBef>
+                <a:spcPts val="200"/>
+              </a:spcBef>
+              <a:buSzTx/>
+              <a:buNone/>
+              <a:defRPr sz="2800">
+                <a:latin typeface="Arial"/>
+                <a:ea typeface="Arial"/>
+                <a:cs typeface="Arial"/>
+                <a:sym typeface="Arial"/>
+              </a:defRPr>
+            </a:pPr>
+            <a:r>
+              <a:rPr sz="1400" dirty="0">
+                <a:latin typeface="Times New Roman" charset="0"/>
+                <a:ea typeface="Times New Roman" charset="0"/>
+                <a:cs typeface="Times New Roman" charset="0"/>
+                <a:sym typeface="Comic Sans MS"/>
+              </a:rPr>
+              <a:t>        fdt = files_fdtable(files);</a:t>
+            </a:r>
+          </a:p>
+          <a:p>
+            <a:pPr marL="285750" lvl="1" indent="171450">
+              <a:lnSpc>
+                <a:spcPct val="80000"/>
+              </a:lnSpc>
+              <a:spcBef>
+                <a:spcPts val="200"/>
+              </a:spcBef>
+              <a:buSzTx/>
+              <a:buNone/>
+              <a:defRPr sz="2800">
+                <a:latin typeface="Arial"/>
+                <a:ea typeface="Arial"/>
+                <a:cs typeface="Arial"/>
+                <a:sym typeface="Arial"/>
+              </a:defRPr>
+            </a:pPr>
+            <a:r>
+              <a:rPr sz="1800" dirty="0">
+                <a:solidFill>
+                  <a:srgbClr val="FF0000"/>
+                </a:solidFill>
+                <a:latin typeface="Times New Roman" charset="0"/>
+                <a:ea typeface="Times New Roman" charset="0"/>
+                <a:cs typeface="Times New Roman" charset="0"/>
+                <a:sym typeface="Comic Sans MS"/>
+              </a:rPr>
+              <a:t>        if (fd &gt;= fdt-&gt;max_fds)</a:t>
+            </a:r>
+          </a:p>
+          <a:p>
+            <a:pPr marL="285750" lvl="1" indent="171450">
+              <a:lnSpc>
+                <a:spcPct val="80000"/>
+              </a:lnSpc>
+              <a:spcBef>
+                <a:spcPts val="200"/>
+              </a:spcBef>
+              <a:buSzTx/>
+              <a:buNone/>
+              <a:defRPr sz="2800">
+                <a:latin typeface="Arial"/>
+                <a:ea typeface="Arial"/>
+                <a:cs typeface="Arial"/>
+                <a:sym typeface="Arial"/>
+              </a:defRPr>
+            </a:pPr>
+            <a:r>
+              <a:rPr sz="1800" dirty="0">
+                <a:solidFill>
+                  <a:srgbClr val="FF0000"/>
+                </a:solidFill>
+                <a:latin typeface="Times New Roman" charset="0"/>
+                <a:ea typeface="Times New Roman" charset="0"/>
+                <a:cs typeface="Times New Roman" charset="0"/>
+                <a:sym typeface="Comic Sans MS"/>
+              </a:rPr>
+              <a:t>                goto out_unlock;</a:t>
+            </a:r>
+          </a:p>
+          <a:p>
+            <a:pPr marL="285750" lvl="1" indent="171450">
+              <a:lnSpc>
+                <a:spcPct val="80000"/>
+              </a:lnSpc>
+              <a:spcBef>
+                <a:spcPts val="200"/>
+              </a:spcBef>
+              <a:buSzTx/>
+              <a:buNone/>
+              <a:defRPr sz="2800">
+                <a:latin typeface="Arial"/>
+                <a:ea typeface="Arial"/>
+                <a:cs typeface="Arial"/>
+                <a:sym typeface="Arial"/>
+              </a:defRPr>
+            </a:pPr>
+            <a:r>
+              <a:rPr sz="1800" dirty="0">
+                <a:latin typeface="Times New Roman" charset="0"/>
+                <a:ea typeface="Times New Roman" charset="0"/>
+                <a:cs typeface="Times New Roman" charset="0"/>
+                <a:sym typeface="Comic Sans MS"/>
+              </a:rPr>
+              <a:t>        </a:t>
+            </a:r>
+            <a:r>
+              <a:rPr sz="1800" dirty="0">
+                <a:solidFill>
+                  <a:srgbClr val="FF0000"/>
+                </a:solidFill>
+                <a:latin typeface="Times New Roman" charset="0"/>
+                <a:ea typeface="Times New Roman" charset="0"/>
+                <a:cs typeface="Times New Roman" charset="0"/>
+                <a:sym typeface="Comic Sans MS"/>
+              </a:rPr>
+              <a:t>filp = fdt-&gt;fd[fd];</a:t>
+            </a:r>
+          </a:p>
+          <a:p>
+            <a:pPr marL="285750" lvl="1" indent="171450">
+              <a:lnSpc>
+                <a:spcPct val="80000"/>
+              </a:lnSpc>
+              <a:spcBef>
+                <a:spcPts val="200"/>
+              </a:spcBef>
+              <a:buSzTx/>
+              <a:buNone/>
+              <a:defRPr sz="2800">
+                <a:latin typeface="Arial"/>
+                <a:ea typeface="Arial"/>
+                <a:cs typeface="Arial"/>
+                <a:sym typeface="Arial"/>
+              </a:defRPr>
+            </a:pPr>
+            <a:r>
+              <a:rPr sz="1800" dirty="0">
+                <a:solidFill>
+                  <a:srgbClr val="FF0000"/>
+                </a:solidFill>
+                <a:latin typeface="Times New Roman" charset="0"/>
+                <a:ea typeface="Times New Roman" charset="0"/>
+                <a:cs typeface="Times New Roman" charset="0"/>
+                <a:sym typeface="Comic Sans MS"/>
+              </a:rPr>
+              <a:t>        if (!filp)</a:t>
+            </a:r>
+          </a:p>
+          <a:p>
+            <a:pPr marL="285750" lvl="1" indent="171450">
+              <a:lnSpc>
+                <a:spcPct val="80000"/>
+              </a:lnSpc>
+              <a:spcBef>
+                <a:spcPts val="200"/>
+              </a:spcBef>
+              <a:buSzTx/>
+              <a:buNone/>
+              <a:defRPr sz="2800">
+                <a:latin typeface="Arial"/>
+                <a:ea typeface="Arial"/>
+                <a:cs typeface="Arial"/>
+                <a:sym typeface="Arial"/>
+              </a:defRPr>
+            </a:pPr>
+            <a:r>
+              <a:rPr sz="1800" dirty="0">
+                <a:solidFill>
+                  <a:srgbClr val="FF0000"/>
+                </a:solidFill>
+                <a:latin typeface="Times New Roman" charset="0"/>
+                <a:ea typeface="Times New Roman" charset="0"/>
+                <a:cs typeface="Times New Roman" charset="0"/>
+                <a:sym typeface="Comic Sans MS"/>
+              </a:rPr>
+              <a:t>                goto out_unlock;</a:t>
+            </a:r>
+          </a:p>
+          <a:p>
+            <a:pPr marL="285750" lvl="1" indent="171450">
+              <a:lnSpc>
+                <a:spcPct val="80000"/>
+              </a:lnSpc>
+              <a:spcBef>
+                <a:spcPts val="200"/>
+              </a:spcBef>
+              <a:buSzTx/>
+              <a:buNone/>
+              <a:defRPr sz="2800">
+                <a:latin typeface="Arial"/>
+                <a:ea typeface="Arial"/>
+                <a:cs typeface="Arial"/>
+                <a:sym typeface="Arial"/>
+              </a:defRPr>
+            </a:pPr>
+            <a:r>
+              <a:rPr sz="1400" dirty="0">
+                <a:latin typeface="Times New Roman" charset="0"/>
+                <a:ea typeface="Times New Roman" charset="0"/>
+                <a:cs typeface="Times New Roman" charset="0"/>
+                <a:sym typeface="Comic Sans MS"/>
+              </a:rPr>
+              <a:t>	…</a:t>
+            </a:r>
+          </a:p>
+          <a:p>
+            <a:pPr marL="285750" lvl="1" indent="171450">
+              <a:lnSpc>
+                <a:spcPct val="80000"/>
+              </a:lnSpc>
+              <a:spcBef>
+                <a:spcPts val="200"/>
+              </a:spcBef>
+              <a:buSzTx/>
+              <a:buNone/>
+              <a:defRPr sz="2800">
+                <a:latin typeface="Arial"/>
+                <a:ea typeface="Arial"/>
+                <a:cs typeface="Arial"/>
+                <a:sym typeface="Arial"/>
+              </a:defRPr>
+            </a:pPr>
+            <a:r>
+              <a:rPr sz="1400" dirty="0">
+                <a:latin typeface="Times New Roman" charset="0"/>
+                <a:ea typeface="Times New Roman" charset="0"/>
+                <a:cs typeface="Times New Roman" charset="0"/>
+                <a:sym typeface="Comic Sans MS"/>
+              </a:rPr>
+              <a:t>out_unlock:</a:t>
+            </a:r>
+          </a:p>
+          <a:p>
+            <a:pPr marL="285750" lvl="1" indent="171450">
+              <a:lnSpc>
+                <a:spcPct val="80000"/>
+              </a:lnSpc>
+              <a:spcBef>
+                <a:spcPts val="200"/>
+              </a:spcBef>
+              <a:buSzTx/>
+              <a:buNone/>
+              <a:defRPr sz="2800">
+                <a:latin typeface="Arial"/>
+                <a:ea typeface="Arial"/>
+                <a:cs typeface="Arial"/>
+                <a:sym typeface="Arial"/>
+              </a:defRPr>
+            </a:pPr>
+            <a:r>
+              <a:rPr sz="1400" dirty="0">
+                <a:latin typeface="Times New Roman" charset="0"/>
+                <a:ea typeface="Times New Roman" charset="0"/>
+                <a:cs typeface="Times New Roman" charset="0"/>
+                <a:sym typeface="Comic Sans MS"/>
+              </a:rPr>
+              <a:t>        spin_unlock(&amp;files-&gt;file_lock);</a:t>
+            </a:r>
+          </a:p>
+          <a:p>
+            <a:pPr marL="285750" lvl="1" indent="171450">
+              <a:lnSpc>
+                <a:spcPct val="80000"/>
+              </a:lnSpc>
+              <a:spcBef>
+                <a:spcPts val="200"/>
+              </a:spcBef>
+              <a:buSzTx/>
+              <a:buNone/>
+              <a:defRPr sz="2800">
+                <a:latin typeface="Arial"/>
+                <a:ea typeface="Arial"/>
+                <a:cs typeface="Arial"/>
+                <a:sym typeface="Arial"/>
+              </a:defRPr>
+            </a:pPr>
+            <a:r>
+              <a:rPr sz="1400" dirty="0">
+                <a:latin typeface="Times New Roman" charset="0"/>
+                <a:ea typeface="Times New Roman" charset="0"/>
+                <a:cs typeface="Times New Roman" charset="0"/>
+                <a:sym typeface="Comic Sans MS"/>
+              </a:rPr>
+              <a:t>        return -EBADF;</a:t>
+            </a:r>
+          </a:p>
+          <a:p>
+            <a:pPr marL="285750" lvl="1" indent="171450">
+              <a:lnSpc>
+                <a:spcPct val="80000"/>
+              </a:lnSpc>
+              <a:spcBef>
+                <a:spcPts val="200"/>
+              </a:spcBef>
+              <a:buSzTx/>
+              <a:buNone/>
+              <a:defRPr sz="2800">
+                <a:latin typeface="Arial"/>
+                <a:ea typeface="Arial"/>
+                <a:cs typeface="Arial"/>
+                <a:sym typeface="Arial"/>
+              </a:defRPr>
+            </a:pPr>
+            <a:r>
+              <a:rPr sz="1400" dirty="0">
+                <a:latin typeface="Times New Roman" charset="0"/>
+                <a:ea typeface="Times New Roman" charset="0"/>
+                <a:cs typeface="Times New Roman" charset="0"/>
+                <a:sym typeface="Comic Sans MS"/>
+              </a:rPr>
+              <a:t>}</a:t>
+            </a:r>
+          </a:p>
+        </p:txBody>
+      </p:sp>
+      <p:grpSp>
+        <p:nvGrpSpPr>
+          <p:cNvPr id="112" name="Group 112"/>
+          <p:cNvGrpSpPr/>
+          <p:nvPr/>
+        </p:nvGrpSpPr>
+        <p:grpSpPr>
+          <a:xfrm>
+            <a:off x="4303058" y="1219198"/>
+            <a:ext cx="4688541" cy="5446804"/>
+            <a:chOff x="0" y="-1"/>
+            <a:chExt cx="4495800" cy="5446802"/>
+          </a:xfrm>
+        </p:grpSpPr>
+        <p:sp>
+          <p:nvSpPr>
+            <p:cNvPr id="110" name="Shape 110"/>
+            <p:cNvSpPr/>
+            <p:nvPr/>
+          </p:nvSpPr>
+          <p:spPr>
+            <a:xfrm>
+              <a:off x="0" y="-1"/>
+              <a:ext cx="4495800" cy="5446802"/>
+            </a:xfrm>
+            <a:prstGeom prst="rect">
+              <a:avLst/>
+            </a:prstGeom>
+            <a:noFill/>
+            <a:ln w="28575" cap="rnd">
+              <a:noFill/>
+              <a:prstDash val="solid"/>
+              <a:miter lim="800000"/>
+            </a:ln>
+            <a:effectLst/>
+          </p:spPr>
+          <p:txBody>
+            <a:bodyPr wrap="square" lIns="45719" tIns="45719" rIns="45719" bIns="45719" numCol="1" anchor="t">
+              <a:noAutofit/>
+            </a:bodyPr>
+            <a:lstStyle/>
+            <a:p>
+              <a:pPr>
+                <a:lnSpc>
+                  <a:spcPct val="90000"/>
+                </a:lnSpc>
+                <a:spcBef>
+                  <a:spcPts val="200"/>
+                </a:spcBef>
+                <a:defRPr sz="3200">
+                  <a:latin typeface="Comic Sans MS"/>
+                  <a:ea typeface="Comic Sans MS"/>
+                  <a:cs typeface="Comic Sans MS"/>
+                  <a:sym typeface="Comic Sans MS"/>
+                </a:defRPr>
+              </a:pPr>
+              <a:endParaRPr/>
+            </a:p>
+          </p:txBody>
+        </p:sp>
+        <p:sp>
+          <p:nvSpPr>
+            <p:cNvPr id="111" name="Shape 111"/>
+            <p:cNvSpPr/>
+            <p:nvPr/>
+          </p:nvSpPr>
+          <p:spPr>
+            <a:xfrm>
+              <a:off x="0" y="-1"/>
+              <a:ext cx="4495800" cy="3722042"/>
+            </a:xfrm>
+            <a:prstGeom prst="rect">
+              <a:avLst/>
+            </a:prstGeom>
+            <a:noFill/>
+            <a:ln w="12700" cap="flat">
+              <a:noFill/>
+              <a:miter lim="400000"/>
+            </a:ln>
+            <a:effectLst/>
+            <a:extLst>
+              <a:ext uri="{C572A759-6A51-4108-AA02-DFA0A04FC94B}">
+                <ma14:wrappingTextBoxFlag xmlns:ma14="http://schemas.microsoft.com/office/mac/drawingml/2011/main" val="1"/>
+              </a:ext>
+            </a:extLst>
+          </p:spPr>
+          <p:txBody>
+            <a:bodyPr wrap="square" lIns="45719" tIns="45719" rIns="45719" bIns="45719" numCol="1" anchor="t">
+              <a:spAutoFit/>
+            </a:bodyPr>
+            <a:lstStyle/>
+            <a:p>
+              <a:pPr marL="444500" indent="-342900">
+                <a:lnSpc>
+                  <a:spcPct val="90000"/>
+                </a:lnSpc>
+                <a:spcBef>
+                  <a:spcPts val="300"/>
+                </a:spcBef>
+                <a:buClr>
+                  <a:schemeClr val="tx1"/>
+                </a:buClr>
+                <a:buSzPct val="100000"/>
+                <a:buFont typeface="Arial" charset="0"/>
+                <a:buChar char="•"/>
+                <a:defRPr sz="3200">
+                  <a:latin typeface="Comic Sans MS"/>
+                  <a:ea typeface="Comic Sans MS"/>
+                  <a:cs typeface="Comic Sans MS"/>
+                  <a:sym typeface="Comic Sans MS"/>
+                </a:defRPr>
+              </a:pPr>
+              <a:r>
+                <a:rPr sz="2000" dirty="0">
+                  <a:latin typeface="Times New Roman" charset="0"/>
+                  <a:ea typeface="Times New Roman" charset="0"/>
+                  <a:cs typeface="Times New Roman" charset="0"/>
+                </a:rPr>
+                <a:t>Call-by-reference argument</a:t>
+              </a:r>
+            </a:p>
+            <a:p>
+              <a:pPr marL="812800" lvl="1" indent="-254000">
+                <a:lnSpc>
+                  <a:spcPct val="90000"/>
+                </a:lnSpc>
+                <a:spcBef>
+                  <a:spcPts val="200"/>
+                </a:spcBef>
+                <a:buClr>
+                  <a:schemeClr val="tx1"/>
+                </a:buClr>
+                <a:buSzPct val="100000"/>
+                <a:buFont typeface="Courier New"/>
+                <a:buChar char="o"/>
+                <a:defRPr sz="2800"/>
+              </a:pPr>
+              <a:r>
+                <a:rPr sz="2000" dirty="0">
+                  <a:latin typeface="Times New Roman" charset="0"/>
+                  <a:ea typeface="Times New Roman" charset="0"/>
+                  <a:cs typeface="Times New Roman" charset="0"/>
+                  <a:sym typeface="Comic Sans MS"/>
+                </a:rPr>
+                <a:t>User-space pointer sent as argument.</a:t>
+              </a:r>
+            </a:p>
+            <a:p>
+              <a:pPr marL="812800" lvl="1" indent="-254000">
+                <a:lnSpc>
+                  <a:spcPct val="90000"/>
+                </a:lnSpc>
+                <a:spcBef>
+                  <a:spcPts val="200"/>
+                </a:spcBef>
+                <a:buClr>
+                  <a:schemeClr val="tx1"/>
+                </a:buClr>
+                <a:buSzPct val="100000"/>
+                <a:buFont typeface="Courier New"/>
+                <a:buChar char="o"/>
+                <a:defRPr sz="2800"/>
+              </a:pPr>
+              <a:r>
+                <a:rPr sz="2000" dirty="0">
+                  <a:latin typeface="Times New Roman" charset="0"/>
+                  <a:ea typeface="Times New Roman" charset="0"/>
+                  <a:cs typeface="Times New Roman" charset="0"/>
+                  <a:sym typeface="Comic Sans MS"/>
+                </a:rPr>
+                <a:t>Data to be copied back using the pointer.</a:t>
+              </a:r>
+            </a:p>
+            <a:p>
+              <a:pPr indent="120650">
+                <a:spcBef>
+                  <a:spcPts val="600"/>
+                </a:spcBef>
+                <a:defRPr sz="3200">
+                  <a:latin typeface="Comic Sans MS"/>
+                  <a:ea typeface="Comic Sans MS"/>
+                  <a:cs typeface="Comic Sans MS"/>
+                  <a:sym typeface="Comic Sans MS"/>
+                </a:defRPr>
+              </a:pPr>
+              <a:endParaRPr sz="1800" dirty="0">
+                <a:latin typeface="Times New Roman" charset="0"/>
+                <a:ea typeface="Times New Roman" charset="0"/>
+                <a:cs typeface="Times New Roman" charset="0"/>
+              </a:endParaRPr>
+            </a:p>
+            <a:p>
+              <a:pPr>
+                <a:lnSpc>
+                  <a:spcPct val="90000"/>
+                </a:lnSpc>
+                <a:spcBef>
+                  <a:spcPts val="200"/>
+                </a:spcBef>
+                <a:defRPr sz="3200">
+                  <a:latin typeface="Comic Sans MS"/>
+                  <a:ea typeface="Comic Sans MS"/>
+                  <a:cs typeface="Comic Sans MS"/>
+                  <a:sym typeface="Comic Sans MS"/>
+                </a:defRPr>
+              </a:pPr>
+              <a:r>
+                <a:rPr sz="1400" dirty="0">
+                  <a:latin typeface="Times New Roman" charset="0"/>
+                  <a:ea typeface="Times New Roman" charset="0"/>
+                  <a:cs typeface="Times New Roman" charset="0"/>
+                </a:rPr>
+                <a:t>asmlinkage ssize_t </a:t>
+              </a:r>
+              <a:r>
+                <a:rPr sz="1400" dirty="0">
+                  <a:solidFill>
+                    <a:srgbClr val="0000FF"/>
+                  </a:solidFill>
+                  <a:latin typeface="Times New Roman" charset="0"/>
+                  <a:ea typeface="Times New Roman" charset="0"/>
+                  <a:cs typeface="Times New Roman" charset="0"/>
+                </a:rPr>
+                <a:t>sys_read</a:t>
+              </a:r>
+              <a:r>
+                <a:rPr sz="1400" dirty="0">
+                  <a:latin typeface="Times New Roman" charset="0"/>
+                  <a:ea typeface="Times New Roman" charset="0"/>
+                  <a:cs typeface="Times New Roman" charset="0"/>
+                </a:rPr>
+                <a:t> ( unsigned int fd,  </a:t>
+              </a:r>
+            </a:p>
+            <a:p>
+              <a:pPr>
+                <a:lnSpc>
+                  <a:spcPct val="90000"/>
+                </a:lnSpc>
+                <a:spcBef>
+                  <a:spcPts val="200"/>
+                </a:spcBef>
+                <a:defRPr sz="3200">
+                  <a:latin typeface="Comic Sans MS"/>
+                  <a:ea typeface="Comic Sans MS"/>
+                  <a:cs typeface="Comic Sans MS"/>
+                  <a:sym typeface="Comic Sans MS"/>
+                </a:defRPr>
+              </a:pPr>
+              <a:r>
+                <a:rPr sz="1400" dirty="0">
+                  <a:latin typeface="Times New Roman" charset="0"/>
+                  <a:ea typeface="Times New Roman" charset="0"/>
+                  <a:cs typeface="Times New Roman" charset="0"/>
+                </a:rPr>
+                <a:t>	char __user * buf,  size_t count)</a:t>
+              </a:r>
+            </a:p>
+            <a:p>
+              <a:pPr>
+                <a:lnSpc>
+                  <a:spcPct val="90000"/>
+                </a:lnSpc>
+                <a:spcBef>
+                  <a:spcPts val="200"/>
+                </a:spcBef>
+                <a:defRPr sz="3200">
+                  <a:latin typeface="Comic Sans MS"/>
+                  <a:ea typeface="Comic Sans MS"/>
+                  <a:cs typeface="Comic Sans MS"/>
+                  <a:sym typeface="Comic Sans MS"/>
+                </a:defRPr>
+              </a:pPr>
+              <a:r>
+                <a:rPr sz="1400" dirty="0">
+                  <a:latin typeface="Times New Roman" charset="0"/>
+                  <a:ea typeface="Times New Roman" charset="0"/>
+                  <a:cs typeface="Times New Roman" charset="0"/>
+                </a:rPr>
+                <a:t>{</a:t>
+              </a:r>
+            </a:p>
+            <a:p>
+              <a:pPr>
+                <a:lnSpc>
+                  <a:spcPct val="90000"/>
+                </a:lnSpc>
+                <a:spcBef>
+                  <a:spcPts val="200"/>
+                </a:spcBef>
+                <a:defRPr sz="3200">
+                  <a:latin typeface="Comic Sans MS"/>
+                  <a:ea typeface="Comic Sans MS"/>
+                  <a:cs typeface="Comic Sans MS"/>
+                  <a:sym typeface="Comic Sans MS"/>
+                </a:defRPr>
+              </a:pPr>
+              <a:r>
+                <a:rPr sz="1400" dirty="0">
+                  <a:latin typeface="Times New Roman" charset="0"/>
+                  <a:ea typeface="Times New Roman" charset="0"/>
+                  <a:cs typeface="Times New Roman" charset="0"/>
+                </a:rPr>
+                <a:t>	…</a:t>
+              </a:r>
+            </a:p>
+            <a:p>
+              <a:pPr lvl="3">
+                <a:lnSpc>
+                  <a:spcPct val="90000"/>
+                </a:lnSpc>
+                <a:spcBef>
+                  <a:spcPts val="200"/>
+                </a:spcBef>
+                <a:defRPr sz="3200">
+                  <a:latin typeface="Comic Sans MS"/>
+                  <a:ea typeface="Comic Sans MS"/>
+                  <a:cs typeface="Comic Sans MS"/>
+                  <a:sym typeface="Comic Sans MS"/>
+                </a:defRPr>
+              </a:pPr>
+              <a:r>
+                <a:rPr dirty="0">
+                  <a:latin typeface="Times New Roman" charset="0"/>
+                  <a:ea typeface="Times New Roman" charset="0"/>
+                  <a:cs typeface="Times New Roman" charset="0"/>
+                </a:rPr>
+                <a:t>       </a:t>
+              </a:r>
+              <a:r>
+                <a:rPr sz="1600" dirty="0">
+                  <a:solidFill>
+                    <a:srgbClr val="FF0000"/>
+                  </a:solidFill>
+                  <a:latin typeface="Times New Roman" charset="0"/>
+                  <a:ea typeface="Times New Roman" charset="0"/>
+                  <a:cs typeface="Times New Roman" charset="0"/>
+                </a:rPr>
+                <a:t>if( !access_ok( VERIFY_WRITE, buf, count))</a:t>
+              </a:r>
+              <a:endParaRPr sz="3000" dirty="0">
+                <a:latin typeface="Times New Roman" charset="0"/>
+                <a:ea typeface="Times New Roman" charset="0"/>
+                <a:cs typeface="Times New Roman" charset="0"/>
+              </a:endParaRPr>
+            </a:p>
+            <a:p>
+              <a:pPr>
+                <a:lnSpc>
+                  <a:spcPct val="90000"/>
+                </a:lnSpc>
+                <a:spcBef>
+                  <a:spcPts val="200"/>
+                </a:spcBef>
+                <a:defRPr sz="3200">
+                  <a:latin typeface="Comic Sans MS"/>
+                  <a:ea typeface="Comic Sans MS"/>
+                  <a:cs typeface="Comic Sans MS"/>
+                  <a:sym typeface="Comic Sans MS"/>
+                </a:defRPr>
+              </a:pPr>
+              <a:r>
+                <a:rPr sz="1600" dirty="0">
+                  <a:solidFill>
+                    <a:srgbClr val="FF0000"/>
+                  </a:solidFill>
+                  <a:latin typeface="Times New Roman" charset="0"/>
+                  <a:ea typeface="Times New Roman" charset="0"/>
+                  <a:cs typeface="Times New Roman" charset="0"/>
+                </a:rPr>
+                <a:t>	</a:t>
+              </a:r>
+              <a:r>
+                <a:rPr sz="1800" dirty="0">
+                  <a:solidFill>
+                    <a:srgbClr val="FF0000"/>
+                  </a:solidFill>
+                  <a:latin typeface="Times New Roman" charset="0"/>
+                  <a:ea typeface="Times New Roman" charset="0"/>
+                  <a:cs typeface="Times New Roman" charset="0"/>
+                </a:rPr>
+                <a:t>	return –EFAULT;</a:t>
+              </a:r>
+            </a:p>
+            <a:p>
+              <a:pPr>
+                <a:lnSpc>
+                  <a:spcPct val="90000"/>
+                </a:lnSpc>
+                <a:spcBef>
+                  <a:spcPts val="200"/>
+                </a:spcBef>
+                <a:defRPr sz="3200">
+                  <a:latin typeface="Comic Sans MS"/>
+                  <a:ea typeface="Comic Sans MS"/>
+                  <a:cs typeface="Comic Sans MS"/>
+                  <a:sym typeface="Comic Sans MS"/>
+                </a:defRPr>
+              </a:pPr>
+              <a:r>
+                <a:rPr sz="1800" dirty="0">
+                  <a:latin typeface="Times New Roman" charset="0"/>
+                  <a:ea typeface="Times New Roman" charset="0"/>
+                  <a:cs typeface="Times New Roman" charset="0"/>
+                </a:rPr>
+                <a:t>	…</a:t>
+              </a:r>
+            </a:p>
+            <a:p>
+              <a:pPr>
+                <a:lnSpc>
+                  <a:spcPct val="90000"/>
+                </a:lnSpc>
+                <a:spcBef>
+                  <a:spcPts val="200"/>
+                </a:spcBef>
+                <a:defRPr sz="3200">
+                  <a:latin typeface="Comic Sans MS"/>
+                  <a:ea typeface="Comic Sans MS"/>
+                  <a:cs typeface="Comic Sans MS"/>
+                  <a:sym typeface="Comic Sans MS"/>
+                </a:defRPr>
+              </a:pPr>
+              <a:r>
+                <a:rPr sz="1400" dirty="0">
+                  <a:latin typeface="Times New Roman" charset="0"/>
+                  <a:ea typeface="Times New Roman" charset="0"/>
+                  <a:cs typeface="Times New Roman" charset="0"/>
+                </a:rPr>
+                <a:t>}</a:t>
+              </a:r>
+            </a:p>
+          </p:txBody>
+        </p:sp>
+      </p:grpSp>
+    </p:spTree>
+  </p:cSld>
+  <p:clrMapOvr>
+    <a:masterClrMapping/>
+  </p:clrMapOvr>
+  <p:transition spd="med"/>
 </p:sld>
 </file>
 
 <file path=ppt/theme/theme1.xml><?xml version="1.0" encoding="utf-8"?>
-<a:theme xmlns:a="http://schemas.openxmlformats.org/drawingml/2006/main" xmlns:r="http://schemas.openxmlformats.org/officeDocument/2006/relationships" name="Default">
+<a:theme xmlns:a="http://schemas.openxmlformats.org/drawingml/2006/main" name="Default">
   <a:themeElements>
     <a:clrScheme name="Default">
       <a:dk1>
@@ -8693,7 +9329,7 @@
       <a:effectStyleLst>
         <a:effectStyle>
           <a:effectLst>
-            <a:outerShdw sx="100000" sy="100000" kx="0" ky="0" algn="b" rotWithShape="0" blurRad="38100" dist="23000" dir="5400000">
+            <a:outerShdw blurRad="38100" dist="23000" dir="5400000" rotWithShape="0">
               <a:srgbClr val="000000">
                 <a:alpha val="35000"/>
               </a:srgbClr>
@@ -8702,7 +9338,7 @@
         </a:effectStyle>
         <a:effectStyle>
           <a:effectLst>
-            <a:outerShdw sx="100000" sy="100000" kx="0" ky="0" algn="b" rotWithShape="0" blurRad="38100" dist="23000" dir="5400000">
+            <a:outerShdw blurRad="38100" dist="23000" dir="5400000" rotWithShape="0">
               <a:srgbClr val="000000">
                 <a:alpha val="35000"/>
               </a:srgbClr>
@@ -8711,7 +9347,7 @@
         </a:effectStyle>
         <a:effectStyle>
           <a:effectLst>
-            <a:outerShdw sx="100000" sy="100000" kx="0" ky="0" algn="b" rotWithShape="0" blurRad="38100" dist="20000" dir="5400000">
+            <a:outerShdw blurRad="38100" dist="20000" dir="5400000" rotWithShape="0">
               <a:srgbClr val="000000">
                 <a:alpha val="38000"/>
               </a:srgbClr>
@@ -8787,7 +9423,7 @@
           <a:bevel/>
         </a:ln>
         <a:effectLst>
-          <a:outerShdw sx="100000" sy="100000" kx="0" ky="0" algn="b" rotWithShape="0" blurRad="38100" dist="23000" dir="5400000">
+          <a:outerShdw blurRad="38100" dist="23000" dir="5400000" rotWithShape="0">
             <a:srgbClr val="000000">
               <a:alpha val="35000"/>
             </a:srgbClr>
@@ -8795,7 +9431,7 @@
         </a:effectLst>
         <a:sp3d/>
       </a:spPr>
-      <a:bodyPr rot="0" spcFirstLastPara="1" vertOverflow="overflow" horzOverflow="overflow" vert="horz" wrap="square" lIns="45719" tIns="45719" rIns="45719" bIns="45719" numCol="1" spcCol="38100" rtlCol="0" anchor="ctr" upright="0">
+      <a:bodyPr rot="0" spcFirstLastPara="1" vertOverflow="overflow" horzOverflow="overflow" vert="horz" wrap="square" lIns="45719" tIns="45719" rIns="45719" bIns="45719" numCol="1" spcCol="38100" rtlCol="0" anchor="ctr">
         <a:spAutoFit/>
       </a:bodyPr>
       <a:lstStyle>
@@ -8814,7 +9450,7 @@
           <a:buFontTx/>
           <a:buNone/>
           <a:tabLst/>
-          <a:defRPr b="0" baseline="0" cap="none" i="0" spc="0" strike="noStrike" sz="1400" u="none" kumimoji="0" normalizeH="0">
+          <a:defRPr kumimoji="0" sz="1400" b="0" i="0" u="none" strike="noStrike" cap="none" spc="0" normalizeH="0" baseline="0">
             <a:ln>
               <a:noFill/>
             </a:ln>
@@ -8844,7 +9480,7 @@
           <a:buFontTx/>
           <a:buNone/>
           <a:tabLst/>
-          <a:defRPr b="0" baseline="0" cap="none" i="0" spc="0" strike="noStrike" sz="1800" u="none" kumimoji="0" normalizeH="0">
+          <a:defRPr kumimoji="0" sz="1800" b="0" i="0" u="none" strike="noStrike" cap="none" spc="0" normalizeH="0" baseline="0">
             <a:ln>
               <a:noFill/>
             </a:ln>
@@ -8870,7 +9506,7 @@
           <a:buFontTx/>
           <a:buNone/>
           <a:tabLst/>
-          <a:defRPr b="0" baseline="0" cap="none" i="0" spc="0" strike="noStrike" sz="1800" u="none" kumimoji="0" normalizeH="0">
+          <a:defRPr kumimoji="0" sz="1800" b="0" i="0" u="none" strike="noStrike" cap="none" spc="0" normalizeH="0" baseline="0">
             <a:ln>
               <a:noFill/>
             </a:ln>
@@ -8896,7 +9532,7 @@
           <a:buFontTx/>
           <a:buNone/>
           <a:tabLst/>
-          <a:defRPr b="0" baseline="0" cap="none" i="0" spc="0" strike="noStrike" sz="1800" u="none" kumimoji="0" normalizeH="0">
+          <a:defRPr kumimoji="0" sz="1800" b="0" i="0" u="none" strike="noStrike" cap="none" spc="0" normalizeH="0" baseline="0">
             <a:ln>
               <a:noFill/>
             </a:ln>
@@ -8922,7 +9558,7 @@
           <a:buFontTx/>
           <a:buNone/>
           <a:tabLst/>
-          <a:defRPr b="0" baseline="0" cap="none" i="0" spc="0" strike="noStrike" sz="1800" u="none" kumimoji="0" normalizeH="0">
+          <a:defRPr kumimoji="0" sz="1800" b="0" i="0" u="none" strike="noStrike" cap="none" spc="0" normalizeH="0" baseline="0">
             <a:ln>
               <a:noFill/>
             </a:ln>
@@ -8948,7 +9584,7 @@
           <a:buFontTx/>
           <a:buNone/>
           <a:tabLst/>
-          <a:defRPr b="0" baseline="0" cap="none" i="0" spc="0" strike="noStrike" sz="1800" u="none" kumimoji="0" normalizeH="0">
+          <a:defRPr kumimoji="0" sz="1800" b="0" i="0" u="none" strike="noStrike" cap="none" spc="0" normalizeH="0" baseline="0">
             <a:ln>
               <a:noFill/>
             </a:ln>
@@ -8974,7 +9610,7 @@
           <a:buFontTx/>
           <a:buNone/>
           <a:tabLst/>
-          <a:defRPr b="0" baseline="0" cap="none" i="0" spc="0" strike="noStrike" sz="1800" u="none" kumimoji="0" normalizeH="0">
+          <a:defRPr kumimoji="0" sz="1800" b="0" i="0" u="none" strike="noStrike" cap="none" spc="0" normalizeH="0" baseline="0">
             <a:ln>
               <a:noFill/>
             </a:ln>
@@ -9000,7 +9636,7 @@
           <a:buFontTx/>
           <a:buNone/>
           <a:tabLst/>
-          <a:defRPr b="0" baseline="0" cap="none" i="0" spc="0" strike="noStrike" sz="1800" u="none" kumimoji="0" normalizeH="0">
+          <a:defRPr kumimoji="0" sz="1800" b="0" i="0" u="none" strike="noStrike" cap="none" spc="0" normalizeH="0" baseline="0">
             <a:ln>
               <a:noFill/>
             </a:ln>
@@ -9026,7 +9662,7 @@
           <a:buFontTx/>
           <a:buNone/>
           <a:tabLst/>
-          <a:defRPr b="0" baseline="0" cap="none" i="0" spc="0" strike="noStrike" sz="1800" u="none" kumimoji="0" normalizeH="0">
+          <a:defRPr kumimoji="0" sz="1800" b="0" i="0" u="none" strike="noStrike" cap="none" spc="0" normalizeH="0" baseline="0">
             <a:ln>
               <a:noFill/>
             </a:ln>
@@ -9052,7 +9688,7 @@
           <a:buFontTx/>
           <a:buNone/>
           <a:tabLst/>
-          <a:defRPr b="0" baseline="0" cap="none" i="0" spc="0" strike="noStrike" sz="1800" u="none" kumimoji="0" normalizeH="0">
+          <a:defRPr kumimoji="0" sz="1800" b="0" i="0" u="none" strike="noStrike" cap="none" spc="0" normalizeH="0" baseline="0">
             <a:ln>
               <a:noFill/>
             </a:ln>
@@ -9065,9 +9701,15 @@
         </a:lvl9pPr>
       </a:lstStyle>
       <a:style>
-        <a:lnRef idx="0"/>
-        <a:fillRef idx="0"/>
-        <a:effectRef idx="0"/>
+        <a:lnRef idx="0">
+          <a:scrgbClr r="0" g="0" b="0"/>
+        </a:lnRef>
+        <a:fillRef idx="0">
+          <a:scrgbClr r="0" g="0" b="0"/>
+        </a:fillRef>
+        <a:effectRef idx="0">
+          <a:scrgbClr r="0" g="0" b="0"/>
+        </a:effectRef>
         <a:fontRef idx="none"/>
       </a:style>
     </a:spDef>
@@ -9082,7 +9724,7 @@
           <a:bevel/>
         </a:ln>
         <a:effectLst>
-          <a:outerShdw sx="100000" sy="100000" kx="0" ky="0" algn="b" rotWithShape="0" blurRad="38100" dist="20000" dir="5400000">
+          <a:outerShdw blurRad="38100" dist="20000" dir="5400000" rotWithShape="0">
             <a:srgbClr val="000000">
               <a:alpha val="38000"/>
             </a:srgbClr>
@@ -9090,7 +9732,7 @@
         </a:effectLst>
         <a:sp3d/>
       </a:spPr>
-      <a:bodyPr rot="0" spcFirstLastPara="1" vertOverflow="overflow" horzOverflow="overflow" vert="horz" wrap="square" lIns="91439" tIns="45719" rIns="91439" bIns="45719" numCol="1" spcCol="38100" rtlCol="0" anchor="t" upright="0">
+      <a:bodyPr rot="0" spcFirstLastPara="1" vertOverflow="overflow" horzOverflow="overflow" vert="horz" wrap="square" lIns="91439" tIns="45719" rIns="91439" bIns="45719" numCol="1" spcCol="38100" rtlCol="0" anchor="t">
         <a:noAutofit/>
       </a:bodyPr>
       <a:lstStyle>
@@ -9109,7 +9751,7 @@
           <a:buFontTx/>
           <a:buNone/>
           <a:tabLst/>
-          <a:defRPr b="0" baseline="0" cap="none" i="0" spc="0" strike="noStrike" sz="1800" u="none" kumimoji="0" normalizeH="0">
+          <a:defRPr kumimoji="0" sz="1800" b="0" i="0" u="none" strike="noStrike" cap="none" spc="0" normalizeH="0" baseline="0">
             <a:ln>
               <a:noFill/>
             </a:ln>
@@ -9135,7 +9777,7 @@
           <a:buFontTx/>
           <a:buNone/>
           <a:tabLst/>
-          <a:defRPr b="0" baseline="0" cap="none" i="0" spc="0" strike="noStrike" sz="1800" u="none" kumimoji="0" normalizeH="0">
+          <a:defRPr kumimoji="0" sz="1800" b="0" i="0" u="none" strike="noStrike" cap="none" spc="0" normalizeH="0" baseline="0">
             <a:ln>
               <a:noFill/>
             </a:ln>
@@ -9161,7 +9803,7 @@
           <a:buFontTx/>
           <a:buNone/>
           <a:tabLst/>
-          <a:defRPr b="0" baseline="0" cap="none" i="0" spc="0" strike="noStrike" sz="1800" u="none" kumimoji="0" normalizeH="0">
+          <a:defRPr kumimoji="0" sz="1800" b="0" i="0" u="none" strike="noStrike" cap="none" spc="0" normalizeH="0" baseline="0">
             <a:ln>
               <a:noFill/>
             </a:ln>
@@ -9187,7 +9829,7 @@
           <a:buFontTx/>
           <a:buNone/>
           <a:tabLst/>
-          <a:defRPr b="0" baseline="0" cap="none" i="0" spc="0" strike="noStrike" sz="1800" u="none" kumimoji="0" normalizeH="0">
+          <a:defRPr kumimoji="0" sz="1800" b="0" i="0" u="none" strike="noStrike" cap="none" spc="0" normalizeH="0" baseline="0">
             <a:ln>
               <a:noFill/>
             </a:ln>
@@ -9213,7 +9855,7 @@
           <a:buFontTx/>
           <a:buNone/>
           <a:tabLst/>
-          <a:defRPr b="0" baseline="0" cap="none" i="0" spc="0" strike="noStrike" sz="1800" u="none" kumimoji="0" normalizeH="0">
+          <a:defRPr kumimoji="0" sz="1800" b="0" i="0" u="none" strike="noStrike" cap="none" spc="0" normalizeH="0" baseline="0">
             <a:ln>
               <a:noFill/>
             </a:ln>
@@ -9239,7 +9881,7 @@
           <a:buFontTx/>
           <a:buNone/>
           <a:tabLst/>
-          <a:defRPr b="0" baseline="0" cap="none" i="0" spc="0" strike="noStrike" sz="1800" u="none" kumimoji="0" normalizeH="0">
+          <a:defRPr kumimoji="0" sz="1800" b="0" i="0" u="none" strike="noStrike" cap="none" spc="0" normalizeH="0" baseline="0">
             <a:ln>
               <a:noFill/>
             </a:ln>
@@ -9265,7 +9907,7 @@
           <a:buFontTx/>
           <a:buNone/>
           <a:tabLst/>
-          <a:defRPr b="0" baseline="0" cap="none" i="0" spc="0" strike="noStrike" sz="1800" u="none" kumimoji="0" normalizeH="0">
+          <a:defRPr kumimoji="0" sz="1800" b="0" i="0" u="none" strike="noStrike" cap="none" spc="0" normalizeH="0" baseline="0">
             <a:ln>
               <a:noFill/>
             </a:ln>
@@ -9291,7 +9933,7 @@
           <a:buFontTx/>
           <a:buNone/>
           <a:tabLst/>
-          <a:defRPr b="0" baseline="0" cap="none" i="0" spc="0" strike="noStrike" sz="1800" u="none" kumimoji="0" normalizeH="0">
+          <a:defRPr kumimoji="0" sz="1800" b="0" i="0" u="none" strike="noStrike" cap="none" spc="0" normalizeH="0" baseline="0">
             <a:ln>
               <a:noFill/>
             </a:ln>
@@ -9317,7 +9959,7 @@
           <a:buFontTx/>
           <a:buNone/>
           <a:tabLst/>
-          <a:defRPr b="0" baseline="0" cap="none" i="0" spc="0" strike="noStrike" sz="1800" u="none" kumimoji="0" normalizeH="0">
+          <a:defRPr kumimoji="0" sz="1800" b="0" i="0" u="none" strike="noStrike" cap="none" spc="0" normalizeH="0" baseline="0">
             <a:ln>
               <a:noFill/>
             </a:ln>
@@ -9343,7 +9985,7 @@
           <a:buFontTx/>
           <a:buNone/>
           <a:tabLst/>
-          <a:defRPr b="0" baseline="0" cap="none" i="0" spc="0" strike="noStrike" sz="1800" u="none" kumimoji="0" normalizeH="0">
+          <a:defRPr kumimoji="0" sz="1800" b="0" i="0" u="none" strike="noStrike" cap="none" spc="0" normalizeH="0" baseline="0">
             <a:ln>
               <a:noFill/>
             </a:ln>
@@ -9356,9 +9998,15 @@
         </a:lvl9pPr>
       </a:lstStyle>
       <a:style>
-        <a:lnRef idx="0"/>
-        <a:fillRef idx="0"/>
-        <a:effectRef idx="0"/>
+        <a:lnRef idx="0">
+          <a:scrgbClr r="0" g="0" b="0"/>
+        </a:lnRef>
+        <a:fillRef idx="0">
+          <a:scrgbClr r="0" g="0" b="0"/>
+        </a:fillRef>
+        <a:effectRef idx="0">
+          <a:scrgbClr r="0" g="0" b="0"/>
+        </a:effectRef>
         <a:fontRef idx="none"/>
       </a:style>
     </a:lnDef>
@@ -9372,7 +10020,7 @@
         <a:effectLst/>
         <a:sp3d/>
       </a:spPr>
-      <a:bodyPr rot="0" spcFirstLastPara="1" vertOverflow="overflow" horzOverflow="overflow" vert="horz" wrap="square" lIns="45719" tIns="45719" rIns="45719" bIns="45719" numCol="1" spcCol="38100" rtlCol="0" anchor="t" upright="0">
+      <a:bodyPr rot="0" spcFirstLastPara="1" vertOverflow="overflow" horzOverflow="overflow" vert="horz" wrap="square" lIns="45719" tIns="45719" rIns="45719" bIns="45719" numCol="1" spcCol="38100" rtlCol="0" anchor="t">
         <a:spAutoFit/>
       </a:bodyPr>
       <a:lstStyle>
@@ -9391,7 +10039,7 @@
           <a:buFontTx/>
           <a:buNone/>
           <a:tabLst/>
-          <a:defRPr b="0" baseline="0" cap="none" i="0" spc="0" strike="noStrike" sz="1400" u="none" kumimoji="0" normalizeH="0">
+          <a:defRPr kumimoji="0" sz="1400" b="0" i="0" u="none" strike="noStrike" cap="none" spc="0" normalizeH="0" baseline="0">
             <a:ln>
               <a:noFill/>
             </a:ln>
@@ -9421,7 +10069,7 @@
           <a:buFontTx/>
           <a:buNone/>
           <a:tabLst/>
-          <a:defRPr b="0" baseline="0" cap="none" i="0" spc="0" strike="noStrike" sz="1800" u="none" kumimoji="0" normalizeH="0">
+          <a:defRPr kumimoji="0" sz="1800" b="0" i="0" u="none" strike="noStrike" cap="none" spc="0" normalizeH="0" baseline="0">
             <a:ln>
               <a:noFill/>
             </a:ln>
@@ -9447,7 +10095,7 @@
           <a:buFontTx/>
           <a:buNone/>
           <a:tabLst/>
-          <a:defRPr b="0" baseline="0" cap="none" i="0" spc="0" strike="noStrike" sz="1800" u="none" kumimoji="0" normalizeH="0">
+          <a:defRPr kumimoji="0" sz="1800" b="0" i="0" u="none" strike="noStrike" cap="none" spc="0" normalizeH="0" baseline="0">
             <a:ln>
               <a:noFill/>
             </a:ln>
@@ -9473,7 +10121,7 @@
           <a:buFontTx/>
           <a:buNone/>
           <a:tabLst/>
-          <a:defRPr b="0" baseline="0" cap="none" i="0" spc="0" strike="noStrike" sz="1800" u="none" kumimoji="0" normalizeH="0">
+          <a:defRPr kumimoji="0" sz="1800" b="0" i="0" u="none" strike="noStrike" cap="none" spc="0" normalizeH="0" baseline="0">
             <a:ln>
               <a:noFill/>
             </a:ln>
@@ -9499,7 +10147,7 @@
           <a:buFontTx/>
           <a:buNone/>
           <a:tabLst/>
-          <a:defRPr b="0" baseline="0" cap="none" i="0" spc="0" strike="noStrike" sz="1800" u="none" kumimoji="0" normalizeH="0">
+          <a:defRPr kumimoji="0" sz="1800" b="0" i="0" u="none" strike="noStrike" cap="none" spc="0" normalizeH="0" baseline="0">
             <a:ln>
               <a:noFill/>
             </a:ln>
@@ -9525,7 +10173,7 @@
           <a:buFontTx/>
           <a:buNone/>
           <a:tabLst/>
-          <a:defRPr b="0" baseline="0" cap="none" i="0" spc="0" strike="noStrike" sz="1800" u="none" kumimoji="0" normalizeH="0">
+          <a:defRPr kumimoji="0" sz="1800" b="0" i="0" u="none" strike="noStrike" cap="none" spc="0" normalizeH="0" baseline="0">
             <a:ln>
               <a:noFill/>
             </a:ln>
@@ -9551,7 +10199,7 @@
           <a:buFontTx/>
           <a:buNone/>
           <a:tabLst/>
-          <a:defRPr b="0" baseline="0" cap="none" i="0" spc="0" strike="noStrike" sz="1800" u="none" kumimoji="0" normalizeH="0">
+          <a:defRPr kumimoji="0" sz="1800" b="0" i="0" u="none" strike="noStrike" cap="none" spc="0" normalizeH="0" baseline="0">
             <a:ln>
               <a:noFill/>
             </a:ln>
@@ -9577,7 +10225,7 @@
           <a:buFontTx/>
           <a:buNone/>
           <a:tabLst/>
-          <a:defRPr b="0" baseline="0" cap="none" i="0" spc="0" strike="noStrike" sz="1800" u="none" kumimoji="0" normalizeH="0">
+          <a:defRPr kumimoji="0" sz="1800" b="0" i="0" u="none" strike="noStrike" cap="none" spc="0" normalizeH="0" baseline="0">
             <a:ln>
               <a:noFill/>
             </a:ln>
@@ -9603,7 +10251,7 @@
           <a:buFontTx/>
           <a:buNone/>
           <a:tabLst/>
-          <a:defRPr b="0" baseline="0" cap="none" i="0" spc="0" strike="noStrike" sz="1800" u="none" kumimoji="0" normalizeH="0">
+          <a:defRPr kumimoji="0" sz="1800" b="0" i="0" u="none" strike="noStrike" cap="none" spc="0" normalizeH="0" baseline="0">
             <a:ln>
               <a:noFill/>
             </a:ln>
@@ -9629,7 +10277,7 @@
           <a:buFontTx/>
           <a:buNone/>
           <a:tabLst/>
-          <a:defRPr b="0" baseline="0" cap="none" i="0" spc="0" strike="noStrike" sz="1800" u="none" kumimoji="0" normalizeH="0">
+          <a:defRPr kumimoji="0" sz="1800" b="0" i="0" u="none" strike="noStrike" cap="none" spc="0" normalizeH="0" baseline="0">
             <a:ln>
               <a:noFill/>
             </a:ln>
@@ -9642,18 +10290,25 @@
         </a:lvl9pPr>
       </a:lstStyle>
       <a:style>
-        <a:lnRef idx="0"/>
-        <a:fillRef idx="0"/>
-        <a:effectRef idx="0"/>
+        <a:lnRef idx="0">
+          <a:scrgbClr r="0" g="0" b="0"/>
+        </a:lnRef>
+        <a:fillRef idx="0">
+          <a:scrgbClr r="0" g="0" b="0"/>
+        </a:fillRef>
+        <a:effectRef idx="0">
+          <a:scrgbClr r="0" g="0" b="0"/>
+        </a:effectRef>
         <a:fontRef idx="none"/>
       </a:style>
     </a:txDef>
   </a:objectDefaults>
+  <a:extraClrSchemeLst/>
 </a:theme>
 </file>
 
 <file path=ppt/theme/theme2.xml><?xml version="1.0" encoding="utf-8"?>
-<a:theme xmlns:a="http://schemas.openxmlformats.org/drawingml/2006/main" xmlns:r="http://schemas.openxmlformats.org/officeDocument/2006/relationships" name="Default">
+<a:theme xmlns:a="http://schemas.openxmlformats.org/drawingml/2006/main" name="Default">
   <a:themeElements>
     <a:clrScheme name="Default">
       <a:dk1>
@@ -9779,7 +10434,7 @@
       <a:effectStyleLst>
         <a:effectStyle>
           <a:effectLst>
-            <a:outerShdw sx="100000" sy="100000" kx="0" ky="0" algn="b" rotWithShape="0" blurRad="38100" dist="23000" dir="5400000">
+            <a:outerShdw blurRad="38100" dist="23000" dir="5400000" rotWithShape="0">
               <a:srgbClr val="000000">
                 <a:alpha val="35000"/>
               </a:srgbClr>
@@ -9788,7 +10443,7 @@
         </a:effectStyle>
         <a:effectStyle>
           <a:effectLst>
-            <a:outerShdw sx="100000" sy="100000" kx="0" ky="0" algn="b" rotWithShape="0" blurRad="38100" dist="23000" dir="5400000">
+            <a:outerShdw blurRad="38100" dist="23000" dir="5400000" rotWithShape="0">
               <a:srgbClr val="000000">
                 <a:alpha val="35000"/>
               </a:srgbClr>
@@ -9797,7 +10452,7 @@
         </a:effectStyle>
         <a:effectStyle>
           <a:effectLst>
-            <a:outerShdw sx="100000" sy="100000" kx="0" ky="0" algn="b" rotWithShape="0" blurRad="38100" dist="20000" dir="5400000">
+            <a:outerShdw blurRad="38100" dist="20000" dir="5400000" rotWithShape="0">
               <a:srgbClr val="000000">
                 <a:alpha val="38000"/>
               </a:srgbClr>
@@ -9873,7 +10528,7 @@
           <a:bevel/>
         </a:ln>
         <a:effectLst>
-          <a:outerShdw sx="100000" sy="100000" kx="0" ky="0" algn="b" rotWithShape="0" blurRad="38100" dist="23000" dir="5400000">
+          <a:outerShdw blurRad="38100" dist="23000" dir="5400000" rotWithShape="0">
             <a:srgbClr val="000000">
               <a:alpha val="35000"/>
             </a:srgbClr>
@@ -9881,7 +10536,7 @@
         </a:effectLst>
         <a:sp3d/>
       </a:spPr>
-      <a:bodyPr rot="0" spcFirstLastPara="1" vertOverflow="overflow" horzOverflow="overflow" vert="horz" wrap="square" lIns="45719" tIns="45719" rIns="45719" bIns="45719" numCol="1" spcCol="38100" rtlCol="0" anchor="ctr" upright="0">
+      <a:bodyPr rot="0" spcFirstLastPara="1" vertOverflow="overflow" horzOverflow="overflow" vert="horz" wrap="square" lIns="45719" tIns="45719" rIns="45719" bIns="45719" numCol="1" spcCol="38100" rtlCol="0" anchor="ctr">
         <a:spAutoFit/>
       </a:bodyPr>
       <a:lstStyle>
@@ -9900,7 +10555,7 @@
           <a:buFontTx/>
           <a:buNone/>
           <a:tabLst/>
-          <a:defRPr b="0" baseline="0" cap="none" i="0" spc="0" strike="noStrike" sz="1400" u="none" kumimoji="0" normalizeH="0">
+          <a:defRPr kumimoji="0" sz="1400" b="0" i="0" u="none" strike="noStrike" cap="none" spc="0" normalizeH="0" baseline="0">
             <a:ln>
               <a:noFill/>
             </a:ln>
@@ -9930,7 +10585,7 @@
           <a:buFontTx/>
           <a:buNone/>
           <a:tabLst/>
-          <a:defRPr b="0" baseline="0" cap="none" i="0" spc="0" strike="noStrike" sz="1800" u="none" kumimoji="0" normalizeH="0">
+          <a:defRPr kumimoji="0" sz="1800" b="0" i="0" u="none" strike="noStrike" cap="none" spc="0" normalizeH="0" baseline="0">
             <a:ln>
               <a:noFill/>
             </a:ln>
@@ -9956,7 +10611,7 @@
           <a:buFontTx/>
           <a:buNone/>
           <a:tabLst/>
-          <a:defRPr b="0" baseline="0" cap="none" i="0" spc="0" strike="noStrike" sz="1800" u="none" kumimoji="0" normalizeH="0">
+          <a:defRPr kumimoji="0" sz="1800" b="0" i="0" u="none" strike="noStrike" cap="none" spc="0" normalizeH="0" baseline="0">
             <a:ln>
               <a:noFill/>
             </a:ln>
@@ -9982,7 +10637,7 @@
           <a:buFontTx/>
           <a:buNone/>
           <a:tabLst/>
-          <a:defRPr b="0" baseline="0" cap="none" i="0" spc="0" strike="noStrike" sz="1800" u="none" kumimoji="0" normalizeH="0">
+          <a:defRPr kumimoji="0" sz="1800" b="0" i="0" u="none" strike="noStrike" cap="none" spc="0" normalizeH="0" baseline="0">
             <a:ln>
               <a:noFill/>
             </a:ln>
@@ -10008,7 +10663,7 @@
           <a:buFontTx/>
           <a:buNone/>
           <a:tabLst/>
-          <a:defRPr b="0" baseline="0" cap="none" i="0" spc="0" strike="noStrike" sz="1800" u="none" kumimoji="0" normalizeH="0">
+          <a:defRPr kumimoji="0" sz="1800" b="0" i="0" u="none" strike="noStrike" cap="none" spc="0" normalizeH="0" baseline="0">
             <a:ln>
               <a:noFill/>
             </a:ln>
@@ -10034,7 +10689,7 @@
           <a:buFontTx/>
           <a:buNone/>
           <a:tabLst/>
-          <a:defRPr b="0" baseline="0" cap="none" i="0" spc="0" strike="noStrike" sz="1800" u="none" kumimoji="0" normalizeH="0">
+          <a:defRPr kumimoji="0" sz="1800" b="0" i="0" u="none" strike="noStrike" cap="none" spc="0" normalizeH="0" baseline="0">
             <a:ln>
               <a:noFill/>
             </a:ln>
@@ -10060,7 +10715,7 @@
           <a:buFontTx/>
           <a:buNone/>
           <a:tabLst/>
-          <a:defRPr b="0" baseline="0" cap="none" i="0" spc="0" strike="noStrike" sz="1800" u="none" kumimoji="0" normalizeH="0">
+          <a:defRPr kumimoji="0" sz="1800" b="0" i="0" u="none" strike="noStrike" cap="none" spc="0" normalizeH="0" baseline="0">
             <a:ln>
               <a:noFill/>
             </a:ln>
@@ -10086,7 +10741,7 @@
           <a:buFontTx/>
           <a:buNone/>
           <a:tabLst/>
-          <a:defRPr b="0" baseline="0" cap="none" i="0" spc="0" strike="noStrike" sz="1800" u="none" kumimoji="0" normalizeH="0">
+          <a:defRPr kumimoji="0" sz="1800" b="0" i="0" u="none" strike="noStrike" cap="none" spc="0" normalizeH="0" baseline="0">
             <a:ln>
               <a:noFill/>
             </a:ln>
@@ -10112,7 +10767,7 @@
           <a:buFontTx/>
           <a:buNone/>
           <a:tabLst/>
-          <a:defRPr b="0" baseline="0" cap="none" i="0" spc="0" strike="noStrike" sz="1800" u="none" kumimoji="0" normalizeH="0">
+          <a:defRPr kumimoji="0" sz="1800" b="0" i="0" u="none" strike="noStrike" cap="none" spc="0" normalizeH="0" baseline="0">
             <a:ln>
               <a:noFill/>
             </a:ln>
@@ -10138,7 +10793,7 @@
           <a:buFontTx/>
           <a:buNone/>
           <a:tabLst/>
-          <a:defRPr b="0" baseline="0" cap="none" i="0" spc="0" strike="noStrike" sz="1800" u="none" kumimoji="0" normalizeH="0">
+          <a:defRPr kumimoji="0" sz="1800" b="0" i="0" u="none" strike="noStrike" cap="none" spc="0" normalizeH="0" baseline="0">
             <a:ln>
               <a:noFill/>
             </a:ln>
@@ -10151,9 +10806,15 @@
         </a:lvl9pPr>
       </a:lstStyle>
       <a:style>
-        <a:lnRef idx="0"/>
-        <a:fillRef idx="0"/>
-        <a:effectRef idx="0"/>
+        <a:lnRef idx="0">
+          <a:scrgbClr r="0" g="0" b="0"/>
+        </a:lnRef>
+        <a:fillRef idx="0">
+          <a:scrgbClr r="0" g="0" b="0"/>
+        </a:fillRef>
+        <a:effectRef idx="0">
+          <a:scrgbClr r="0" g="0" b="0"/>
+        </a:effectRef>
         <a:fontRef idx="none"/>
       </a:style>
     </a:spDef>
@@ -10168,7 +10829,7 @@
           <a:bevel/>
         </a:ln>
         <a:effectLst>
-          <a:outerShdw sx="100000" sy="100000" kx="0" ky="0" algn="b" rotWithShape="0" blurRad="38100" dist="20000" dir="5400000">
+          <a:outerShdw blurRad="38100" dist="20000" dir="5400000" rotWithShape="0">
             <a:srgbClr val="000000">
               <a:alpha val="38000"/>
             </a:srgbClr>
@@ -10176,7 +10837,7 @@
         </a:effectLst>
         <a:sp3d/>
       </a:spPr>
-      <a:bodyPr rot="0" spcFirstLastPara="1" vertOverflow="overflow" horzOverflow="overflow" vert="horz" wrap="square" lIns="91439" tIns="45719" rIns="91439" bIns="45719" numCol="1" spcCol="38100" rtlCol="0" anchor="t" upright="0">
+      <a:bodyPr rot="0" spcFirstLastPara="1" vertOverflow="overflow" horzOverflow="overflow" vert="horz" wrap="square" lIns="91439" tIns="45719" rIns="91439" bIns="45719" numCol="1" spcCol="38100" rtlCol="0" anchor="t">
         <a:noAutofit/>
       </a:bodyPr>
       <a:lstStyle>
@@ -10195,7 +10856,7 @@
           <a:buFontTx/>
           <a:buNone/>
           <a:tabLst/>
-          <a:defRPr b="0" baseline="0" cap="none" i="0" spc="0" strike="noStrike" sz="1800" u="none" kumimoji="0" normalizeH="0">
+          <a:defRPr kumimoji="0" sz="1800" b="0" i="0" u="none" strike="noStrike" cap="none" spc="0" normalizeH="0" baseline="0">
             <a:ln>
               <a:noFill/>
             </a:ln>
@@ -10221,7 +10882,7 @@
           <a:buFontTx/>
           <a:buNone/>
           <a:tabLst/>
-          <a:defRPr b="0" baseline="0" cap="none" i="0" spc="0" strike="noStrike" sz="1800" u="none" kumimoji="0" normalizeH="0">
+          <a:defRPr kumimoji="0" sz="1800" b="0" i="0" u="none" strike="noStrike" cap="none" spc="0" normalizeH="0" baseline="0">
             <a:ln>
               <a:noFill/>
             </a:ln>
@@ -10247,7 +10908,7 @@
           <a:buFontTx/>
           <a:buNone/>
           <a:tabLst/>
-          <a:defRPr b="0" baseline="0" cap="none" i="0" spc="0" strike="noStrike" sz="1800" u="none" kumimoji="0" normalizeH="0">
+          <a:defRPr kumimoji="0" sz="1800" b="0" i="0" u="none" strike="noStrike" cap="none" spc="0" normalizeH="0" baseline="0">
             <a:ln>
               <a:noFill/>
             </a:ln>
@@ -10273,7 +10934,7 @@
           <a:buFontTx/>
           <a:buNone/>
           <a:tabLst/>
-          <a:defRPr b="0" baseline="0" cap="none" i="0" spc="0" strike="noStrike" sz="1800" u="none" kumimoji="0" normalizeH="0">
+          <a:defRPr kumimoji="0" sz="1800" b="0" i="0" u="none" strike="noStrike" cap="none" spc="0" normalizeH="0" baseline="0">
             <a:ln>
               <a:noFill/>
             </a:ln>
@@ -10299,7 +10960,7 @@
           <a:buFontTx/>
           <a:buNone/>
           <a:tabLst/>
-          <a:defRPr b="0" baseline="0" cap="none" i="0" spc="0" strike="noStrike" sz="1800" u="none" kumimoji="0" normalizeH="0">
+          <a:defRPr kumimoji="0" sz="1800" b="0" i="0" u="none" strike="noStrike" cap="none" spc="0" normalizeH="0" baseline="0">
             <a:ln>
               <a:noFill/>
             </a:ln>
@@ -10325,7 +10986,7 @@
           <a:buFontTx/>
           <a:buNone/>
           <a:tabLst/>
-          <a:defRPr b="0" baseline="0" cap="none" i="0" spc="0" strike="noStrike" sz="1800" u="none" kumimoji="0" normalizeH="0">
+          <a:defRPr kumimoji="0" sz="1800" b="0" i="0" u="none" strike="noStrike" cap="none" spc="0" normalizeH="0" baseline="0">
             <a:ln>
               <a:noFill/>
             </a:ln>
@@ -10351,7 +11012,7 @@
           <a:buFontTx/>
           <a:buNone/>
           <a:tabLst/>
-          <a:defRPr b="0" baseline="0" cap="none" i="0" spc="0" strike="noStrike" sz="1800" u="none" kumimoji="0" normalizeH="0">
+          <a:defRPr kumimoji="0" sz="1800" b="0" i="0" u="none" strike="noStrike" cap="none" spc="0" normalizeH="0" baseline="0">
             <a:ln>
               <a:noFill/>
             </a:ln>
@@ -10377,7 +11038,7 @@
           <a:buFontTx/>
           <a:buNone/>
           <a:tabLst/>
-          <a:defRPr b="0" baseline="0" cap="none" i="0" spc="0" strike="noStrike" sz="1800" u="none" kumimoji="0" normalizeH="0">
+          <a:defRPr kumimoji="0" sz="1800" b="0" i="0" u="none" strike="noStrike" cap="none" spc="0" normalizeH="0" baseline="0">
             <a:ln>
               <a:noFill/>
             </a:ln>
@@ -10403,7 +11064,7 @@
           <a:buFontTx/>
           <a:buNone/>
           <a:tabLst/>
-          <a:defRPr b="0" baseline="0" cap="none" i="0" spc="0" strike="noStrike" sz="1800" u="none" kumimoji="0" normalizeH="0">
+          <a:defRPr kumimoji="0" sz="1800" b="0" i="0" u="none" strike="noStrike" cap="none" spc="0" normalizeH="0" baseline="0">
             <a:ln>
               <a:noFill/>
             </a:ln>
@@ -10429,7 +11090,7 @@
           <a:buFontTx/>
           <a:buNone/>
           <a:tabLst/>
-          <a:defRPr b="0" baseline="0" cap="none" i="0" spc="0" strike="noStrike" sz="1800" u="none" kumimoji="0" normalizeH="0">
+          <a:defRPr kumimoji="0" sz="1800" b="0" i="0" u="none" strike="noStrike" cap="none" spc="0" normalizeH="0" baseline="0">
             <a:ln>
               <a:noFill/>
             </a:ln>
@@ -10442,9 +11103,15 @@
         </a:lvl9pPr>
       </a:lstStyle>
       <a:style>
-        <a:lnRef idx="0"/>
-        <a:fillRef idx="0"/>
-        <a:effectRef idx="0"/>
+        <a:lnRef idx="0">
+          <a:scrgbClr r="0" g="0" b="0"/>
+        </a:lnRef>
+        <a:fillRef idx="0">
+          <a:scrgbClr r="0" g="0" b="0"/>
+        </a:fillRef>
+        <a:effectRef idx="0">
+          <a:scrgbClr r="0" g="0" b="0"/>
+        </a:effectRef>
         <a:fontRef idx="none"/>
       </a:style>
     </a:lnDef>
@@ -10458,7 +11125,7 @@
         <a:effectLst/>
         <a:sp3d/>
       </a:spPr>
-      <a:bodyPr rot="0" spcFirstLastPara="1" vertOverflow="overflow" horzOverflow="overflow" vert="horz" wrap="square" lIns="45719" tIns="45719" rIns="45719" bIns="45719" numCol="1" spcCol="38100" rtlCol="0" anchor="t" upright="0">
+      <a:bodyPr rot="0" spcFirstLastPara="1" vertOverflow="overflow" horzOverflow="overflow" vert="horz" wrap="square" lIns="45719" tIns="45719" rIns="45719" bIns="45719" numCol="1" spcCol="38100" rtlCol="0" anchor="t">
         <a:spAutoFit/>
       </a:bodyPr>
       <a:lstStyle>
@@ -10477,7 +11144,7 @@
           <a:buFontTx/>
           <a:buNone/>
           <a:tabLst/>
-          <a:defRPr b="0" baseline="0" cap="none" i="0" spc="0" strike="noStrike" sz="1400" u="none" kumimoji="0" normalizeH="0">
+          <a:defRPr kumimoji="0" sz="1400" b="0" i="0" u="none" strike="noStrike" cap="none" spc="0" normalizeH="0" baseline="0">
             <a:ln>
               <a:noFill/>
             </a:ln>
@@ -10507,7 +11174,7 @@
           <a:buFontTx/>
           <a:buNone/>
           <a:tabLst/>
-          <a:defRPr b="0" baseline="0" cap="none" i="0" spc="0" strike="noStrike" sz="1800" u="none" kumimoji="0" normalizeH="0">
+          <a:defRPr kumimoji="0" sz="1800" b="0" i="0" u="none" strike="noStrike" cap="none" spc="0" normalizeH="0" baseline="0">
             <a:ln>
               <a:noFill/>
             </a:ln>
@@ -10533,7 +11200,7 @@
           <a:buFontTx/>
           <a:buNone/>
           <a:tabLst/>
-          <a:defRPr b="0" baseline="0" cap="none" i="0" spc="0" strike="noStrike" sz="1800" u="none" kumimoji="0" normalizeH="0">
+          <a:defRPr kumimoji="0" sz="1800" b="0" i="0" u="none" strike="noStrike" cap="none" spc="0" normalizeH="0" baseline="0">
             <a:ln>
               <a:noFill/>
             </a:ln>
@@ -10559,7 +11226,7 @@
           <a:buFontTx/>
           <a:buNone/>
           <a:tabLst/>
-          <a:defRPr b="0" baseline="0" cap="none" i="0" spc="0" strike="noStrike" sz="1800" u="none" kumimoji="0" normalizeH="0">
+          <a:defRPr kumimoji="0" sz="1800" b="0" i="0" u="none" strike="noStrike" cap="none" spc="0" normalizeH="0" baseline="0">
             <a:ln>
               <a:noFill/>
             </a:ln>
@@ -10585,7 +11252,7 @@
           <a:buFontTx/>
           <a:buNone/>
           <a:tabLst/>
-          <a:defRPr b="0" baseline="0" cap="none" i="0" spc="0" strike="noStrike" sz="1800" u="none" kumimoji="0" normalizeH="0">
+          <a:defRPr kumimoji="0" sz="1800" b="0" i="0" u="none" strike="noStrike" cap="none" spc="0" normalizeH="0" baseline="0">
             <a:ln>
               <a:noFill/>
             </a:ln>
@@ -10611,7 +11278,7 @@
           <a:buFontTx/>
           <a:buNone/>
           <a:tabLst/>
-          <a:defRPr b="0" baseline="0" cap="none" i="0" spc="0" strike="noStrike" sz="1800" u="none" kumimoji="0" normalizeH="0">
+          <a:defRPr kumimoji="0" sz="1800" b="0" i="0" u="none" strike="noStrike" cap="none" spc="0" normalizeH="0" baseline="0">
             <a:ln>
               <a:noFill/>
             </a:ln>
@@ -10637,7 +11304,7 @@
           <a:buFontTx/>
           <a:buNone/>
           <a:tabLst/>
-          <a:defRPr b="0" baseline="0" cap="none" i="0" spc="0" strike="noStrike" sz="1800" u="none" kumimoji="0" normalizeH="0">
+          <a:defRPr kumimoji="0" sz="1800" b="0" i="0" u="none" strike="noStrike" cap="none" spc="0" normalizeH="0" baseline="0">
             <a:ln>
               <a:noFill/>
             </a:ln>
@@ -10663,7 +11330,7 @@
           <a:buFontTx/>
           <a:buNone/>
           <a:tabLst/>
-          <a:defRPr b="0" baseline="0" cap="none" i="0" spc="0" strike="noStrike" sz="1800" u="none" kumimoji="0" normalizeH="0">
+          <a:defRPr kumimoji="0" sz="1800" b="0" i="0" u="none" strike="noStrike" cap="none" spc="0" normalizeH="0" baseline="0">
             <a:ln>
               <a:noFill/>
             </a:ln>
@@ -10689,7 +11356,7 @@
           <a:buFontTx/>
           <a:buNone/>
           <a:tabLst/>
-          <a:defRPr b="0" baseline="0" cap="none" i="0" spc="0" strike="noStrike" sz="1800" u="none" kumimoji="0" normalizeH="0">
+          <a:defRPr kumimoji="0" sz="1800" b="0" i="0" u="none" strike="noStrike" cap="none" spc="0" normalizeH="0" baseline="0">
             <a:ln>
               <a:noFill/>
             </a:ln>
@@ -10715,7 +11382,7 @@
           <a:buFontTx/>
           <a:buNone/>
           <a:tabLst/>
-          <a:defRPr b="0" baseline="0" cap="none" i="0" spc="0" strike="noStrike" sz="1800" u="none" kumimoji="0" normalizeH="0">
+          <a:defRPr kumimoji="0" sz="1800" b="0" i="0" u="none" strike="noStrike" cap="none" spc="0" normalizeH="0" baseline="0">
             <a:ln>
               <a:noFill/>
             </a:ln>
@@ -10728,12 +11395,19 @@
         </a:lvl9pPr>
       </a:lstStyle>
       <a:style>
-        <a:lnRef idx="0"/>
-        <a:fillRef idx="0"/>
-        <a:effectRef idx="0"/>
+        <a:lnRef idx="0">
+          <a:scrgbClr r="0" g="0" b="0"/>
+        </a:lnRef>
+        <a:fillRef idx="0">
+          <a:scrgbClr r="0" g="0" b="0"/>
+        </a:fillRef>
+        <a:effectRef idx="0">
+          <a:scrgbClr r="0" g="0" b="0"/>
+        </a:effectRef>
         <a:fontRef idx="none"/>
       </a:style>
     </a:txDef>
   </a:objectDefaults>
+  <a:extraClrSchemeLst/>
 </a:theme>
 </file>
--- a/slides/system_calls.pptx
+++ b/slides/system_calls.pptx
@@ -321,6 +321,11 @@
       </a:defRPr>
     </a:lvl9pPr>
   </p:defaultTextStyle>
+  <p:extLst>
+    <p:ext uri="{EFAFB233-063F-42B5-8137-9DF3F51BA10A}">
+      <p15:sldGuideLst xmlns:p15="http://schemas.microsoft.com/office/powerpoint/2012/main"/>
+    </p:ext>
+  </p:extLst>
 </p:presentation>
 </file>
 
@@ -6038,6 +6043,72 @@
               </a:rPr>
               <a:t> table = An array of pointers to system call routines in kernel</a:t>
             </a:r>
+          </a:p>
+          <a:p>
+            <a:pPr marL="307181" indent="-192881">
+              <a:lnSpc>
+                <a:spcPct val="120000"/>
+              </a:lnSpc>
+              <a:spcBef>
+                <a:spcPts val="300"/>
+              </a:spcBef>
+              <a:buFont typeface="Trebuchet MS"/>
+              <a:buAutoNum type="arabicPeriod"/>
+            </a:pPr>
+            <a:r>
+              <a:rPr sz="1800" dirty="0" smtClean="0">
+                <a:latin typeface="Calibri"/>
+                <a:ea typeface="Calibri"/>
+                <a:cs typeface="Calibri"/>
+                <a:sym typeface="Calibri"/>
+              </a:rPr>
+              <a:t>Execute </a:t>
+            </a:r>
+            <a:r>
+              <a:rPr sz="1800" dirty="0">
+                <a:latin typeface="Calibri"/>
+                <a:ea typeface="Calibri"/>
+                <a:cs typeface="Calibri"/>
+                <a:sym typeface="Calibri"/>
+              </a:rPr>
+              <a:t>the </a:t>
+            </a:r>
+            <a:r>
+              <a:rPr sz="1800" dirty="0" smtClean="0">
+                <a:latin typeface="Calibri"/>
+                <a:ea typeface="Calibri"/>
+                <a:cs typeface="Calibri"/>
+                <a:sym typeface="Calibri"/>
+              </a:rPr>
+              <a:t>system </a:t>
+            </a:r>
+            <a:r>
+              <a:rPr sz="1800" dirty="0">
+                <a:latin typeface="Calibri"/>
+                <a:ea typeface="Calibri"/>
+                <a:cs typeface="Calibri"/>
+                <a:sym typeface="Calibri"/>
+              </a:rPr>
+              <a:t>call </a:t>
+            </a:r>
+            <a:r>
+              <a:rPr lang="en-US" sz="1800" dirty="0" smtClean="0">
+                <a:latin typeface="Calibri"/>
+                <a:ea typeface="Calibri"/>
+                <a:cs typeface="Calibri"/>
+                <a:sym typeface="Calibri"/>
+              </a:rPr>
+              <a:t>routine</a:t>
+            </a:r>
+            <a:r>
+              <a:rPr sz="1800" dirty="0" smtClean="0">
+                <a:latin typeface="Calibri"/>
+                <a:ea typeface="Calibri"/>
+                <a:cs typeface="Calibri"/>
+                <a:sym typeface="Calibri"/>
+              </a:rPr>
+              <a:t>.</a:t>
+            </a:r>
             <a:endParaRPr lang="en-US" sz="1800" dirty="0" smtClean="0">
               <a:latin typeface="Calibri"/>
               <a:ea typeface="Calibri"/>
@@ -6046,78 +6117,6 @@
             </a:endParaRPr>
           </a:p>
           <a:p>
-            <a:pPr marL="307181" indent="-192881">
-              <a:lnSpc>
-                <a:spcPct val="120000"/>
-              </a:lnSpc>
-              <a:spcBef>
-                <a:spcPts val="300"/>
-              </a:spcBef>
-              <a:buFont typeface="Trebuchet MS"/>
-              <a:buAutoNum type="arabicPeriod"/>
-            </a:pPr>
-            <a:r>
-              <a:rPr sz="1800" dirty="0" smtClean="0">
-                <a:latin typeface="Calibri"/>
-                <a:ea typeface="Calibri"/>
-                <a:cs typeface="Calibri"/>
-                <a:sym typeface="Calibri"/>
-              </a:rPr>
-              <a:t>Execute </a:t>
-            </a:r>
-            <a:r>
-              <a:rPr sz="1800" dirty="0">
-                <a:latin typeface="Calibri"/>
-                <a:ea typeface="Calibri"/>
-                <a:cs typeface="Calibri"/>
-                <a:sym typeface="Calibri"/>
-              </a:rPr>
-              <a:t>the </a:t>
-            </a:r>
-            <a:r>
-              <a:rPr sz="1800" dirty="0" smtClean="0">
-                <a:latin typeface="Calibri"/>
-                <a:ea typeface="Calibri"/>
-                <a:cs typeface="Calibri"/>
-                <a:sym typeface="Calibri"/>
-              </a:rPr>
-              <a:t>system </a:t>
-            </a:r>
-            <a:r>
-              <a:rPr sz="1800" dirty="0">
-                <a:latin typeface="Calibri"/>
-                <a:ea typeface="Calibri"/>
-                <a:cs typeface="Calibri"/>
-                <a:sym typeface="Calibri"/>
-              </a:rPr>
-              <a:t>call </a:t>
-            </a:r>
-            <a:r>
-              <a:rPr lang="en-US" sz="1800" dirty="0" smtClean="0">
-                <a:latin typeface="Calibri"/>
-                <a:ea typeface="Calibri"/>
-                <a:cs typeface="Calibri"/>
-                <a:sym typeface="Calibri"/>
-              </a:rPr>
-              <a:t>routine</a:t>
-            </a:r>
-            <a:r>
-              <a:rPr sz="1800" dirty="0" smtClean="0">
-                <a:latin typeface="Calibri"/>
-                <a:ea typeface="Calibri"/>
-                <a:cs typeface="Calibri"/>
-                <a:sym typeface="Calibri"/>
-              </a:rPr>
-              <a:t>.</a:t>
-            </a:r>
-            <a:endParaRPr lang="en-US" sz="1800" dirty="0" smtClean="0">
-              <a:latin typeface="Calibri"/>
-              <a:ea typeface="Calibri"/>
-              <a:cs typeface="Calibri"/>
-              <a:sym typeface="Calibri"/>
-            </a:endParaRPr>
-          </a:p>
-          <a:p>
             <a:pPr marL="781050" lvl="1" indent="-285750">
               <a:lnSpc>
                 <a:spcPct val="120000"/>
@@ -6263,7 +6262,25 @@
                 <a:cs typeface="Calibri"/>
                 <a:sym typeface="Calibri"/>
               </a:rPr>
-              <a:t> Restore </a:t>
+              <a:t> Restore user-level</a:t>
+            </a:r>
+            <a:r>
+              <a:rPr sz="1800" dirty="0" smtClean="0">
+                <a:latin typeface="Calibri"/>
+                <a:ea typeface="Calibri"/>
+                <a:cs typeface="Calibri"/>
+                <a:sym typeface="Calibri"/>
+              </a:rPr>
+              <a:t> </a:t>
+            </a:r>
+            <a:r>
+              <a:rPr sz="1800" dirty="0">
+                <a:latin typeface="Calibri"/>
+                <a:ea typeface="Calibri"/>
+                <a:cs typeface="Calibri"/>
+                <a:sym typeface="Calibri"/>
+              </a:rPr>
+              <a:t>process state </a:t>
             </a:r>
             <a:r>
               <a:rPr lang="en-US" sz="1800" dirty="0" smtClean="0">
@@ -6272,34 +6289,25 @@
                 <a:cs typeface="Calibri"/>
                 <a:sym typeface="Calibri"/>
               </a:rPr>
-              <a:t>user-level</a:t>
-            </a:r>
-            <a:r>
-              <a:rPr sz="1800" dirty="0" smtClean="0">
-                <a:latin typeface="Calibri"/>
-                <a:ea typeface="Calibri"/>
-                <a:cs typeface="Calibri"/>
-                <a:sym typeface="Calibri"/>
-              </a:rPr>
-              <a:t> </a:t>
-            </a:r>
-            <a:r>
-              <a:rPr sz="1800" dirty="0">
-                <a:latin typeface="Calibri"/>
-                <a:ea typeface="Calibri"/>
-                <a:cs typeface="Calibri"/>
-                <a:sym typeface="Calibri"/>
-              </a:rPr>
-              <a:t>process state </a:t>
-            </a:r>
-            <a:r>
-              <a:rPr lang="en-US" sz="1800" dirty="0" smtClean="0">
-                <a:latin typeface="Calibri"/>
-                <a:ea typeface="Calibri"/>
-                <a:cs typeface="Calibri"/>
-                <a:sym typeface="Calibri"/>
-              </a:rPr>
-              <a:t>(saved in Step 3).</a:t>
+              <a:t>(saved in </a:t>
+            </a:r>
+            <a:r>
+              <a:rPr lang="en-US" sz="1800" smtClean="0">
+                <a:latin typeface="Calibri"/>
+                <a:ea typeface="Calibri"/>
+                <a:cs typeface="Calibri"/>
+                <a:sym typeface="Calibri"/>
+              </a:rPr>
+              <a:t>Step </a:t>
+            </a:r>
+            <a:r>
+              <a:rPr lang="en-US" sz="1800" smtClean="0">
+                <a:latin typeface="Calibri"/>
+                <a:ea typeface="Calibri"/>
+                <a:cs typeface="Calibri"/>
+                <a:sym typeface="Calibri"/>
+              </a:rPr>
+              <a:t>4).</a:t>
             </a:r>
             <a:endParaRPr sz="1800" dirty="0">
               <a:latin typeface="Calibri"/>
